--- a/Ch02_微信小程序组件/微信小程序——表单1.pptx
+++ b/Ch02_微信小程序组件/微信小程序——表单1.pptx
@@ -9,13 +9,14 @@
   </p:notesMasterIdLst>
   <p:sldIdLst>
     <p:sldId id="256" r:id="rId3"/>
-    <p:sldId id="438" r:id="rId5"/>
-    <p:sldId id="439" r:id="rId6"/>
-    <p:sldId id="440" r:id="rId7"/>
-    <p:sldId id="441" r:id="rId8"/>
-    <p:sldId id="442" r:id="rId9"/>
-    <p:sldId id="443" r:id="rId10"/>
-    <p:sldId id="291" r:id="rId11"/>
+    <p:sldId id="446" r:id="rId5"/>
+    <p:sldId id="438" r:id="rId6"/>
+    <p:sldId id="439" r:id="rId7"/>
+    <p:sldId id="440" r:id="rId8"/>
+    <p:sldId id="441" r:id="rId9"/>
+    <p:sldId id="442" r:id="rId10"/>
+    <p:sldId id="443" r:id="rId11"/>
+    <p:sldId id="291" r:id="rId12"/>
   </p:sldIdLst>
   <p:sldSz cx="12192000" cy="6858000"/>
   <p:notesSz cx="7103745" cy="10234295"/>
@@ -564,36 +565,19 @@
       </p:grpSpPr>
       <p:sp>
         <p:nvSpPr>
-          <p:cNvPr id="15362" name="幻灯片图像占位符 1"/>
+          <p:cNvPr id="2" name="幻灯片图像占位符 1"/>
           <p:cNvSpPr>
-            <a:spLocks noGrp="1" noRot="1" noChangeAspect="1" noTextEdit="1"/>
+            <a:spLocks noGrp="1" noRot="1" noChangeAspect="1"/>
           </p:cNvSpPr>
           <p:nvPr>
             <p:ph type="sldImg"/>
           </p:nvPr>
         </p:nvSpPr>
-        <p:spPr bwMode="auto">
-          <a:noFill/>
-          <a:ln>
-            <a:solidFill>
-              <a:srgbClr val="000000"/>
-            </a:solidFill>
-            <a:miter lim="800000"/>
-          </a:ln>
-          <a:extLst>
-            <a:ext uri="{909E8E84-426E-40DD-AFC4-6F175D3DCCD1}">
-              <a14:hiddenFill xmlns:a14="http://schemas.microsoft.com/office/drawing/2010/main">
-                <a:solidFill>
-                  <a:srgbClr val="FFFFFF"/>
-                </a:solidFill>
-              </a14:hiddenFill>
-            </a:ext>
-          </a:extLst>
-        </p:spPr>
+        <p:spPr/>
       </p:sp>
       <p:sp>
         <p:nvSpPr>
-          <p:cNvPr id="15363" name="备注占位符 2"/>
+          <p:cNvPr id="3" name="备注占位符 2"/>
           <p:cNvSpPr>
             <a:spLocks noGrp="1"/>
           </p:cNvSpPr>
@@ -601,227 +585,37 @@
             <p:ph type="body" idx="1"/>
           </p:nvPr>
         </p:nvSpPr>
-        <p:spPr bwMode="auto">
-          <a:noFill/>
-          <a:extLst>
-            <a:ext uri="{909E8E84-426E-40DD-AFC4-6F175D3DCCD1}">
-              <a14:hiddenFill xmlns:a14="http://schemas.microsoft.com/office/drawing/2010/main">
-                <a:solidFill>
-                  <a:srgbClr val="FFFFFF"/>
-                </a:solidFill>
-              </a14:hiddenFill>
-            </a:ext>
-            <a:ext uri="{91240B29-F687-4F45-9708-019B960494DF}">
-              <a14:hiddenLine xmlns:a14="http://schemas.microsoft.com/office/drawing/2010/main" w="9525">
-                <a:solidFill>
-                  <a:srgbClr val="000000"/>
-                </a:solidFill>
-                <a:miter lim="800000"/>
-                <a:headEnd/>
-                <a:tailEnd/>
-              </a14:hiddenLine>
-            </a:ext>
-          </a:extLst>
-        </p:spPr>
+        <p:spPr/>
         <p:txBody>
-          <a:bodyPr wrap="square" numCol="1" anchor="t" anchorCtr="0" compatLnSpc="1"/>
+          <a:bodyPr/>
           <a:lstStyle/>
           <a:p>
-            <a:pPr eaLnBrk="1" hangingPunct="1">
-              <a:spcBef>
-                <a:spcPct val="0"/>
-              </a:spcBef>
-            </a:pPr>
-            <a:r>
-              <a:rPr lang="zh-CN" altLang="en-US" smtClean="0"/>
-              <a:t>hover-class	String	button-hover	指定按钮按下去的样式类。当 hover-class="none" 时，没有点击态效果</a:t>
-            </a:r>
-            <a:endParaRPr lang="zh-CN" altLang="en-US" smtClean="0"/>
-          </a:p>
-          <a:p>
-            <a:pPr eaLnBrk="1" hangingPunct="1">
-              <a:spcBef>
-                <a:spcPct val="0"/>
-              </a:spcBef>
-            </a:pPr>
-            <a:r>
-              <a:rPr lang="zh-CN" altLang="en-US" smtClean="0"/>
-              <a:t>hover-start-time	Number	50	按住后多久出现点击态，单位毫秒</a:t>
-            </a:r>
-            <a:endParaRPr lang="zh-CN" altLang="en-US" smtClean="0"/>
-          </a:p>
-          <a:p>
-            <a:pPr eaLnBrk="1" hangingPunct="1">
-              <a:spcBef>
-                <a:spcPct val="0"/>
-              </a:spcBef>
-            </a:pPr>
-            <a:r>
-              <a:rPr lang="zh-CN" altLang="en-US" smtClean="0"/>
-              <a:t>hover-stay-time	Number	400	手指松开后点击态保留时间，单位毫秒</a:t>
-            </a:r>
-            <a:endParaRPr lang="zh-CN" altLang="en-US" smtClean="0"/>
+            <a:endParaRPr lang="zh-CN" altLang="en-US"/>
           </a:p>
         </p:txBody>
       </p:sp>
       <p:sp>
         <p:nvSpPr>
-          <p:cNvPr id="15364" name="灯片编号占位符 3"/>
+          <p:cNvPr id="4" name="灯片编号占位符 3"/>
           <p:cNvSpPr>
             <a:spLocks noGrp="1"/>
           </p:cNvSpPr>
           <p:nvPr>
-            <p:ph type="sldNum" sz="quarter" idx="5"/>
+            <p:ph type="sldNum" sz="quarter" idx="10"/>
           </p:nvPr>
         </p:nvSpPr>
-        <p:spPr bwMode="auto">
-          <a:noFill/>
-          <a:extLst>
-            <a:ext uri="{909E8E84-426E-40DD-AFC4-6F175D3DCCD1}">
-              <a14:hiddenFill xmlns:a14="http://schemas.microsoft.com/office/drawing/2010/main">
-                <a:solidFill>
-                  <a:srgbClr val="FFFFFF"/>
-                </a:solidFill>
-              </a14:hiddenFill>
-            </a:ext>
-            <a:ext uri="{91240B29-F687-4F45-9708-019B960494DF}">
-              <a14:hiddenLine xmlns:a14="http://schemas.microsoft.com/office/drawing/2010/main" w="9525">
-                <a:solidFill>
-                  <a:srgbClr val="000000"/>
-                </a:solidFill>
-                <a:miter lim="800000"/>
-                <a:headEnd/>
-                <a:tailEnd/>
-              </a14:hiddenLine>
-            </a:ext>
-          </a:extLst>
-        </p:spPr>
+        <p:spPr/>
         <p:txBody>
-          <a:bodyPr wrap="square" numCol="1" anchorCtr="0" compatLnSpc="1"/>
-          <a:lstStyle>
-            <a:lvl1pPr>
-              <a:defRPr>
-                <a:solidFill>
-                  <a:schemeClr val="tx1"/>
-                </a:solidFill>
-                <a:latin typeface="Calibri" panose="020F0502020204030204" pitchFamily="34" charset="0"/>
-                <a:ea typeface="幼圆" pitchFamily="49" charset="-122"/>
-              </a:defRPr>
-            </a:lvl1pPr>
-            <a:lvl2pPr marL="742950" indent="-285750">
-              <a:defRPr>
-                <a:solidFill>
-                  <a:schemeClr val="tx1"/>
-                </a:solidFill>
-                <a:latin typeface="Calibri" panose="020F0502020204030204" pitchFamily="34" charset="0"/>
-                <a:ea typeface="幼圆" pitchFamily="49" charset="-122"/>
-              </a:defRPr>
-            </a:lvl2pPr>
-            <a:lvl3pPr marL="1143000" indent="-228600">
-              <a:defRPr>
-                <a:solidFill>
-                  <a:schemeClr val="tx1"/>
-                </a:solidFill>
-                <a:latin typeface="Calibri" panose="020F0502020204030204" pitchFamily="34" charset="0"/>
-                <a:ea typeface="幼圆" pitchFamily="49" charset="-122"/>
-              </a:defRPr>
-            </a:lvl3pPr>
-            <a:lvl4pPr marL="1600200" indent="-228600">
-              <a:defRPr>
-                <a:solidFill>
-                  <a:schemeClr val="tx1"/>
-                </a:solidFill>
-                <a:latin typeface="Calibri" panose="020F0502020204030204" pitchFamily="34" charset="0"/>
-                <a:ea typeface="幼圆" pitchFamily="49" charset="-122"/>
-              </a:defRPr>
-            </a:lvl4pPr>
-            <a:lvl5pPr marL="2057400" indent="-228600">
-              <a:defRPr>
-                <a:solidFill>
-                  <a:schemeClr val="tx1"/>
-                </a:solidFill>
-                <a:latin typeface="Calibri" panose="020F0502020204030204" pitchFamily="34" charset="0"/>
-                <a:ea typeface="幼圆" pitchFamily="49" charset="-122"/>
-              </a:defRPr>
-            </a:lvl5pPr>
-            <a:lvl6pPr marL="2514600" indent="-228600" eaLnBrk="0" fontAlgn="base" hangingPunct="0">
-              <a:spcBef>
-                <a:spcPct val="0"/>
-              </a:spcBef>
-              <a:spcAft>
-                <a:spcPct val="0"/>
-              </a:spcAft>
-              <a:defRPr>
-                <a:solidFill>
-                  <a:schemeClr val="tx1"/>
-                </a:solidFill>
-                <a:latin typeface="Calibri" panose="020F0502020204030204" pitchFamily="34" charset="0"/>
-                <a:ea typeface="幼圆" pitchFamily="49" charset="-122"/>
-              </a:defRPr>
-            </a:lvl6pPr>
-            <a:lvl7pPr marL="2971800" indent="-228600" eaLnBrk="0" fontAlgn="base" hangingPunct="0">
-              <a:spcBef>
-                <a:spcPct val="0"/>
-              </a:spcBef>
-              <a:spcAft>
-                <a:spcPct val="0"/>
-              </a:spcAft>
-              <a:defRPr>
-                <a:solidFill>
-                  <a:schemeClr val="tx1"/>
-                </a:solidFill>
-                <a:latin typeface="Calibri" panose="020F0502020204030204" pitchFamily="34" charset="0"/>
-                <a:ea typeface="幼圆" pitchFamily="49" charset="-122"/>
-              </a:defRPr>
-            </a:lvl7pPr>
-            <a:lvl8pPr marL="3429000" indent="-228600" eaLnBrk="0" fontAlgn="base" hangingPunct="0">
-              <a:spcBef>
-                <a:spcPct val="0"/>
-              </a:spcBef>
-              <a:spcAft>
-                <a:spcPct val="0"/>
-              </a:spcAft>
-              <a:defRPr>
-                <a:solidFill>
-                  <a:schemeClr val="tx1"/>
-                </a:solidFill>
-                <a:latin typeface="Calibri" panose="020F0502020204030204" pitchFamily="34" charset="0"/>
-                <a:ea typeface="幼圆" pitchFamily="49" charset="-122"/>
-              </a:defRPr>
-            </a:lvl8pPr>
-            <a:lvl9pPr marL="3886200" indent="-228600" eaLnBrk="0" fontAlgn="base" hangingPunct="0">
-              <a:spcBef>
-                <a:spcPct val="0"/>
-              </a:spcBef>
-              <a:spcAft>
-                <a:spcPct val="0"/>
-              </a:spcAft>
-              <a:defRPr>
-                <a:solidFill>
-                  <a:schemeClr val="tx1"/>
-                </a:solidFill>
-                <a:latin typeface="Calibri" panose="020F0502020204030204" pitchFamily="34" charset="0"/>
-                <a:ea typeface="幼圆" pitchFamily="49" charset="-122"/>
-              </a:defRPr>
-            </a:lvl9pPr>
-          </a:lstStyle>
-          <a:p>
-            <a:pPr fontAlgn="base">
-              <a:spcBef>
-                <a:spcPct val="0"/>
-              </a:spcBef>
-              <a:spcAft>
-                <a:spcPct val="0"/>
-              </a:spcAft>
+          <a:bodyPr/>
+          <a:lstStyle/>
+          <a:p>
+            <a:pPr>
+              <a:defRPr/>
             </a:pPr>
-            <a:fld id="{6D059ADB-189C-4C4C-BD5F-2F612A71A919}" type="slidenum">
-              <a:rPr lang="zh-CN" altLang="en-US" smtClean="0">
-                <a:ea typeface="宋体" panose="02010600030101010101" pitchFamily="2" charset="-122"/>
-              </a:rPr>
+            <a:fld id="{61854D89-3615-48C6-AF15-CC62D749EC49}" type="slidenum">
+              <a:rPr lang="zh-CN" altLang="en-US" smtClean="0"/>
             </a:fld>
-            <a:endParaRPr lang="zh-CN" altLang="en-US" smtClean="0">
-              <a:ea typeface="宋体" panose="02010600030101010101" pitchFamily="2" charset="-122"/>
-            </a:endParaRPr>
+            <a:endParaRPr lang="zh-CN" altLang="en-US"/>
           </a:p>
         </p:txBody>
       </p:sp>
@@ -922,7 +716,31 @@
             </a:pPr>
             <a:r>
               <a:rPr lang="zh-CN" altLang="en-US" smtClean="0"/>
-              <a:t>for优先级高于内部控件，内部有多个控件的时候默认触发第一个控件。</a:t>
+              <a:t>hover-class	String	button-hover	指定按钮按下去的样式类。当 hover-class="none" 时，没有点击态效果</a:t>
+            </a:r>
+            <a:endParaRPr lang="zh-CN" altLang="en-US" smtClean="0"/>
+          </a:p>
+          <a:p>
+            <a:pPr eaLnBrk="1" hangingPunct="1">
+              <a:spcBef>
+                <a:spcPct val="0"/>
+              </a:spcBef>
+            </a:pPr>
+            <a:r>
+              <a:rPr lang="zh-CN" altLang="en-US" smtClean="0"/>
+              <a:t>hover-start-time	Number	50	按住后多久出现点击态，单位毫秒</a:t>
+            </a:r>
+            <a:endParaRPr lang="zh-CN" altLang="en-US" smtClean="0"/>
+          </a:p>
+          <a:p>
+            <a:pPr eaLnBrk="1" hangingPunct="1">
+              <a:spcBef>
+                <a:spcPct val="0"/>
+              </a:spcBef>
+            </a:pPr>
+            <a:r>
+              <a:rPr lang="zh-CN" altLang="en-US" smtClean="0"/>
+              <a:t>hover-stay-time	Number	400	手指松开后点击态保留时间，单位毫秒</a:t>
             </a:r>
             <a:endParaRPr lang="zh-CN" altLang="en-US" smtClean="0"/>
           </a:p>
@@ -1184,6 +1002,10 @@
                 <a:spcPct val="0"/>
               </a:spcBef>
             </a:pPr>
+            <a:r>
+              <a:rPr lang="zh-CN" altLang="en-US" smtClean="0"/>
+              <a:t>for优先级高于内部控件，内部有多个控件的时候默认触发第一个控件。</a:t>
+            </a:r>
             <a:endParaRPr lang="zh-CN" altLang="en-US" smtClean="0"/>
           </a:p>
         </p:txBody>
@@ -2138,6 +1960,266 @@
 </file>
 
 <file path=ppt/notesSlides/notesSlide8.xml><?xml version="1.0" encoding="utf-8"?>
+<p:notes xmlns:a="http://schemas.openxmlformats.org/drawingml/2006/main" xmlns:r="http://schemas.openxmlformats.org/officeDocument/2006/relationships" xmlns:p="http://schemas.openxmlformats.org/presentationml/2006/main">
+  <p:cSld>
+    <p:spTree>
+      <p:nvGrpSpPr>
+        <p:cNvPr id="1" name=""/>
+        <p:cNvGrpSpPr/>
+        <p:nvPr/>
+      </p:nvGrpSpPr>
+      <p:grpSpPr>
+        <a:xfrm>
+          <a:off x="0" y="0"/>
+          <a:ext cx="0" cy="0"/>
+          <a:chOff x="0" y="0"/>
+          <a:chExt cx="0" cy="0"/>
+        </a:xfrm>
+      </p:grpSpPr>
+      <p:sp>
+        <p:nvSpPr>
+          <p:cNvPr id="15362" name="幻灯片图像占位符 1"/>
+          <p:cNvSpPr>
+            <a:spLocks noGrp="1" noRot="1" noChangeAspect="1" noTextEdit="1"/>
+          </p:cNvSpPr>
+          <p:nvPr>
+            <p:ph type="sldImg"/>
+          </p:nvPr>
+        </p:nvSpPr>
+        <p:spPr bwMode="auto">
+          <a:noFill/>
+          <a:ln>
+            <a:solidFill>
+              <a:srgbClr val="000000"/>
+            </a:solidFill>
+            <a:miter lim="800000"/>
+          </a:ln>
+          <a:extLst>
+            <a:ext uri="{909E8E84-426E-40DD-AFC4-6F175D3DCCD1}">
+              <a14:hiddenFill xmlns:a14="http://schemas.microsoft.com/office/drawing/2010/main">
+                <a:solidFill>
+                  <a:srgbClr val="FFFFFF"/>
+                </a:solidFill>
+              </a14:hiddenFill>
+            </a:ext>
+          </a:extLst>
+        </p:spPr>
+      </p:sp>
+      <p:sp>
+        <p:nvSpPr>
+          <p:cNvPr id="15363" name="备注占位符 2"/>
+          <p:cNvSpPr>
+            <a:spLocks noGrp="1"/>
+          </p:cNvSpPr>
+          <p:nvPr>
+            <p:ph type="body" idx="1"/>
+          </p:nvPr>
+        </p:nvSpPr>
+        <p:spPr bwMode="auto">
+          <a:noFill/>
+          <a:extLst>
+            <a:ext uri="{909E8E84-426E-40DD-AFC4-6F175D3DCCD1}">
+              <a14:hiddenFill xmlns:a14="http://schemas.microsoft.com/office/drawing/2010/main">
+                <a:solidFill>
+                  <a:srgbClr val="FFFFFF"/>
+                </a:solidFill>
+              </a14:hiddenFill>
+            </a:ext>
+            <a:ext uri="{91240B29-F687-4F45-9708-019B960494DF}">
+              <a14:hiddenLine xmlns:a14="http://schemas.microsoft.com/office/drawing/2010/main" w="9525">
+                <a:solidFill>
+                  <a:srgbClr val="000000"/>
+                </a:solidFill>
+                <a:miter lim="800000"/>
+                <a:headEnd/>
+                <a:tailEnd/>
+              </a14:hiddenLine>
+            </a:ext>
+          </a:extLst>
+        </p:spPr>
+        <p:txBody>
+          <a:bodyPr wrap="square" numCol="1" anchor="t" anchorCtr="0" compatLnSpc="1"/>
+          <a:lstStyle/>
+          <a:p>
+            <a:pPr eaLnBrk="1" hangingPunct="1">
+              <a:spcBef>
+                <a:spcPct val="0"/>
+              </a:spcBef>
+            </a:pPr>
+            <a:endParaRPr lang="zh-CN" altLang="en-US" smtClean="0"/>
+          </a:p>
+        </p:txBody>
+      </p:sp>
+      <p:sp>
+        <p:nvSpPr>
+          <p:cNvPr id="15364" name="灯片编号占位符 3"/>
+          <p:cNvSpPr>
+            <a:spLocks noGrp="1"/>
+          </p:cNvSpPr>
+          <p:nvPr>
+            <p:ph type="sldNum" sz="quarter" idx="5"/>
+          </p:nvPr>
+        </p:nvSpPr>
+        <p:spPr bwMode="auto">
+          <a:noFill/>
+          <a:extLst>
+            <a:ext uri="{909E8E84-426E-40DD-AFC4-6F175D3DCCD1}">
+              <a14:hiddenFill xmlns:a14="http://schemas.microsoft.com/office/drawing/2010/main">
+                <a:solidFill>
+                  <a:srgbClr val="FFFFFF"/>
+                </a:solidFill>
+              </a14:hiddenFill>
+            </a:ext>
+            <a:ext uri="{91240B29-F687-4F45-9708-019B960494DF}">
+              <a14:hiddenLine xmlns:a14="http://schemas.microsoft.com/office/drawing/2010/main" w="9525">
+                <a:solidFill>
+                  <a:srgbClr val="000000"/>
+                </a:solidFill>
+                <a:miter lim="800000"/>
+                <a:headEnd/>
+                <a:tailEnd/>
+              </a14:hiddenLine>
+            </a:ext>
+          </a:extLst>
+        </p:spPr>
+        <p:txBody>
+          <a:bodyPr wrap="square" numCol="1" anchorCtr="0" compatLnSpc="1"/>
+          <a:lstStyle>
+            <a:lvl1pPr>
+              <a:defRPr>
+                <a:solidFill>
+                  <a:schemeClr val="tx1"/>
+                </a:solidFill>
+                <a:latin typeface="Calibri" panose="020F0502020204030204" pitchFamily="34" charset="0"/>
+                <a:ea typeface="幼圆" pitchFamily="49" charset="-122"/>
+              </a:defRPr>
+            </a:lvl1pPr>
+            <a:lvl2pPr marL="742950" indent="-285750">
+              <a:defRPr>
+                <a:solidFill>
+                  <a:schemeClr val="tx1"/>
+                </a:solidFill>
+                <a:latin typeface="Calibri" panose="020F0502020204030204" pitchFamily="34" charset="0"/>
+                <a:ea typeface="幼圆" pitchFamily="49" charset="-122"/>
+              </a:defRPr>
+            </a:lvl2pPr>
+            <a:lvl3pPr marL="1143000" indent="-228600">
+              <a:defRPr>
+                <a:solidFill>
+                  <a:schemeClr val="tx1"/>
+                </a:solidFill>
+                <a:latin typeface="Calibri" panose="020F0502020204030204" pitchFamily="34" charset="0"/>
+                <a:ea typeface="幼圆" pitchFamily="49" charset="-122"/>
+              </a:defRPr>
+            </a:lvl3pPr>
+            <a:lvl4pPr marL="1600200" indent="-228600">
+              <a:defRPr>
+                <a:solidFill>
+                  <a:schemeClr val="tx1"/>
+                </a:solidFill>
+                <a:latin typeface="Calibri" panose="020F0502020204030204" pitchFamily="34" charset="0"/>
+                <a:ea typeface="幼圆" pitchFamily="49" charset="-122"/>
+              </a:defRPr>
+            </a:lvl4pPr>
+            <a:lvl5pPr marL="2057400" indent="-228600">
+              <a:defRPr>
+                <a:solidFill>
+                  <a:schemeClr val="tx1"/>
+                </a:solidFill>
+                <a:latin typeface="Calibri" panose="020F0502020204030204" pitchFamily="34" charset="0"/>
+                <a:ea typeface="幼圆" pitchFamily="49" charset="-122"/>
+              </a:defRPr>
+            </a:lvl5pPr>
+            <a:lvl6pPr marL="2514600" indent="-228600" eaLnBrk="0" fontAlgn="base" hangingPunct="0">
+              <a:spcBef>
+                <a:spcPct val="0"/>
+              </a:spcBef>
+              <a:spcAft>
+                <a:spcPct val="0"/>
+              </a:spcAft>
+              <a:defRPr>
+                <a:solidFill>
+                  <a:schemeClr val="tx1"/>
+                </a:solidFill>
+                <a:latin typeface="Calibri" panose="020F0502020204030204" pitchFamily="34" charset="0"/>
+                <a:ea typeface="幼圆" pitchFamily="49" charset="-122"/>
+              </a:defRPr>
+            </a:lvl6pPr>
+            <a:lvl7pPr marL="2971800" indent="-228600" eaLnBrk="0" fontAlgn="base" hangingPunct="0">
+              <a:spcBef>
+                <a:spcPct val="0"/>
+              </a:spcBef>
+              <a:spcAft>
+                <a:spcPct val="0"/>
+              </a:spcAft>
+              <a:defRPr>
+                <a:solidFill>
+                  <a:schemeClr val="tx1"/>
+                </a:solidFill>
+                <a:latin typeface="Calibri" panose="020F0502020204030204" pitchFamily="34" charset="0"/>
+                <a:ea typeface="幼圆" pitchFamily="49" charset="-122"/>
+              </a:defRPr>
+            </a:lvl7pPr>
+            <a:lvl8pPr marL="3429000" indent="-228600" eaLnBrk="0" fontAlgn="base" hangingPunct="0">
+              <a:spcBef>
+                <a:spcPct val="0"/>
+              </a:spcBef>
+              <a:spcAft>
+                <a:spcPct val="0"/>
+              </a:spcAft>
+              <a:defRPr>
+                <a:solidFill>
+                  <a:schemeClr val="tx1"/>
+                </a:solidFill>
+                <a:latin typeface="Calibri" panose="020F0502020204030204" pitchFamily="34" charset="0"/>
+                <a:ea typeface="幼圆" pitchFamily="49" charset="-122"/>
+              </a:defRPr>
+            </a:lvl8pPr>
+            <a:lvl9pPr marL="3886200" indent="-228600" eaLnBrk="0" fontAlgn="base" hangingPunct="0">
+              <a:spcBef>
+                <a:spcPct val="0"/>
+              </a:spcBef>
+              <a:spcAft>
+                <a:spcPct val="0"/>
+              </a:spcAft>
+              <a:defRPr>
+                <a:solidFill>
+                  <a:schemeClr val="tx1"/>
+                </a:solidFill>
+                <a:latin typeface="Calibri" panose="020F0502020204030204" pitchFamily="34" charset="0"/>
+                <a:ea typeface="幼圆" pitchFamily="49" charset="-122"/>
+              </a:defRPr>
+            </a:lvl9pPr>
+          </a:lstStyle>
+          <a:p>
+            <a:pPr fontAlgn="base">
+              <a:spcBef>
+                <a:spcPct val="0"/>
+              </a:spcBef>
+              <a:spcAft>
+                <a:spcPct val="0"/>
+              </a:spcAft>
+            </a:pPr>
+            <a:fld id="{6D059ADB-189C-4C4C-BD5F-2F612A71A919}" type="slidenum">
+              <a:rPr lang="zh-CN" altLang="en-US" smtClean="0">
+                <a:ea typeface="宋体" panose="02010600030101010101" pitchFamily="2" charset="-122"/>
+              </a:rPr>
+            </a:fld>
+            <a:endParaRPr lang="zh-CN" altLang="en-US" smtClean="0">
+              <a:ea typeface="宋体" panose="02010600030101010101" pitchFamily="2" charset="-122"/>
+            </a:endParaRPr>
+          </a:p>
+        </p:txBody>
+      </p:sp>
+    </p:spTree>
+  </p:cSld>
+  <p:clrMapOvr>
+    <a:masterClrMapping/>
+  </p:clrMapOvr>
+</p:notes>
+</file>
+
+<file path=ppt/notesSlides/notesSlide9.xml><?xml version="1.0" encoding="utf-8"?>
 <p:notes xmlns:a="http://schemas.openxmlformats.org/drawingml/2006/main" xmlns:r="http://schemas.openxmlformats.org/officeDocument/2006/relationships" xmlns:p="http://schemas.openxmlformats.org/presentationml/2006/main">
   <p:cSld>
     <p:spTree>
@@ -7754,7 +7836,7 @@
       </p:grpSpPr>
       <p:sp>
         <p:nvSpPr>
-          <p:cNvPr id="21" name="文本框 20"/>
+          <p:cNvPr id="7" name="文本框 6"/>
           <p:cNvSpPr txBox="1"/>
           <p:nvPr>
             <p:custDataLst>
@@ -7764,8 +7846,8 @@
         </p:nvSpPr>
         <p:spPr>
           <a:xfrm>
-            <a:off x="680085" y="995045"/>
-            <a:ext cx="11184255" cy="1249680"/>
+            <a:off x="2516883" y="3038296"/>
+            <a:ext cx="3238071" cy="699594"/>
           </a:xfrm>
           <a:prstGeom prst="rect">
             <a:avLst/>
@@ -7794,1645 +7876,17 @@
             </a:lvl1pPr>
           </a:lstStyle>
           <a:p>
-            <a:pPr defTabSz="685800">
-              <a:tabLst>
-                <a:tab pos="6446520" algn="l"/>
-              </a:tabLst>
-            </a:pPr>
-            <a:r>
-              <a:rPr lang="zh-CN" altLang="en-US" sz="2800" b="0" smtClean="0">
-                <a:latin typeface="+mn-lt"/>
-                <a:ea typeface="微软雅黑" panose="020B0503020204020204" pitchFamily="34" charset="-122"/>
-              </a:rPr>
-              <a:t>语法：</a:t>
-            </a:r>
-            <a:r>
-              <a:rPr lang="en-US" altLang="zh-CN" sz="2800" b="0" dirty="0">
-                <a:solidFill>
-                  <a:schemeClr val="tx2"/>
-                </a:solidFill>
-                <a:latin typeface="+mn-lt"/>
-                <a:ea typeface="微软雅黑" panose="020B0503020204020204" pitchFamily="34" charset="-122"/>
-                <a:cs typeface="+mn-cs"/>
-              </a:rPr>
-              <a:t> &lt;button &gt;</a:t>
-            </a:r>
-            <a:r>
-              <a:rPr lang="zh-CN" altLang="en-US" sz="2800" b="0" dirty="0">
-                <a:solidFill>
-                  <a:schemeClr val="tx2"/>
-                </a:solidFill>
-                <a:latin typeface="+mn-lt"/>
-                <a:ea typeface="微软雅黑" panose="020B0503020204020204" pitchFamily="34" charset="-122"/>
-                <a:cs typeface="+mn-cs"/>
-              </a:rPr>
-              <a:t>按钮</a:t>
-            </a:r>
-            <a:r>
-              <a:rPr lang="en-US" altLang="zh-CN" sz="2800" b="0" dirty="0">
-                <a:solidFill>
-                  <a:schemeClr val="tx2"/>
-                </a:solidFill>
-                <a:latin typeface="+mn-lt"/>
-                <a:ea typeface="微软雅黑" panose="020B0503020204020204" pitchFamily="34" charset="-122"/>
-                <a:cs typeface="+mn-cs"/>
-              </a:rPr>
-              <a:t>&lt;/button&gt;</a:t>
-            </a:r>
-            <a:endParaRPr lang="en-US" altLang="zh-CN" sz="2800" b="0" dirty="0">
-              <a:solidFill>
-                <a:schemeClr val="tx2"/>
-              </a:solidFill>
-              <a:latin typeface="+mn-lt"/>
-              <a:ea typeface="微软雅黑" panose="020B0503020204020204" pitchFamily="34" charset="-122"/>
-              <a:cs typeface="+mn-cs"/>
-            </a:endParaRPr>
-          </a:p>
-        </p:txBody>
-      </p:sp>
-      <p:sp>
-        <p:nvSpPr>
-          <p:cNvPr id="20" name="文本框 19"/>
-          <p:cNvSpPr txBox="1"/>
-          <p:nvPr>
-            <p:custDataLst>
-              <p:tags r:id="rId2"/>
-            </p:custDataLst>
-          </p:nvPr>
-        </p:nvSpPr>
-        <p:spPr>
-          <a:xfrm>
-            <a:off x="680085" y="279400"/>
-            <a:ext cx="8265795" cy="1171575"/>
-          </a:xfrm>
-          <a:prstGeom prst="rect">
-            <a:avLst/>
-          </a:prstGeom>
-        </p:spPr>
-        <p:txBody>
-          <a:bodyPr vert="horz" lIns="91440" tIns="45720" rIns="91440" bIns="45720" rtlCol="0" anchor="b">
-            <a:normAutofit/>
-          </a:bodyPr>
-          <a:lstStyle>
-            <a:lvl1pPr defTabSz="685800" eaLnBrk="1" latinLnBrk="0" hangingPunct="1">
-              <a:lnSpc>
-                <a:spcPct val="90000"/>
-              </a:lnSpc>
-              <a:buNone/>
-              <a:defRPr sz="3200" b="1" i="0" baseline="0">
-                <a:solidFill>
-                  <a:schemeClr val="accent1">
-                    <a:lumMod val="75000"/>
-                  </a:schemeClr>
-                </a:solidFill>
-                <a:latin typeface="Arial" panose="020B0604020202020204" pitchFamily="34" charset="0"/>
-                <a:ea typeface="黑体" panose="02010609060101010101" pitchFamily="49" charset="-122"/>
-                <a:cs typeface="+mj-cs"/>
-              </a:defRPr>
-            </a:lvl1pPr>
-          </a:lstStyle>
-          <a:p>
-            <a:r>
-              <a:rPr lang="zh-CN" altLang="en-US" dirty="0">
+            <a:r>
+              <a:rPr lang="zh-CN" altLang="en-US" sz="3600" dirty="0">
                 <a:latin typeface="微软雅黑" panose="020B0503020204020204" pitchFamily="34" charset="-122"/>
                 <a:ea typeface="微软雅黑" panose="020B0503020204020204" pitchFamily="34" charset="-122"/>
+                <a:sym typeface="+mn-ea"/>
               </a:rPr>
               <a:t>表单组件</a:t>
             </a:r>
-            <a:endParaRPr lang="zh-CN" altLang="en-US" dirty="0">
-              <a:latin typeface="微软雅黑" panose="020B0503020204020204" pitchFamily="34" charset="-122"/>
-              <a:ea typeface="微软雅黑" panose="020B0503020204020204" pitchFamily="34" charset="-122"/>
-            </a:endParaRPr>
-          </a:p>
-          <a:p>
-            <a:pPr defTabSz="685800">
-              <a:tabLst>
-                <a:tab pos="7073265" algn="l"/>
-              </a:tabLst>
-            </a:pPr>
-            <a:r>
-              <a:rPr lang="en-US" altLang="zh-CN" dirty="0">
-                <a:latin typeface="微软雅黑" panose="020B0503020204020204" pitchFamily="34" charset="-122"/>
-                <a:ea typeface="微软雅黑" panose="020B0503020204020204" pitchFamily="34" charset="-122"/>
-              </a:rPr>
-              <a:t>          ——</a:t>
-            </a:r>
-            <a:r>
-              <a:rPr lang="en-US" altLang="zh-CN" dirty="0">
-                <a:latin typeface="+mn-lt"/>
-                <a:ea typeface="微软雅黑" panose="020B0503020204020204" pitchFamily="34" charset="-122"/>
-              </a:rPr>
-              <a:t>button</a:t>
-            </a:r>
-            <a:endParaRPr lang="zh-CN" altLang="en-US" dirty="0">
-              <a:latin typeface="+mn-lt"/>
-              <a:ea typeface="微软雅黑" panose="020B0503020204020204" pitchFamily="34" charset="-122"/>
-            </a:endParaRPr>
-          </a:p>
-        </p:txBody>
-      </p:sp>
-      <p:sp>
-        <p:nvSpPr>
-          <p:cNvPr id="7" name="文本占位符 6"/>
-          <p:cNvSpPr/>
-          <p:nvPr>
-            <p:ph type="body" idx="1"/>
-          </p:nvPr>
-        </p:nvSpPr>
-        <p:spPr>
-          <a:xfrm>
-            <a:off x="680085" y="2397125"/>
-            <a:ext cx="10422890" cy="4059555"/>
-          </a:xfrm>
-        </p:spPr>
-        <p:txBody>
-          <a:bodyPr/>
-          <a:p>
-            <a:pPr fontAlgn="auto">
-              <a:lnSpc>
-                <a:spcPct val="200000"/>
-              </a:lnSpc>
-            </a:pPr>
-            <a:r>
-              <a:rPr lang="zh-CN" altLang="en-US" sz="2800">
-                <a:latin typeface="+mn-lt"/>
-                <a:ea typeface="微软雅黑" panose="020B0503020204020204" pitchFamily="34" charset="-122"/>
-              </a:rPr>
-              <a:t>属性：</a:t>
-            </a:r>
-            <a:endParaRPr lang="zh-CN" altLang="en-US" sz="2800">
-              <a:latin typeface="+mn-lt"/>
-              <a:ea typeface="微软雅黑" panose="020B0503020204020204" pitchFamily="34" charset="-122"/>
-            </a:endParaRPr>
-          </a:p>
-        </p:txBody>
-      </p:sp>
-      <p:sp>
-        <p:nvSpPr>
-          <p:cNvPr id="8" name="矩形 7"/>
-          <p:cNvSpPr/>
-          <p:nvPr/>
-        </p:nvSpPr>
-        <p:spPr>
-          <a:xfrm>
-            <a:off x="1600200" y="3413125"/>
-            <a:ext cx="4724400" cy="3150235"/>
-          </a:xfrm>
-          <a:prstGeom prst="rect">
-            <a:avLst/>
-          </a:prstGeom>
-          <a:solidFill>
-            <a:schemeClr val="accent1">
-              <a:alpha val="0"/>
-            </a:schemeClr>
-          </a:solidFill>
-          <a:ln>
-            <a:noFill/>
-          </a:ln>
-        </p:spPr>
-        <p:style>
-          <a:lnRef idx="2">
-            <a:schemeClr val="accent1">
-              <a:shade val="50000"/>
-            </a:schemeClr>
-          </a:lnRef>
-          <a:fillRef idx="1">
-            <a:schemeClr val="accent1"/>
-          </a:fillRef>
-          <a:effectRef idx="0">
-            <a:schemeClr val="accent1"/>
-          </a:effectRef>
-          <a:fontRef idx="minor">
-            <a:schemeClr val="lt1"/>
-          </a:fontRef>
-        </p:style>
-        <p:txBody>
-          <a:bodyPr rtlCol="0" anchor="ctr"/>
-          <a:p>
-            <a:pPr marL="285750" indent="-285750" algn="l" fontAlgn="auto">
-              <a:lnSpc>
-                <a:spcPct val="200000"/>
-              </a:lnSpc>
-              <a:buClr>
-                <a:srgbClr val="C00000"/>
-              </a:buClr>
-              <a:buFont typeface="Wingdings" panose="05000000000000000000" charset="0"/>
-              <a:buChar char="ü"/>
-            </a:pPr>
-            <a:r>
-              <a:rPr lang="en-US" altLang="zh-CN" sz="2800">
-                <a:solidFill>
-                  <a:schemeClr val="tx1"/>
-                </a:solidFill>
-                <a:ea typeface="微软雅黑" panose="020B0503020204020204" pitchFamily="34" charset="-122"/>
-                <a:sym typeface="+mn-ea"/>
-              </a:rPr>
-              <a:t> size</a:t>
-            </a:r>
-            <a:endParaRPr lang="en-US" altLang="zh-CN" sz="2800">
-              <a:solidFill>
-                <a:schemeClr val="tx1"/>
-              </a:solidFill>
-              <a:ea typeface="微软雅黑" panose="020B0503020204020204" pitchFamily="34" charset="-122"/>
-              <a:sym typeface="+mn-ea"/>
-            </a:endParaRPr>
-          </a:p>
-          <a:p>
-            <a:pPr marL="285750" indent="-285750" algn="l" fontAlgn="auto">
-              <a:lnSpc>
-                <a:spcPct val="200000"/>
-              </a:lnSpc>
-              <a:buClr>
-                <a:srgbClr val="C00000"/>
-              </a:buClr>
-              <a:buFont typeface="Wingdings" panose="05000000000000000000" charset="0"/>
-              <a:buChar char="ü"/>
-            </a:pPr>
-            <a:r>
-              <a:rPr lang="en-US" altLang="zh-CN" sz="2800">
-                <a:solidFill>
-                  <a:schemeClr val="tx1"/>
-                </a:solidFill>
-                <a:ea typeface="微软雅黑" panose="020B0503020204020204" pitchFamily="34" charset="-122"/>
-                <a:sym typeface="+mn-ea"/>
-              </a:rPr>
-              <a:t> type</a:t>
-            </a:r>
-            <a:endParaRPr lang="en-US" altLang="zh-CN" sz="2800">
-              <a:solidFill>
-                <a:schemeClr val="tx1"/>
-              </a:solidFill>
-              <a:ea typeface="微软雅黑" panose="020B0503020204020204" pitchFamily="34" charset="-122"/>
-              <a:sym typeface="+mn-ea"/>
-            </a:endParaRPr>
-          </a:p>
-          <a:p>
-            <a:pPr marL="285750" indent="-285750" algn="l" fontAlgn="auto">
-              <a:lnSpc>
-                <a:spcPct val="200000"/>
-              </a:lnSpc>
-              <a:buClr>
-                <a:srgbClr val="C00000"/>
-              </a:buClr>
-              <a:buFont typeface="Wingdings" panose="05000000000000000000" charset="0"/>
-              <a:buChar char="ü"/>
-            </a:pPr>
-            <a:r>
-              <a:rPr lang="en-US" altLang="zh-CN" sz="2800">
-                <a:solidFill>
-                  <a:schemeClr val="tx1"/>
-                </a:solidFill>
-                <a:ea typeface="微软雅黑" panose="020B0503020204020204" pitchFamily="34" charset="-122"/>
-                <a:sym typeface="+mn-ea"/>
-              </a:rPr>
-              <a:t> plain</a:t>
-            </a:r>
-            <a:endParaRPr lang="en-US" altLang="zh-CN" sz="2800">
-              <a:solidFill>
-                <a:schemeClr val="tx1"/>
-              </a:solidFill>
-              <a:ea typeface="微软雅黑" panose="020B0503020204020204" pitchFamily="34" charset="-122"/>
-              <a:sym typeface="+mn-ea"/>
-            </a:endParaRPr>
-          </a:p>
-          <a:p>
-            <a:pPr marL="285750" indent="-285750" algn="l" fontAlgn="auto">
-              <a:lnSpc>
-                <a:spcPct val="200000"/>
-              </a:lnSpc>
-              <a:buClr>
-                <a:srgbClr val="C00000"/>
-              </a:buClr>
-              <a:buFont typeface="Wingdings" panose="05000000000000000000" charset="0"/>
-              <a:buChar char="ü"/>
-            </a:pPr>
-            <a:r>
-              <a:rPr lang="en-US" altLang="zh-CN" sz="2800">
-                <a:solidFill>
-                  <a:schemeClr val="tx1"/>
-                </a:solidFill>
-                <a:ea typeface="微软雅黑" panose="020B0503020204020204" pitchFamily="34" charset="-122"/>
-                <a:sym typeface="+mn-ea"/>
-              </a:rPr>
-              <a:t> disabled</a:t>
-            </a:r>
-            <a:endParaRPr lang="en-US" altLang="zh-CN" sz="2800">
-              <a:solidFill>
-                <a:schemeClr val="tx1"/>
-              </a:solidFill>
-              <a:ea typeface="微软雅黑" panose="020B0503020204020204" pitchFamily="34" charset="-122"/>
-              <a:sym typeface="+mn-ea"/>
-            </a:endParaRPr>
-          </a:p>
-        </p:txBody>
-      </p:sp>
-      <p:sp>
-        <p:nvSpPr>
-          <p:cNvPr id="9" name="矩形 8"/>
-          <p:cNvSpPr/>
-          <p:nvPr/>
-        </p:nvSpPr>
-        <p:spPr>
-          <a:xfrm>
-            <a:off x="4282440" y="2585720"/>
-            <a:ext cx="5180330" cy="3977640"/>
-          </a:xfrm>
-          <a:prstGeom prst="rect">
-            <a:avLst/>
-          </a:prstGeom>
-          <a:solidFill>
-            <a:schemeClr val="accent1">
-              <a:alpha val="0"/>
-            </a:schemeClr>
-          </a:solidFill>
-          <a:ln>
-            <a:noFill/>
-          </a:ln>
-        </p:spPr>
-        <p:style>
-          <a:lnRef idx="2">
-            <a:schemeClr val="accent1">
-              <a:shade val="50000"/>
-            </a:schemeClr>
-          </a:lnRef>
-          <a:fillRef idx="1">
-            <a:schemeClr val="accent1"/>
-          </a:fillRef>
-          <a:effectRef idx="0">
-            <a:schemeClr val="accent1"/>
-          </a:effectRef>
-          <a:fontRef idx="minor">
-            <a:schemeClr val="lt1"/>
-          </a:fontRef>
-        </p:style>
-        <p:txBody>
-          <a:bodyPr rtlCol="0" anchor="ctr"/>
-          <a:p>
-            <a:pPr marL="285750" indent="-285750" algn="l" fontAlgn="auto">
-              <a:lnSpc>
-                <a:spcPct val="200000"/>
-              </a:lnSpc>
-              <a:buClr>
-                <a:srgbClr val="C00000"/>
-              </a:buClr>
-              <a:buFont typeface="Wingdings" panose="05000000000000000000" charset="0"/>
-              <a:buChar char="ü"/>
-            </a:pPr>
-            <a:r>
-              <a:rPr lang="en-US" altLang="zh-CN" sz="2800">
-                <a:solidFill>
-                  <a:schemeClr val="tx1"/>
-                </a:solidFill>
-                <a:ea typeface="微软雅黑" panose="020B0503020204020204" pitchFamily="34" charset="-122"/>
-                <a:sym typeface="+mn-ea"/>
-              </a:rPr>
-              <a:t> loading</a:t>
-            </a:r>
-            <a:endParaRPr lang="en-US" altLang="zh-CN" sz="2800">
-              <a:solidFill>
-                <a:schemeClr val="tx1"/>
-              </a:solidFill>
-              <a:ea typeface="微软雅黑" panose="020B0503020204020204" pitchFamily="34" charset="-122"/>
-              <a:sym typeface="+mn-ea"/>
-            </a:endParaRPr>
-          </a:p>
-          <a:p>
-            <a:pPr marL="285750" indent="-285750" algn="l" fontAlgn="auto">
-              <a:lnSpc>
-                <a:spcPct val="200000"/>
-              </a:lnSpc>
-              <a:buClr>
-                <a:srgbClr val="C00000"/>
-              </a:buClr>
-              <a:buFont typeface="Wingdings" panose="05000000000000000000" charset="0"/>
-              <a:buChar char="ü"/>
-            </a:pPr>
-            <a:r>
-              <a:rPr lang="en-US" altLang="zh-CN" sz="2800">
-                <a:solidFill>
-                  <a:schemeClr val="tx1"/>
-                </a:solidFill>
-                <a:ea typeface="微软雅黑" panose="020B0503020204020204" pitchFamily="34" charset="-122"/>
-                <a:sym typeface="+mn-ea"/>
-              </a:rPr>
-              <a:t> hover-class</a:t>
-            </a:r>
-            <a:r>
-              <a:rPr lang="zh-CN" altLang="en-US" sz="2800">
-                <a:solidFill>
-                  <a:schemeClr val="tx1"/>
-                </a:solidFill>
-                <a:ea typeface="微软雅黑" panose="020B0503020204020204" pitchFamily="34" charset="-122"/>
-                <a:sym typeface="+mn-ea"/>
-              </a:rPr>
-              <a:t>（去掉默认样式）</a:t>
-            </a:r>
-            <a:endParaRPr lang="zh-CN" altLang="en-US" sz="2800">
-              <a:solidFill>
-                <a:schemeClr val="tx1"/>
-              </a:solidFill>
-              <a:ea typeface="微软雅黑" panose="020B0503020204020204" pitchFamily="34" charset="-122"/>
-              <a:sym typeface="+mn-ea"/>
-            </a:endParaRPr>
-          </a:p>
-          <a:p>
-            <a:pPr marL="285750" indent="-285750" algn="l" fontAlgn="auto">
-              <a:lnSpc>
-                <a:spcPct val="200000"/>
-              </a:lnSpc>
-              <a:buClr>
-                <a:srgbClr val="C00000"/>
-              </a:buClr>
-              <a:buFont typeface="Wingdings" panose="05000000000000000000" charset="0"/>
-              <a:buChar char="ü"/>
-            </a:pPr>
-            <a:r>
-              <a:rPr lang="en-US" altLang="zh-CN" sz="2800">
-                <a:solidFill>
-                  <a:schemeClr val="tx1"/>
-                </a:solidFill>
-                <a:ea typeface="微软雅黑" panose="020B0503020204020204" pitchFamily="34" charset="-122"/>
-                <a:sym typeface="+mn-ea"/>
-              </a:rPr>
-              <a:t> form-type</a:t>
-            </a:r>
-            <a:r>
-              <a:rPr lang="zh-CN" altLang="en-US" sz="2800">
-                <a:solidFill>
-                  <a:schemeClr val="tx1"/>
-                </a:solidFill>
-                <a:ea typeface="微软雅黑" panose="020B0503020204020204" pitchFamily="34" charset="-122"/>
-                <a:sym typeface="+mn-ea"/>
-              </a:rPr>
-              <a:t>（submit</a:t>
-            </a:r>
-            <a:r>
-              <a:rPr lang="en-US" altLang="zh-CN" sz="2800">
-                <a:solidFill>
-                  <a:schemeClr val="tx1"/>
-                </a:solidFill>
-                <a:ea typeface="微软雅黑" panose="020B0503020204020204" pitchFamily="34" charset="-122"/>
-                <a:sym typeface="+mn-ea"/>
-              </a:rPr>
-              <a:t>/</a:t>
-            </a:r>
-            <a:r>
-              <a:rPr lang="zh-CN" altLang="en-US" sz="2800">
-                <a:solidFill>
-                  <a:schemeClr val="tx1"/>
-                </a:solidFill>
-                <a:ea typeface="微软雅黑" panose="020B0503020204020204" pitchFamily="34" charset="-122"/>
-                <a:sym typeface="+mn-ea"/>
-              </a:rPr>
-              <a:t>reset）</a:t>
-            </a:r>
-            <a:endParaRPr lang="zh-CN" altLang="en-US" sz="2800">
-              <a:solidFill>
-                <a:schemeClr val="tx1"/>
-              </a:solidFill>
-              <a:ea typeface="微软雅黑" panose="020B0503020204020204" pitchFamily="34" charset="-122"/>
-              <a:sym typeface="+mn-ea"/>
-            </a:endParaRPr>
-          </a:p>
-        </p:txBody>
-      </p:sp>
-    </p:spTree>
-    <p:custDataLst>
-      <p:tags r:id="rId3"/>
-    </p:custDataLst>
-  </p:cSld>
-  <p:clrMapOvr>
-    <a:masterClrMapping/>
-  </p:clrMapOvr>
-  <p:timing>
-    <p:tnLst>
-      <p:par>
-        <p:cTn id="1" dur="indefinite" restart="never" nodeType="tmRoot"/>
-      </p:par>
-    </p:tnLst>
-  </p:timing>
-</p:sld>
-</file>
-
-<file path=ppt/slides/slide3.xml><?xml version="1.0" encoding="utf-8"?>
-<p:sld xmlns:a="http://schemas.openxmlformats.org/drawingml/2006/main" xmlns:r="http://schemas.openxmlformats.org/officeDocument/2006/relationships" xmlns:p="http://schemas.openxmlformats.org/presentationml/2006/main">
-  <p:cSld>
-    <p:spTree>
-      <p:nvGrpSpPr>
-        <p:cNvPr id="1" name=""/>
-        <p:cNvGrpSpPr/>
-        <p:nvPr/>
-      </p:nvGrpSpPr>
-      <p:grpSpPr>
-        <a:xfrm>
-          <a:off x="0" y="0"/>
-          <a:ext cx="0" cy="0"/>
-          <a:chOff x="0" y="0"/>
-          <a:chExt cx="0" cy="0"/>
-        </a:xfrm>
-      </p:grpSpPr>
-      <p:sp>
-        <p:nvSpPr>
-          <p:cNvPr id="21" name="文本框 20"/>
-          <p:cNvSpPr txBox="1"/>
-          <p:nvPr>
-            <p:custDataLst>
-              <p:tags r:id="rId1"/>
-            </p:custDataLst>
-          </p:nvPr>
-        </p:nvSpPr>
-        <p:spPr>
-          <a:xfrm>
-            <a:off x="680085" y="279400"/>
-            <a:ext cx="11184255" cy="4749165"/>
-          </a:xfrm>
-          <a:prstGeom prst="rect">
-            <a:avLst/>
-          </a:prstGeom>
-        </p:spPr>
-        <p:txBody>
-          <a:bodyPr vert="horz" lIns="91440" tIns="45720" rIns="91440" bIns="45720" rtlCol="0" anchor="b">
-            <a:normAutofit/>
-          </a:bodyPr>
-          <a:lstStyle>
-            <a:lvl1pPr defTabSz="685800" eaLnBrk="1" latinLnBrk="0" hangingPunct="1">
-              <a:lnSpc>
-                <a:spcPct val="90000"/>
-              </a:lnSpc>
-              <a:buNone/>
-              <a:defRPr sz="3200" b="1" i="0" baseline="0">
-                <a:solidFill>
-                  <a:schemeClr val="accent1">
-                    <a:lumMod val="75000"/>
-                  </a:schemeClr>
-                </a:solidFill>
-                <a:latin typeface="Arial" panose="020B0604020202020204" pitchFamily="34" charset="0"/>
-                <a:ea typeface="黑体" panose="02010609060101010101" pitchFamily="49" charset="-122"/>
-                <a:cs typeface="+mj-cs"/>
-              </a:defRPr>
-            </a:lvl1pPr>
-          </a:lstStyle>
-          <a:p>
-            <a:pPr defTabSz="685800" fontAlgn="auto">
-              <a:lnSpc>
-                <a:spcPct val="200000"/>
-              </a:lnSpc>
-              <a:tabLst>
-                <a:tab pos="3939540" algn="l"/>
-                <a:tab pos="6446520" algn="l"/>
-              </a:tabLst>
-            </a:pPr>
-            <a:r>
-              <a:rPr lang="zh-CN" altLang="en-US" sz="2800" b="0" smtClean="0">
-                <a:latin typeface="+mn-lt"/>
-                <a:ea typeface="微软雅黑" panose="020B0503020204020204" pitchFamily="34" charset="-122"/>
-              </a:rPr>
-              <a:t>语法：</a:t>
-            </a:r>
-            <a:r>
-              <a:rPr lang="en-US" altLang="zh-CN" sz="2800" b="0" dirty="0">
-                <a:solidFill>
-                  <a:schemeClr val="tx2"/>
-                </a:solidFill>
-                <a:latin typeface="+mn-lt"/>
-                <a:ea typeface="微软雅黑" panose="020B0503020204020204" pitchFamily="34" charset="-122"/>
-                <a:cs typeface="+mn-cs"/>
-              </a:rPr>
-              <a:t> </a:t>
-            </a:r>
-            <a:r>
-              <a:rPr sz="2800" b="0" dirty="0">
-                <a:solidFill>
-                  <a:schemeClr val="tx2"/>
-                </a:solidFill>
-                <a:latin typeface="+mn-lt"/>
-                <a:ea typeface="微软雅黑" panose="020B0503020204020204" pitchFamily="34" charset="-122"/>
-                <a:cs typeface="+mn-cs"/>
-              </a:rPr>
-              <a:t>&lt;</a:t>
-            </a:r>
-            <a:r>
-              <a:rPr sz="2800" b="0" dirty="0">
-                <a:solidFill>
-                  <a:srgbClr val="C00000"/>
-                </a:solidFill>
-                <a:latin typeface="+mn-lt"/>
-                <a:ea typeface="微软雅黑" panose="020B0503020204020204" pitchFamily="34" charset="-122"/>
-                <a:cs typeface="+mn-cs"/>
-              </a:rPr>
-              <a:t>label </a:t>
-            </a:r>
-            <a:r>
-              <a:rPr sz="2800" b="0" dirty="0">
-                <a:solidFill>
-                  <a:schemeClr val="tx2"/>
-                </a:solidFill>
-                <a:latin typeface="+mn-lt"/>
-                <a:ea typeface="微软雅黑" panose="020B0503020204020204" pitchFamily="34" charset="-122"/>
-                <a:cs typeface="+mn-cs"/>
-              </a:rPr>
-              <a:t>&gt;</a:t>
-            </a:r>
-            <a:endParaRPr sz="2800" b="0" dirty="0">
-              <a:solidFill>
-                <a:schemeClr val="tx2"/>
-              </a:solidFill>
-              <a:latin typeface="+mn-lt"/>
-              <a:ea typeface="微软雅黑" panose="020B0503020204020204" pitchFamily="34" charset="-122"/>
-              <a:cs typeface="+mn-cs"/>
-            </a:endParaRPr>
-          </a:p>
-          <a:p>
-            <a:pPr defTabSz="685800" fontAlgn="auto">
-              <a:lnSpc>
-                <a:spcPct val="200000"/>
-              </a:lnSpc>
-              <a:tabLst>
-                <a:tab pos="6446520" algn="l"/>
-              </a:tabLst>
-            </a:pPr>
-            <a:r>
-              <a:rPr sz="2800" b="0" dirty="0">
-                <a:solidFill>
-                  <a:schemeClr val="tx2"/>
-                </a:solidFill>
-                <a:latin typeface="+mn-lt"/>
-                <a:ea typeface="微软雅黑" panose="020B0503020204020204" pitchFamily="34" charset="-122"/>
-                <a:cs typeface="+mn-cs"/>
-              </a:rPr>
-              <a:t>            &lt;</a:t>
-            </a:r>
-            <a:r>
-              <a:rPr sz="2800" b="0" dirty="0">
-                <a:solidFill>
-                  <a:schemeClr val="tx1"/>
-                </a:solidFill>
-                <a:latin typeface="+mn-lt"/>
-                <a:ea typeface="微软雅黑" panose="020B0503020204020204" pitchFamily="34" charset="-122"/>
-                <a:cs typeface="+mn-cs"/>
-              </a:rPr>
-              <a:t>checkbox</a:t>
-            </a:r>
-            <a:r>
-              <a:rPr sz="2800" b="0" dirty="0">
-                <a:solidFill>
-                  <a:schemeClr val="tx2"/>
-                </a:solidFill>
-                <a:latin typeface="+mn-lt"/>
-                <a:ea typeface="微软雅黑" panose="020B0503020204020204" pitchFamily="34" charset="-122"/>
-                <a:cs typeface="+mn-cs"/>
-              </a:rPr>
-              <a:t> value="" checked=""/&gt;</a:t>
-            </a:r>
-            <a:r>
-              <a:rPr lang="zh-CN" sz="2800" b="0" dirty="0">
-                <a:solidFill>
-                  <a:schemeClr val="tx2"/>
-                </a:solidFill>
-                <a:latin typeface="+mn-lt"/>
-                <a:ea typeface="微软雅黑" panose="020B0503020204020204" pitchFamily="34" charset="-122"/>
-                <a:cs typeface="+mn-cs"/>
-              </a:rPr>
-              <a:t>点击我</a:t>
-            </a:r>
-            <a:r>
-              <a:rPr sz="2800" b="0" dirty="0">
-                <a:solidFill>
-                  <a:schemeClr val="tx2"/>
-                </a:solidFill>
-                <a:latin typeface="+mn-lt"/>
-                <a:ea typeface="微软雅黑" panose="020B0503020204020204" pitchFamily="34" charset="-122"/>
-                <a:cs typeface="+mn-cs"/>
-              </a:rPr>
-              <a:t>  </a:t>
-            </a:r>
-            <a:endParaRPr sz="2800" b="0" dirty="0">
-              <a:solidFill>
-                <a:schemeClr val="tx2"/>
-              </a:solidFill>
-              <a:latin typeface="+mn-lt"/>
-              <a:ea typeface="微软雅黑" panose="020B0503020204020204" pitchFamily="34" charset="-122"/>
-              <a:cs typeface="+mn-cs"/>
-            </a:endParaRPr>
-          </a:p>
-          <a:p>
-            <a:pPr defTabSz="685800" fontAlgn="auto">
-              <a:lnSpc>
-                <a:spcPct val="200000"/>
-              </a:lnSpc>
-              <a:tabLst>
-                <a:tab pos="6446520" algn="l"/>
-              </a:tabLst>
-            </a:pPr>
-            <a:r>
-              <a:rPr sz="2800" b="0" dirty="0">
-                <a:solidFill>
-                  <a:schemeClr val="tx2"/>
-                </a:solidFill>
-                <a:latin typeface="+mn-lt"/>
-                <a:ea typeface="微软雅黑" panose="020B0503020204020204" pitchFamily="34" charset="-122"/>
-                <a:cs typeface="+mn-cs"/>
-              </a:rPr>
-              <a:t>            &lt;/</a:t>
-            </a:r>
-            <a:r>
-              <a:rPr sz="2800" b="0" dirty="0">
-                <a:solidFill>
-                  <a:srgbClr val="C00000"/>
-                </a:solidFill>
-                <a:latin typeface="+mn-lt"/>
-                <a:ea typeface="微软雅黑" panose="020B0503020204020204" pitchFamily="34" charset="-122"/>
-                <a:cs typeface="+mn-cs"/>
-              </a:rPr>
-              <a:t>label</a:t>
-            </a:r>
-            <a:r>
-              <a:rPr sz="2800" b="0" dirty="0">
-                <a:solidFill>
-                  <a:schemeClr val="tx2"/>
-                </a:solidFill>
-                <a:latin typeface="+mn-lt"/>
-                <a:ea typeface="微软雅黑" panose="020B0503020204020204" pitchFamily="34" charset="-122"/>
-                <a:cs typeface="+mn-cs"/>
-              </a:rPr>
-              <a:t>&gt;</a:t>
-            </a:r>
-            <a:endParaRPr sz="2800" b="0" dirty="0">
-              <a:solidFill>
-                <a:schemeClr val="tx2"/>
-              </a:solidFill>
-              <a:latin typeface="+mn-lt"/>
-              <a:ea typeface="微软雅黑" panose="020B0503020204020204" pitchFamily="34" charset="-122"/>
-              <a:cs typeface="+mn-cs"/>
-            </a:endParaRPr>
-          </a:p>
-          <a:p>
-            <a:pPr defTabSz="685800" fontAlgn="auto">
-              <a:lnSpc>
-                <a:spcPct val="200000"/>
-              </a:lnSpc>
-              <a:tabLst>
-                <a:tab pos="6446520" algn="l"/>
-              </a:tabLst>
-            </a:pPr>
-            <a:r>
-              <a:rPr sz="2800" b="0" dirty="0">
-                <a:solidFill>
-                  <a:schemeClr val="tx2"/>
-                </a:solidFill>
-                <a:latin typeface="+mn-lt"/>
-                <a:ea typeface="微软雅黑" panose="020B0503020204020204" pitchFamily="34" charset="-122"/>
-                <a:cs typeface="+mn-cs"/>
-              </a:rPr>
-              <a:t>            </a:t>
-            </a:r>
-            <a:endParaRPr sz="2800" b="0" dirty="0">
-              <a:solidFill>
-                <a:schemeClr val="tx2"/>
-              </a:solidFill>
-              <a:latin typeface="+mn-lt"/>
-              <a:ea typeface="微软雅黑" panose="020B0503020204020204" pitchFamily="34" charset="-122"/>
-              <a:cs typeface="+mn-cs"/>
-            </a:endParaRPr>
-          </a:p>
-        </p:txBody>
-      </p:sp>
-      <p:sp>
-        <p:nvSpPr>
-          <p:cNvPr id="20" name="文本框 19"/>
-          <p:cNvSpPr txBox="1"/>
-          <p:nvPr>
-            <p:custDataLst>
-              <p:tags r:id="rId2"/>
-            </p:custDataLst>
-          </p:nvPr>
-        </p:nvSpPr>
-        <p:spPr>
-          <a:xfrm>
-            <a:off x="680085" y="279400"/>
-            <a:ext cx="8265795" cy="1171575"/>
-          </a:xfrm>
-          <a:prstGeom prst="rect">
-            <a:avLst/>
-          </a:prstGeom>
-        </p:spPr>
-        <p:txBody>
-          <a:bodyPr vert="horz" lIns="91440" tIns="45720" rIns="91440" bIns="45720" rtlCol="0" anchor="b">
-            <a:normAutofit/>
-          </a:bodyPr>
-          <a:lstStyle>
-            <a:lvl1pPr defTabSz="685800" eaLnBrk="1" latinLnBrk="0" hangingPunct="1">
-              <a:lnSpc>
-                <a:spcPct val="90000"/>
-              </a:lnSpc>
-              <a:buNone/>
-              <a:defRPr sz="3200" b="1" i="0" baseline="0">
-                <a:solidFill>
-                  <a:schemeClr val="accent1">
-                    <a:lumMod val="75000"/>
-                  </a:schemeClr>
-                </a:solidFill>
-                <a:latin typeface="Arial" panose="020B0604020202020204" pitchFamily="34" charset="0"/>
-                <a:ea typeface="黑体" panose="02010609060101010101" pitchFamily="49" charset="-122"/>
-                <a:cs typeface="+mj-cs"/>
-              </a:defRPr>
-            </a:lvl1pPr>
-          </a:lstStyle>
-          <a:p>
-            <a:r>
-              <a:rPr lang="zh-CN" altLang="en-US" dirty="0">
-                <a:latin typeface="微软雅黑" panose="020B0503020204020204" pitchFamily="34" charset="-122"/>
-                <a:ea typeface="微软雅黑" panose="020B0503020204020204" pitchFamily="34" charset="-122"/>
-              </a:rPr>
-              <a:t>表单组件</a:t>
-            </a:r>
-            <a:endParaRPr lang="zh-CN" altLang="en-US" dirty="0">
-              <a:latin typeface="微软雅黑" panose="020B0503020204020204" pitchFamily="34" charset="-122"/>
-              <a:ea typeface="微软雅黑" panose="020B0503020204020204" pitchFamily="34" charset="-122"/>
-            </a:endParaRPr>
-          </a:p>
-          <a:p>
-            <a:pPr defTabSz="685800">
-              <a:tabLst>
-                <a:tab pos="7073265" algn="l"/>
-              </a:tabLst>
-            </a:pPr>
-            <a:r>
-              <a:rPr lang="en-US" altLang="zh-CN" dirty="0">
-                <a:latin typeface="微软雅黑" panose="020B0503020204020204" pitchFamily="34" charset="-122"/>
-                <a:ea typeface="微软雅黑" panose="020B0503020204020204" pitchFamily="34" charset="-122"/>
-              </a:rPr>
-              <a:t>          ——</a:t>
-            </a:r>
-            <a:r>
-              <a:rPr lang="en-US" altLang="zh-CN" dirty="0">
-                <a:latin typeface="+mn-lt"/>
-                <a:ea typeface="微软雅黑" panose="020B0503020204020204" pitchFamily="34" charset="-122"/>
-              </a:rPr>
-              <a:t>label</a:t>
-            </a:r>
-            <a:endParaRPr lang="zh-CN" altLang="en-US" dirty="0">
-              <a:latin typeface="+mn-lt"/>
-              <a:ea typeface="微软雅黑" panose="020B0503020204020204" pitchFamily="34" charset="-122"/>
-            </a:endParaRPr>
-          </a:p>
-        </p:txBody>
-      </p:sp>
-      <p:sp>
-        <p:nvSpPr>
-          <p:cNvPr id="4" name="矩形 3"/>
-          <p:cNvSpPr/>
-          <p:nvPr/>
-        </p:nvSpPr>
-        <p:spPr>
-          <a:xfrm>
-            <a:off x="680085" y="3869055"/>
-            <a:ext cx="10850880" cy="1905000"/>
-          </a:xfrm>
-          <a:prstGeom prst="rect">
-            <a:avLst/>
-          </a:prstGeom>
-          <a:solidFill>
-            <a:schemeClr val="accent1">
-              <a:alpha val="0"/>
-            </a:schemeClr>
-          </a:solidFill>
-          <a:ln>
-            <a:noFill/>
-          </a:ln>
-        </p:spPr>
-        <p:style>
-          <a:lnRef idx="2">
-            <a:schemeClr val="accent1">
-              <a:shade val="50000"/>
-            </a:schemeClr>
-          </a:lnRef>
-          <a:fillRef idx="1">
-            <a:schemeClr val="accent1"/>
-          </a:fillRef>
-          <a:effectRef idx="0">
-            <a:schemeClr val="accent1"/>
-          </a:effectRef>
-          <a:fontRef idx="minor">
-            <a:schemeClr val="lt1"/>
-          </a:fontRef>
-        </p:style>
-        <p:txBody>
-          <a:bodyPr rtlCol="0" anchor="ctr"/>
-          <a:p>
-            <a:pPr algn="l" fontAlgn="auto">
-              <a:lnSpc>
-                <a:spcPct val="200000"/>
-              </a:lnSpc>
-            </a:pPr>
-            <a:r>
-              <a:rPr lang="zh-CN" altLang="en-US" sz="2800">
-                <a:solidFill>
-                  <a:schemeClr val="tx1"/>
-                </a:solidFill>
-                <a:latin typeface="微软雅黑" panose="020B0503020204020204" pitchFamily="34" charset="-122"/>
-                <a:ea typeface="微软雅黑" panose="020B0503020204020204" pitchFamily="34" charset="-122"/>
-              </a:rPr>
-              <a:t>注意事项：内部有多个控件的时候默认触发第一个控件</a:t>
-            </a:r>
-            <a:endParaRPr lang="zh-CN" altLang="en-US" sz="2800">
-              <a:solidFill>
-                <a:schemeClr val="tx1"/>
-              </a:solidFill>
-              <a:latin typeface="微软雅黑" panose="020B0503020204020204" pitchFamily="34" charset="-122"/>
-              <a:ea typeface="微软雅黑" panose="020B0503020204020204" pitchFamily="34" charset="-122"/>
-            </a:endParaRPr>
-          </a:p>
-          <a:p>
-            <a:pPr algn="l" fontAlgn="auto">
-              <a:lnSpc>
-                <a:spcPct val="200000"/>
-              </a:lnSpc>
-            </a:pPr>
-            <a:r>
-              <a:rPr lang="zh-CN" altLang="en-US" sz="2800">
-                <a:solidFill>
-                  <a:schemeClr val="tx1"/>
-                </a:solidFill>
-                <a:latin typeface="微软雅黑" panose="020B0503020204020204" pitchFamily="34" charset="-122"/>
-                <a:ea typeface="微软雅黑" panose="020B0503020204020204" pitchFamily="34" charset="-122"/>
-              </a:rPr>
-              <a:t>                </a:t>
-            </a:r>
-            <a:r>
-              <a:rPr lang="zh-CN" altLang="en-US" sz="2800">
-                <a:solidFill>
-                  <a:schemeClr val="tx1"/>
-                </a:solidFill>
-                <a:ea typeface="微软雅黑" panose="020B0503020204020204" pitchFamily="34" charset="-122"/>
-              </a:rPr>
-              <a:t> &lt;checkbox/&gt;, &lt;radio/&gt;, &lt;switch/&gt;</a:t>
-            </a:r>
-            <a:endParaRPr lang="zh-CN" altLang="en-US" sz="2800">
-              <a:solidFill>
-                <a:schemeClr val="tx1"/>
-              </a:solidFill>
-              <a:ea typeface="微软雅黑" panose="020B0503020204020204" pitchFamily="34" charset="-122"/>
-            </a:endParaRPr>
-          </a:p>
-        </p:txBody>
-      </p:sp>
-    </p:spTree>
-    <p:custDataLst>
-      <p:tags r:id="rId3"/>
-    </p:custDataLst>
-  </p:cSld>
-  <p:clrMapOvr>
-    <a:masterClrMapping/>
-  </p:clrMapOvr>
-  <p:timing>
-    <p:tnLst>
-      <p:par>
-        <p:cTn id="1" dur="indefinite" restart="never" nodeType="tmRoot"/>
-      </p:par>
-    </p:tnLst>
-  </p:timing>
-</p:sld>
-</file>
-
-<file path=ppt/slides/slide4.xml><?xml version="1.0" encoding="utf-8"?>
-<p:sld xmlns:a="http://schemas.openxmlformats.org/drawingml/2006/main" xmlns:r="http://schemas.openxmlformats.org/officeDocument/2006/relationships" xmlns:p="http://schemas.openxmlformats.org/presentationml/2006/main">
-  <p:cSld>
-    <p:spTree>
-      <p:nvGrpSpPr>
-        <p:cNvPr id="1" name=""/>
-        <p:cNvGrpSpPr/>
-        <p:nvPr/>
-      </p:nvGrpSpPr>
-      <p:grpSpPr>
-        <a:xfrm>
-          <a:off x="0" y="0"/>
-          <a:ext cx="0" cy="0"/>
-          <a:chOff x="0" y="0"/>
-          <a:chExt cx="0" cy="0"/>
-        </a:xfrm>
-      </p:grpSpPr>
-      <p:sp>
-        <p:nvSpPr>
-          <p:cNvPr id="21" name="文本框 20"/>
-          <p:cNvSpPr txBox="1"/>
-          <p:nvPr>
-            <p:custDataLst>
-              <p:tags r:id="rId1"/>
-            </p:custDataLst>
-          </p:nvPr>
-        </p:nvSpPr>
-        <p:spPr>
-          <a:xfrm>
-            <a:off x="680085" y="279400"/>
-            <a:ext cx="11184255" cy="5572125"/>
-          </a:xfrm>
-          <a:prstGeom prst="rect">
-            <a:avLst/>
-          </a:prstGeom>
-        </p:spPr>
-        <p:txBody>
-          <a:bodyPr vert="horz" lIns="91440" tIns="45720" rIns="91440" bIns="45720" rtlCol="0" anchor="b">
-            <a:normAutofit/>
-          </a:bodyPr>
-          <a:lstStyle>
-            <a:lvl1pPr defTabSz="685800" eaLnBrk="1" latinLnBrk="0" hangingPunct="1">
-              <a:lnSpc>
-                <a:spcPct val="90000"/>
-              </a:lnSpc>
-              <a:buNone/>
-              <a:defRPr sz="3200" b="1" i="0" baseline="0">
-                <a:solidFill>
-                  <a:schemeClr val="accent1">
-                    <a:lumMod val="75000"/>
-                  </a:schemeClr>
-                </a:solidFill>
-                <a:latin typeface="Arial" panose="020B0604020202020204" pitchFamily="34" charset="0"/>
-                <a:ea typeface="黑体" panose="02010609060101010101" pitchFamily="49" charset="-122"/>
-                <a:cs typeface="+mj-cs"/>
-              </a:defRPr>
-            </a:lvl1pPr>
-          </a:lstStyle>
-          <a:p>
-            <a:pPr defTabSz="685800" fontAlgn="auto">
-              <a:lnSpc>
-                <a:spcPct val="200000"/>
-              </a:lnSpc>
-              <a:tabLst>
-                <a:tab pos="3939540" algn="l"/>
-                <a:tab pos="6446520" algn="l"/>
-              </a:tabLst>
-            </a:pPr>
-            <a:r>
-              <a:rPr lang="zh-CN" altLang="en-US" sz="2800" b="0" smtClean="0">
-                <a:latin typeface="+mn-lt"/>
-                <a:ea typeface="微软雅黑" panose="020B0503020204020204" pitchFamily="34" charset="-122"/>
-              </a:rPr>
-              <a:t>语法：</a:t>
-            </a:r>
-            <a:r>
-              <a:rPr lang="en-US" altLang="zh-CN" sz="2800" b="0" dirty="0">
-                <a:solidFill>
-                  <a:schemeClr val="tx2"/>
-                </a:solidFill>
-                <a:latin typeface="+mn-lt"/>
-                <a:ea typeface="微软雅黑" panose="020B0503020204020204" pitchFamily="34" charset="-122"/>
-                <a:cs typeface="+mn-cs"/>
-              </a:rPr>
-              <a:t> </a:t>
-            </a:r>
-            <a:r>
-              <a:rPr sz="2800" b="0" dirty="0">
-                <a:solidFill>
-                  <a:schemeClr val="tx2"/>
-                </a:solidFill>
-                <a:latin typeface="+mn-lt"/>
-                <a:ea typeface="微软雅黑" panose="020B0503020204020204" pitchFamily="34" charset="-122"/>
-                <a:cs typeface="+mn-cs"/>
-              </a:rPr>
-              <a:t>&lt;</a:t>
-            </a:r>
-            <a:r>
-              <a:rPr sz="2800" b="0" dirty="0">
-                <a:solidFill>
-                  <a:srgbClr val="C00000"/>
-                </a:solidFill>
-                <a:latin typeface="+mn-lt"/>
-                <a:ea typeface="微软雅黑" panose="020B0503020204020204" pitchFamily="34" charset="-122"/>
-                <a:cs typeface="+mn-cs"/>
-              </a:rPr>
-              <a:t>checkbox-group</a:t>
-            </a:r>
-            <a:r>
-              <a:rPr sz="2800" b="0" dirty="0">
-                <a:solidFill>
-                  <a:schemeClr val="tx2"/>
-                </a:solidFill>
-                <a:latin typeface="+mn-lt"/>
-                <a:ea typeface="微软雅黑" panose="020B0503020204020204" pitchFamily="34" charset="-122"/>
-                <a:cs typeface="+mn-cs"/>
-              </a:rPr>
-              <a:t>  </a:t>
-            </a:r>
-            <a:r>
-              <a:rPr sz="2800" b="0" dirty="0">
-                <a:solidFill>
-                  <a:schemeClr val="accent1"/>
-                </a:solidFill>
-                <a:latin typeface="+mn-lt"/>
-                <a:ea typeface="微软雅黑" panose="020B0503020204020204" pitchFamily="34" charset="-122"/>
-                <a:cs typeface="+mn-cs"/>
-              </a:rPr>
-              <a:t>bindchange</a:t>
-            </a:r>
-            <a:r>
-              <a:rPr sz="2800" b="0" dirty="0">
-                <a:solidFill>
-                  <a:schemeClr val="tx2"/>
-                </a:solidFill>
-                <a:latin typeface="+mn-lt"/>
-                <a:ea typeface="微软雅黑" panose="020B0503020204020204" pitchFamily="34" charset="-122"/>
-                <a:cs typeface="+mn-cs"/>
-              </a:rPr>
-              <a:t>=""&gt;</a:t>
-            </a:r>
-            <a:endParaRPr sz="2800" b="0" dirty="0">
-              <a:solidFill>
-                <a:schemeClr val="tx2"/>
-              </a:solidFill>
-              <a:latin typeface="+mn-lt"/>
-              <a:ea typeface="微软雅黑" panose="020B0503020204020204" pitchFamily="34" charset="-122"/>
-              <a:cs typeface="+mn-cs"/>
-            </a:endParaRPr>
-          </a:p>
-          <a:p>
-            <a:pPr defTabSz="685800" fontAlgn="auto">
-              <a:lnSpc>
-                <a:spcPct val="200000"/>
-              </a:lnSpc>
-              <a:tabLst>
-                <a:tab pos="6446520" algn="l"/>
-              </a:tabLst>
-            </a:pPr>
-            <a:r>
-              <a:rPr sz="2800" b="0" dirty="0">
-                <a:solidFill>
-                  <a:schemeClr val="tx2"/>
-                </a:solidFill>
-                <a:latin typeface="+mn-lt"/>
-                <a:ea typeface="微软雅黑" panose="020B0503020204020204" pitchFamily="34" charset="-122"/>
-                <a:cs typeface="+mn-cs"/>
-              </a:rPr>
-              <a:t>            &lt;</a:t>
-            </a:r>
-            <a:r>
-              <a:rPr sz="2800" b="0" dirty="0">
-                <a:solidFill>
-                  <a:schemeClr val="tx1"/>
-                </a:solidFill>
-                <a:latin typeface="+mn-lt"/>
-                <a:ea typeface="微软雅黑" panose="020B0503020204020204" pitchFamily="34" charset="-122"/>
-                <a:cs typeface="+mn-cs"/>
-              </a:rPr>
-              <a:t>label </a:t>
-            </a:r>
-            <a:r>
-              <a:rPr sz="2800" b="0" dirty="0">
-                <a:solidFill>
-                  <a:schemeClr val="tx2"/>
-                </a:solidFill>
-                <a:latin typeface="+mn-lt"/>
-                <a:ea typeface="微软雅黑" panose="020B0503020204020204" pitchFamily="34" charset="-122"/>
-                <a:cs typeface="+mn-cs"/>
-              </a:rPr>
-              <a:t>&gt;</a:t>
-            </a:r>
-            <a:endParaRPr sz="2800" b="0" dirty="0">
-              <a:solidFill>
-                <a:schemeClr val="tx2"/>
-              </a:solidFill>
-              <a:latin typeface="+mn-lt"/>
-              <a:ea typeface="微软雅黑" panose="020B0503020204020204" pitchFamily="34" charset="-122"/>
-              <a:cs typeface="+mn-cs"/>
-            </a:endParaRPr>
-          </a:p>
-          <a:p>
-            <a:pPr defTabSz="685800" fontAlgn="auto">
-              <a:lnSpc>
-                <a:spcPct val="200000"/>
-              </a:lnSpc>
-              <a:tabLst>
-                <a:tab pos="6446520" algn="l"/>
-              </a:tabLst>
-            </a:pPr>
-            <a:r>
-              <a:rPr sz="2800" b="0" dirty="0">
-                <a:solidFill>
-                  <a:schemeClr val="tx2"/>
-                </a:solidFill>
-                <a:latin typeface="+mn-lt"/>
-                <a:ea typeface="微软雅黑" panose="020B0503020204020204" pitchFamily="34" charset="-122"/>
-                <a:cs typeface="+mn-cs"/>
-              </a:rPr>
-              <a:t>            &lt;</a:t>
-            </a:r>
-            <a:r>
-              <a:rPr sz="2800" b="0" dirty="0">
-                <a:solidFill>
-                  <a:srgbClr val="C00000"/>
-                </a:solidFill>
-                <a:latin typeface="+mn-lt"/>
-                <a:ea typeface="微软雅黑" panose="020B0503020204020204" pitchFamily="34" charset="-122"/>
-                <a:cs typeface="+mn-cs"/>
-              </a:rPr>
-              <a:t>checkbox</a:t>
-            </a:r>
-            <a:r>
-              <a:rPr sz="2800" b="0" dirty="0">
-                <a:solidFill>
-                  <a:schemeClr val="accent1"/>
-                </a:solidFill>
-                <a:latin typeface="+mn-lt"/>
-                <a:ea typeface="微软雅黑" panose="020B0503020204020204" pitchFamily="34" charset="-122"/>
-                <a:cs typeface="+mn-cs"/>
-              </a:rPr>
-              <a:t> value</a:t>
-            </a:r>
-            <a:r>
-              <a:rPr sz="2800" b="0" dirty="0">
-                <a:solidFill>
-                  <a:schemeClr val="tx1"/>
-                </a:solidFill>
-                <a:latin typeface="+mn-lt"/>
-                <a:ea typeface="微软雅黑" panose="020B0503020204020204" pitchFamily="34" charset="-122"/>
-                <a:cs typeface="+mn-cs"/>
-              </a:rPr>
-              <a:t>=""</a:t>
-            </a:r>
-            <a:r>
-              <a:rPr sz="2800" b="0" dirty="0">
-                <a:solidFill>
-                  <a:schemeClr val="accent1"/>
-                </a:solidFill>
-                <a:latin typeface="+mn-lt"/>
-                <a:ea typeface="微软雅黑" panose="020B0503020204020204" pitchFamily="34" charset="-122"/>
-                <a:cs typeface="+mn-cs"/>
-              </a:rPr>
-              <a:t> checked</a:t>
-            </a:r>
-            <a:r>
-              <a:rPr sz="2800" b="0" dirty="0">
-                <a:solidFill>
-                  <a:schemeClr val="tx1"/>
-                </a:solidFill>
-                <a:latin typeface="+mn-lt"/>
-                <a:ea typeface="微软雅黑" panose="020B0503020204020204" pitchFamily="34" charset="-122"/>
-                <a:cs typeface="+mn-cs"/>
-              </a:rPr>
-              <a:t>="" </a:t>
-            </a:r>
-            <a:r>
-              <a:rPr sz="2800" b="0" dirty="0">
-                <a:solidFill>
-                  <a:schemeClr val="accent1"/>
-                </a:solidFill>
-                <a:latin typeface="+mn-lt"/>
-                <a:ea typeface="微软雅黑" panose="020B0503020204020204" pitchFamily="34" charset="-122"/>
-                <a:cs typeface="+mn-cs"/>
-              </a:rPr>
-              <a:t>color</a:t>
-            </a:r>
-            <a:r>
-              <a:rPr lang="en-US" sz="2800" b="0" dirty="0">
-                <a:solidFill>
-                  <a:schemeClr val="tx1"/>
-                </a:solidFill>
-                <a:latin typeface="+mn-lt"/>
-                <a:ea typeface="微软雅黑" panose="020B0503020204020204" pitchFamily="34" charset="-122"/>
-                <a:cs typeface="+mn-cs"/>
-              </a:rPr>
-              <a:t>=</a:t>
-            </a:r>
-            <a:r>
-              <a:rPr sz="2800" b="0" dirty="0">
-                <a:solidFill>
-                  <a:schemeClr val="tx1"/>
-                </a:solidFill>
-                <a:latin typeface="+mn-lt"/>
-                <a:ea typeface="微软雅黑" panose="020B0503020204020204" pitchFamily="34" charset="-122"/>
-                <a:cs typeface="+mn-cs"/>
-                <a:sym typeface="+mn-ea"/>
-              </a:rPr>
-              <a:t>"" </a:t>
-            </a:r>
-            <a:r>
-              <a:rPr sz="2800" b="0" dirty="0">
-                <a:solidFill>
-                  <a:schemeClr val="accent1"/>
-                </a:solidFill>
-                <a:latin typeface="+mn-lt"/>
-                <a:ea typeface="微软雅黑" panose="020B0503020204020204" pitchFamily="34" charset="-122"/>
-                <a:cs typeface="+mn-cs"/>
-              </a:rPr>
-              <a:t>disabled</a:t>
-            </a:r>
-            <a:r>
-              <a:rPr sz="2800" b="0" dirty="0">
-                <a:solidFill>
-                  <a:schemeClr val="tx2"/>
-                </a:solidFill>
-                <a:latin typeface="+mn-lt"/>
-                <a:ea typeface="微软雅黑" panose="020B0503020204020204" pitchFamily="34" charset="-122"/>
-                <a:cs typeface="+mn-cs"/>
-              </a:rPr>
-              <a:t>/&gt; </a:t>
-            </a:r>
-            <a:r>
-              <a:rPr lang="zh-CN" sz="2800" b="0" dirty="0">
-                <a:solidFill>
-                  <a:schemeClr val="tx2"/>
-                </a:solidFill>
-                <a:latin typeface="+mn-lt"/>
-                <a:ea typeface="微软雅黑" panose="020B0503020204020204" pitchFamily="34" charset="-122"/>
-                <a:cs typeface="+mn-cs"/>
-              </a:rPr>
-              <a:t>点击我</a:t>
-            </a:r>
-            <a:r>
-              <a:rPr sz="2800" b="0" dirty="0">
-                <a:solidFill>
-                  <a:schemeClr val="tx2"/>
-                </a:solidFill>
-                <a:latin typeface="+mn-lt"/>
-                <a:ea typeface="微软雅黑" panose="020B0503020204020204" pitchFamily="34" charset="-122"/>
-                <a:cs typeface="+mn-cs"/>
-              </a:rPr>
-              <a:t> </a:t>
-            </a:r>
-            <a:endParaRPr sz="2800" b="0" dirty="0">
-              <a:solidFill>
-                <a:schemeClr val="tx2"/>
-              </a:solidFill>
-              <a:latin typeface="+mn-lt"/>
-              <a:ea typeface="微软雅黑" panose="020B0503020204020204" pitchFamily="34" charset="-122"/>
-              <a:cs typeface="+mn-cs"/>
-            </a:endParaRPr>
-          </a:p>
-          <a:p>
-            <a:pPr defTabSz="685800" fontAlgn="auto">
-              <a:lnSpc>
-                <a:spcPct val="200000"/>
-              </a:lnSpc>
-              <a:tabLst>
-                <a:tab pos="6446520" algn="l"/>
-              </a:tabLst>
-            </a:pPr>
-            <a:r>
-              <a:rPr sz="2800" b="0" dirty="0">
-                <a:solidFill>
-                  <a:schemeClr val="tx2"/>
-                </a:solidFill>
-                <a:latin typeface="+mn-lt"/>
-                <a:ea typeface="微软雅黑" panose="020B0503020204020204" pitchFamily="34" charset="-122"/>
-                <a:cs typeface="+mn-cs"/>
-              </a:rPr>
-              <a:t>            &lt;/label&gt;</a:t>
-            </a:r>
-            <a:endParaRPr sz="2800" b="0" dirty="0">
-              <a:solidFill>
-                <a:schemeClr val="tx2"/>
-              </a:solidFill>
-              <a:latin typeface="+mn-lt"/>
-              <a:ea typeface="微软雅黑" panose="020B0503020204020204" pitchFamily="34" charset="-122"/>
-              <a:cs typeface="+mn-cs"/>
-            </a:endParaRPr>
-          </a:p>
-          <a:p>
-            <a:pPr defTabSz="685800" fontAlgn="auto">
-              <a:lnSpc>
-                <a:spcPct val="200000"/>
-              </a:lnSpc>
-              <a:tabLst>
-                <a:tab pos="6446520" algn="l"/>
-              </a:tabLst>
-            </a:pPr>
-            <a:r>
-              <a:rPr sz="2800" b="0" dirty="0">
-                <a:solidFill>
-                  <a:schemeClr val="tx2"/>
-                </a:solidFill>
-                <a:latin typeface="+mn-lt"/>
-                <a:ea typeface="微软雅黑" panose="020B0503020204020204" pitchFamily="34" charset="-122"/>
-                <a:cs typeface="+mn-cs"/>
-              </a:rPr>
-              <a:t>            &lt;/checkbox-group&gt;</a:t>
-            </a:r>
-            <a:endParaRPr sz="2800" b="0" dirty="0">
-              <a:solidFill>
-                <a:schemeClr val="tx2"/>
-              </a:solidFill>
-              <a:latin typeface="+mn-lt"/>
-              <a:ea typeface="微软雅黑" panose="020B0503020204020204" pitchFamily="34" charset="-122"/>
-              <a:cs typeface="+mn-cs"/>
-            </a:endParaRPr>
-          </a:p>
-        </p:txBody>
-      </p:sp>
-      <p:sp>
-        <p:nvSpPr>
-          <p:cNvPr id="20" name="文本框 19"/>
-          <p:cNvSpPr txBox="1"/>
-          <p:nvPr>
-            <p:custDataLst>
-              <p:tags r:id="rId2"/>
-            </p:custDataLst>
-          </p:nvPr>
-        </p:nvSpPr>
-        <p:spPr>
-          <a:xfrm>
-            <a:off x="680085" y="279400"/>
-            <a:ext cx="8265795" cy="1171575"/>
-          </a:xfrm>
-          <a:prstGeom prst="rect">
-            <a:avLst/>
-          </a:prstGeom>
-        </p:spPr>
-        <p:txBody>
-          <a:bodyPr vert="horz" lIns="91440" tIns="45720" rIns="91440" bIns="45720" rtlCol="0" anchor="b">
-            <a:normAutofit/>
-          </a:bodyPr>
-          <a:lstStyle>
-            <a:lvl1pPr defTabSz="685800" eaLnBrk="1" latinLnBrk="0" hangingPunct="1">
-              <a:lnSpc>
-                <a:spcPct val="90000"/>
-              </a:lnSpc>
-              <a:buNone/>
-              <a:defRPr sz="3200" b="1" i="0" baseline="0">
-                <a:solidFill>
-                  <a:schemeClr val="accent1">
-                    <a:lumMod val="75000"/>
-                  </a:schemeClr>
-                </a:solidFill>
-                <a:latin typeface="Arial" panose="020B0604020202020204" pitchFamily="34" charset="0"/>
-                <a:ea typeface="黑体" panose="02010609060101010101" pitchFamily="49" charset="-122"/>
-                <a:cs typeface="+mj-cs"/>
-              </a:defRPr>
-            </a:lvl1pPr>
-          </a:lstStyle>
-          <a:p>
-            <a:r>
-              <a:rPr lang="zh-CN" altLang="en-US" dirty="0">
-                <a:latin typeface="微软雅黑" panose="020B0503020204020204" pitchFamily="34" charset="-122"/>
-                <a:ea typeface="微软雅黑" panose="020B0503020204020204" pitchFamily="34" charset="-122"/>
-              </a:rPr>
-              <a:t>表单组件</a:t>
-            </a:r>
-            <a:endParaRPr lang="zh-CN" altLang="en-US" dirty="0">
-              <a:latin typeface="微软雅黑" panose="020B0503020204020204" pitchFamily="34" charset="-122"/>
-              <a:ea typeface="微软雅黑" panose="020B0503020204020204" pitchFamily="34" charset="-122"/>
-            </a:endParaRPr>
-          </a:p>
-          <a:p>
-            <a:pPr defTabSz="685800">
-              <a:tabLst>
-                <a:tab pos="7073265" algn="l"/>
-              </a:tabLst>
-            </a:pPr>
-            <a:r>
-              <a:rPr lang="en-US" altLang="zh-CN" dirty="0">
-                <a:latin typeface="微软雅黑" panose="020B0503020204020204" pitchFamily="34" charset="-122"/>
-                <a:ea typeface="微软雅黑" panose="020B0503020204020204" pitchFamily="34" charset="-122"/>
-              </a:rPr>
-              <a:t>          ——</a:t>
-            </a:r>
-            <a:r>
-              <a:rPr lang="en-US" altLang="zh-CN" dirty="0">
-                <a:latin typeface="+mn-lt"/>
-                <a:ea typeface="微软雅黑" panose="020B0503020204020204" pitchFamily="34" charset="-122"/>
-              </a:rPr>
-              <a:t>checkbox </a:t>
-            </a:r>
-            <a:endParaRPr lang="zh-CN" altLang="en-US" dirty="0">
-              <a:latin typeface="+mn-lt"/>
-              <a:ea typeface="微软雅黑" panose="020B0503020204020204" pitchFamily="34" charset="-122"/>
-            </a:endParaRPr>
-          </a:p>
-        </p:txBody>
-      </p:sp>
-      <p:sp>
-        <p:nvSpPr>
-          <p:cNvPr id="3" name="矩形 2"/>
-          <p:cNvSpPr/>
-          <p:nvPr/>
-        </p:nvSpPr>
-        <p:spPr>
-          <a:xfrm>
-            <a:off x="8069580" y="1559560"/>
-            <a:ext cx="3581400" cy="1066800"/>
-          </a:xfrm>
-          <a:prstGeom prst="rect">
-            <a:avLst/>
-          </a:prstGeom>
-          <a:solidFill>
-            <a:schemeClr val="accent1">
-              <a:alpha val="0"/>
-            </a:schemeClr>
-          </a:solidFill>
-          <a:ln>
-            <a:noFill/>
-          </a:ln>
-        </p:spPr>
-        <p:style>
-          <a:lnRef idx="2">
-            <a:schemeClr val="accent1">
-              <a:shade val="50000"/>
-            </a:schemeClr>
-          </a:lnRef>
-          <a:fillRef idx="1">
-            <a:schemeClr val="accent1"/>
-          </a:fillRef>
-          <a:effectRef idx="0">
-            <a:schemeClr val="accent1"/>
-          </a:effectRef>
-          <a:fontRef idx="minor">
-            <a:schemeClr val="lt1"/>
-          </a:fontRef>
-        </p:style>
-        <p:txBody>
-          <a:bodyPr rtlCol="0" anchor="ctr"/>
-          <a:p>
-            <a:pPr algn="l"/>
-            <a:r>
-              <a:rPr lang="zh-CN" altLang="en-US" sz="2800">
-                <a:solidFill>
-                  <a:schemeClr val="tx1"/>
-                </a:solidFill>
-                <a:latin typeface="微软雅黑" panose="020B0503020204020204" pitchFamily="34" charset="-122"/>
-                <a:ea typeface="微软雅黑" panose="020B0503020204020204" pitchFamily="34" charset="-122"/>
-              </a:rPr>
-              <a:t>多项选择器</a:t>
-            </a:r>
-            <a:r>
-              <a:rPr lang="zh-CN" altLang="en-US"/>
-              <a:t>器</a:t>
-            </a:r>
-            <a:endParaRPr lang="zh-CN" altLang="en-US"/>
-          </a:p>
-        </p:txBody>
-      </p:sp>
-      <p:sp>
-        <p:nvSpPr>
-          <p:cNvPr id="4" name="文本框 3"/>
-          <p:cNvSpPr txBox="1"/>
-          <p:nvPr/>
-        </p:nvSpPr>
-        <p:spPr>
-          <a:xfrm>
-            <a:off x="913130" y="6053455"/>
-            <a:ext cx="6698615" cy="645795"/>
-          </a:xfrm>
-          <a:prstGeom prst="rect">
-            <a:avLst/>
-          </a:prstGeom>
-          <a:noFill/>
-        </p:spPr>
-        <p:txBody>
-          <a:bodyPr wrap="square" rtlCol="0" anchor="t">
-            <a:spAutoFit/>
-          </a:bodyPr>
-          <a:p>
-            <a:pPr>
-              <a:lnSpc>
-                <a:spcPct val="130000"/>
-              </a:lnSpc>
-            </a:pPr>
-            <a:r>
-              <a:rPr lang="zh-CN" sz="2800" dirty="0">
-                <a:solidFill>
-                  <a:schemeClr val="tx2"/>
-                </a:solidFill>
-                <a:ea typeface="微软雅黑" panose="020B0503020204020204" pitchFamily="34" charset="-122"/>
-                <a:sym typeface="+mn-ea"/>
-              </a:rPr>
-              <a:t>双标签写法：</a:t>
-            </a:r>
-            <a:r>
-              <a:rPr sz="2800" dirty="0">
-                <a:solidFill>
-                  <a:schemeClr val="tx2"/>
-                </a:solidFill>
-                <a:ea typeface="微软雅黑" panose="020B0503020204020204" pitchFamily="34" charset="-122"/>
-                <a:sym typeface="+mn-ea"/>
-              </a:rPr>
-              <a:t>&lt;</a:t>
-            </a:r>
-            <a:r>
-              <a:rPr sz="2800" dirty="0">
-                <a:solidFill>
-                  <a:srgbClr val="C00000"/>
-                </a:solidFill>
-                <a:ea typeface="微软雅黑" panose="020B0503020204020204" pitchFamily="34" charset="-122"/>
-                <a:sym typeface="+mn-ea"/>
-              </a:rPr>
-              <a:t>checkbox</a:t>
-            </a:r>
-            <a:r>
-              <a:rPr lang="en-US" sz="2800" dirty="0">
-                <a:solidFill>
-                  <a:srgbClr val="C00000"/>
-                </a:solidFill>
-                <a:ea typeface="微软雅黑" panose="020B0503020204020204" pitchFamily="34" charset="-122"/>
-                <a:sym typeface="+mn-ea"/>
-              </a:rPr>
-              <a:t>&gt;&lt;/checkbox&gt;</a:t>
-            </a:r>
-            <a:endParaRPr lang="en-US" sz="2800" dirty="0" smtClean="0">
-              <a:solidFill>
-                <a:srgbClr val="C00000"/>
-              </a:solidFill>
-              <a:latin typeface="Arial" panose="020B0604020202020204" pitchFamily="34" charset="0"/>
-              <a:ea typeface="微软雅黑" panose="020B0503020204020204" pitchFamily="34" charset="-122"/>
-              <a:sym typeface="+mn-ea"/>
+            <a:endParaRPr lang="zh-CN" altLang="en-US" sz="3600" smtClean="0">
+              <a:latin typeface="+mj-lt"/>
+              <a:ea typeface="+mj-ea"/>
             </a:endParaRPr>
           </a:p>
         </p:txBody>
@@ -9445,8 +7899,8 @@
         </p:nvSpPr>
         <p:spPr bwMode="auto">
           <a:xfrm flipH="1">
-            <a:off x="1643380" y="2099310"/>
-            <a:ext cx="199390" cy="3550920"/>
+            <a:off x="4498975" y="502920"/>
+            <a:ext cx="319405" cy="5898515"/>
           </a:xfrm>
           <a:custGeom>
             <a:avLst/>
@@ -9849,6 +8303,1588 @@
           </a:p>
         </p:txBody>
       </p:sp>
+      <p:sp>
+        <p:nvSpPr>
+          <p:cNvPr id="2" name="矩形 1"/>
+          <p:cNvSpPr/>
+          <p:nvPr/>
+        </p:nvSpPr>
+        <p:spPr>
+          <a:xfrm>
+            <a:off x="4955540" y="2174875"/>
+            <a:ext cx="4724400" cy="3150235"/>
+          </a:xfrm>
+          <a:prstGeom prst="rect">
+            <a:avLst/>
+          </a:prstGeom>
+          <a:solidFill>
+            <a:schemeClr val="accent1">
+              <a:alpha val="0"/>
+            </a:schemeClr>
+          </a:solidFill>
+          <a:ln>
+            <a:noFill/>
+          </a:ln>
+        </p:spPr>
+        <p:style>
+          <a:lnRef idx="2">
+            <a:schemeClr val="accent1">
+              <a:shade val="50000"/>
+            </a:schemeClr>
+          </a:lnRef>
+          <a:fillRef idx="1">
+            <a:schemeClr val="accent1"/>
+          </a:fillRef>
+          <a:effectRef idx="0">
+            <a:schemeClr val="accent1"/>
+          </a:effectRef>
+          <a:fontRef idx="minor">
+            <a:schemeClr val="lt1"/>
+          </a:fontRef>
+        </p:style>
+        <p:txBody>
+          <a:bodyPr rtlCol="0" anchor="ctr"/>
+          <a:p>
+            <a:pPr marL="514350" indent="-514350" algn="l" defTabSz="914400" fontAlgn="auto">
+              <a:lnSpc>
+                <a:spcPts val="4500"/>
+              </a:lnSpc>
+              <a:buClr>
+                <a:srgbClr val="C00000"/>
+              </a:buClr>
+              <a:buFont typeface="+mj-lt"/>
+              <a:buAutoNum type="arabicPeriod"/>
+              <a:tabLst>
+                <a:tab pos="3402330" algn="l"/>
+              </a:tabLst>
+            </a:pPr>
+            <a:r>
+              <a:rPr lang="en-US" altLang="zh-CN" sz="2800">
+                <a:solidFill>
+                  <a:schemeClr val="tx1"/>
+                </a:solidFill>
+                <a:ea typeface="微软雅黑" panose="020B0503020204020204" pitchFamily="34" charset="-122"/>
+                <a:sym typeface="+mn-ea"/>
+              </a:rPr>
+              <a:t> button</a:t>
+            </a:r>
+            <a:endParaRPr lang="en-US" altLang="zh-CN" sz="2800">
+              <a:solidFill>
+                <a:schemeClr val="tx1"/>
+              </a:solidFill>
+              <a:ea typeface="微软雅黑" panose="020B0503020204020204" pitchFamily="34" charset="-122"/>
+              <a:sym typeface="+mn-ea"/>
+            </a:endParaRPr>
+          </a:p>
+          <a:p>
+            <a:pPr marL="514350" indent="-514350" algn="l" defTabSz="914400" fontAlgn="auto">
+              <a:lnSpc>
+                <a:spcPts val="4500"/>
+              </a:lnSpc>
+              <a:buClr>
+                <a:srgbClr val="C00000"/>
+              </a:buClr>
+              <a:buFont typeface="+mj-lt"/>
+              <a:buAutoNum type="arabicPeriod"/>
+              <a:tabLst>
+                <a:tab pos="3402330" algn="l"/>
+              </a:tabLst>
+            </a:pPr>
+            <a:r>
+              <a:rPr lang="zh-CN" altLang="en-US" sz="2800">
+                <a:solidFill>
+                  <a:schemeClr val="tx1"/>
+                </a:solidFill>
+                <a:ea typeface="微软雅黑" panose="020B0503020204020204" pitchFamily="34" charset="-122"/>
+                <a:sym typeface="+mn-ea"/>
+              </a:rPr>
+              <a:t> </a:t>
+            </a:r>
+            <a:r>
+              <a:rPr lang="en-US" altLang="zh-CN" sz="2800">
+                <a:solidFill>
+                  <a:schemeClr val="tx1"/>
+                </a:solidFill>
+                <a:ea typeface="微软雅黑" panose="020B0503020204020204" pitchFamily="34" charset="-122"/>
+                <a:sym typeface="+mn-ea"/>
+              </a:rPr>
+              <a:t>lable</a:t>
+            </a:r>
+            <a:endParaRPr lang="en-US" altLang="zh-CN" sz="2800">
+              <a:solidFill>
+                <a:schemeClr val="tx1"/>
+              </a:solidFill>
+              <a:ea typeface="微软雅黑" panose="020B0503020204020204" pitchFamily="34" charset="-122"/>
+              <a:sym typeface="+mn-ea"/>
+            </a:endParaRPr>
+          </a:p>
+          <a:p>
+            <a:pPr marL="514350" indent="-514350" algn="l" defTabSz="914400" fontAlgn="auto">
+              <a:lnSpc>
+                <a:spcPts val="4500"/>
+              </a:lnSpc>
+              <a:buClr>
+                <a:srgbClr val="C00000"/>
+              </a:buClr>
+              <a:buFont typeface="+mj-lt"/>
+              <a:buAutoNum type="arabicPeriod"/>
+              <a:tabLst>
+                <a:tab pos="3402330" algn="l"/>
+              </a:tabLst>
+            </a:pPr>
+            <a:r>
+              <a:rPr lang="zh-CN" altLang="en-US" sz="2800">
+                <a:solidFill>
+                  <a:schemeClr val="tx1"/>
+                </a:solidFill>
+                <a:ea typeface="微软雅黑" panose="020B0503020204020204" pitchFamily="34" charset="-122"/>
+                <a:sym typeface="+mn-ea"/>
+              </a:rPr>
+              <a:t> </a:t>
+            </a:r>
+            <a:r>
+              <a:rPr lang="en-US" altLang="zh-CN" sz="2800">
+                <a:solidFill>
+                  <a:schemeClr val="tx1"/>
+                </a:solidFill>
+                <a:ea typeface="微软雅黑" panose="020B0503020204020204" pitchFamily="34" charset="-122"/>
+                <a:sym typeface="+mn-ea"/>
+              </a:rPr>
+              <a:t>checkbox</a:t>
+            </a:r>
+            <a:endParaRPr lang="en-US" altLang="zh-CN" sz="2800">
+              <a:solidFill>
+                <a:schemeClr val="tx1"/>
+              </a:solidFill>
+              <a:ea typeface="微软雅黑" panose="020B0503020204020204" pitchFamily="34" charset="-122"/>
+              <a:sym typeface="+mn-ea"/>
+            </a:endParaRPr>
+          </a:p>
+          <a:p>
+            <a:pPr marL="514350" indent="-514350" algn="l" defTabSz="914400" fontAlgn="auto">
+              <a:lnSpc>
+                <a:spcPts val="4500"/>
+              </a:lnSpc>
+              <a:buClr>
+                <a:srgbClr val="C00000"/>
+              </a:buClr>
+              <a:buFont typeface="+mj-lt"/>
+              <a:buAutoNum type="arabicPeriod"/>
+              <a:tabLst>
+                <a:tab pos="3402330" algn="l"/>
+              </a:tabLst>
+            </a:pPr>
+            <a:r>
+              <a:rPr lang="zh-CN" altLang="en-US" sz="2800">
+                <a:solidFill>
+                  <a:schemeClr val="tx1"/>
+                </a:solidFill>
+                <a:ea typeface="微软雅黑" panose="020B0503020204020204" pitchFamily="34" charset="-122"/>
+                <a:sym typeface="+mn-ea"/>
+              </a:rPr>
+              <a:t> </a:t>
+            </a:r>
+            <a:r>
+              <a:rPr lang="en-US" altLang="zh-CN" sz="2800">
+                <a:solidFill>
+                  <a:schemeClr val="tx1"/>
+                </a:solidFill>
+                <a:ea typeface="微软雅黑" panose="020B0503020204020204" pitchFamily="34" charset="-122"/>
+                <a:sym typeface="+mn-ea"/>
+              </a:rPr>
+              <a:t>radio</a:t>
+            </a:r>
+            <a:endParaRPr lang="en-US" altLang="zh-CN" sz="2800">
+              <a:solidFill>
+                <a:schemeClr val="tx1"/>
+              </a:solidFill>
+              <a:ea typeface="微软雅黑" panose="020B0503020204020204" pitchFamily="34" charset="-122"/>
+              <a:sym typeface="+mn-ea"/>
+            </a:endParaRPr>
+          </a:p>
+          <a:p>
+            <a:pPr marL="514350" indent="-514350" algn="l" defTabSz="914400" fontAlgn="auto">
+              <a:lnSpc>
+                <a:spcPts val="4500"/>
+              </a:lnSpc>
+              <a:buClr>
+                <a:srgbClr val="C00000"/>
+              </a:buClr>
+              <a:buFont typeface="+mj-lt"/>
+              <a:buAutoNum type="arabicPeriod"/>
+              <a:tabLst>
+                <a:tab pos="3402330" algn="l"/>
+              </a:tabLst>
+            </a:pPr>
+            <a:r>
+              <a:rPr lang="zh-CN" altLang="en-US" sz="2800">
+                <a:solidFill>
+                  <a:schemeClr val="tx1"/>
+                </a:solidFill>
+                <a:ea typeface="微软雅黑" panose="020B0503020204020204" pitchFamily="34" charset="-122"/>
+                <a:sym typeface="+mn-ea"/>
+              </a:rPr>
+              <a:t> </a:t>
+            </a:r>
+            <a:r>
+              <a:rPr lang="en-US" altLang="zh-CN" sz="2800">
+                <a:solidFill>
+                  <a:schemeClr val="tx1"/>
+                </a:solidFill>
+                <a:ea typeface="微软雅黑" panose="020B0503020204020204" pitchFamily="34" charset="-122"/>
+                <a:sym typeface="+mn-ea"/>
+              </a:rPr>
+              <a:t>switch</a:t>
+            </a:r>
+            <a:endParaRPr lang="en-US" altLang="zh-CN" sz="2800">
+              <a:solidFill>
+                <a:schemeClr val="tx1"/>
+              </a:solidFill>
+              <a:ea typeface="微软雅黑" panose="020B0503020204020204" pitchFamily="34" charset="-122"/>
+              <a:sym typeface="+mn-ea"/>
+            </a:endParaRPr>
+          </a:p>
+          <a:p>
+            <a:pPr marL="514350" indent="-514350" algn="l" defTabSz="914400" fontAlgn="auto">
+              <a:lnSpc>
+                <a:spcPts val="4500"/>
+              </a:lnSpc>
+              <a:buClr>
+                <a:srgbClr val="C00000"/>
+              </a:buClr>
+              <a:buFont typeface="+mj-lt"/>
+              <a:buAutoNum type="arabicPeriod"/>
+              <a:tabLst>
+                <a:tab pos="3402330" algn="l"/>
+              </a:tabLst>
+            </a:pPr>
+            <a:r>
+              <a:rPr lang="zh-CN" altLang="en-US" sz="2800">
+                <a:solidFill>
+                  <a:schemeClr val="tx1"/>
+                </a:solidFill>
+                <a:ea typeface="微软雅黑" panose="020B0503020204020204" pitchFamily="34" charset="-122"/>
+                <a:sym typeface="+mn-ea"/>
+              </a:rPr>
+              <a:t> </a:t>
+            </a:r>
+            <a:r>
+              <a:rPr lang="en-US" altLang="zh-CN" sz="2800">
+                <a:solidFill>
+                  <a:schemeClr val="tx1"/>
+                </a:solidFill>
+                <a:ea typeface="微软雅黑" panose="020B0503020204020204" pitchFamily="34" charset="-122"/>
+                <a:sym typeface="+mn-ea"/>
+              </a:rPr>
+              <a:t>slider</a:t>
+            </a:r>
+            <a:endParaRPr lang="en-US" altLang="zh-CN" sz="2800">
+              <a:solidFill>
+                <a:schemeClr val="tx1"/>
+              </a:solidFill>
+              <a:ea typeface="微软雅黑" panose="020B0503020204020204" pitchFamily="34" charset="-122"/>
+              <a:sym typeface="+mn-ea"/>
+            </a:endParaRPr>
+          </a:p>
+          <a:p>
+            <a:pPr marL="514350" indent="-514350" algn="l" defTabSz="914400" fontAlgn="auto">
+              <a:lnSpc>
+                <a:spcPts val="4500"/>
+              </a:lnSpc>
+              <a:buClr>
+                <a:srgbClr val="C00000"/>
+              </a:buClr>
+              <a:buFont typeface="+mj-lt"/>
+              <a:buAutoNum type="arabicPeriod"/>
+              <a:tabLst>
+                <a:tab pos="3402330" algn="l"/>
+              </a:tabLst>
+            </a:pPr>
+            <a:r>
+              <a:rPr lang="zh-CN" altLang="en-US" sz="2800">
+                <a:solidFill>
+                  <a:schemeClr val="tx1"/>
+                </a:solidFill>
+                <a:ea typeface="微软雅黑" panose="020B0503020204020204" pitchFamily="34" charset="-122"/>
+                <a:sym typeface="+mn-ea"/>
+              </a:rPr>
+              <a:t> </a:t>
+            </a:r>
+            <a:r>
+              <a:rPr lang="en-US" altLang="zh-CN" sz="2800">
+                <a:solidFill>
+                  <a:schemeClr val="tx2">
+                    <a:lumMod val="20000"/>
+                    <a:lumOff val="80000"/>
+                  </a:schemeClr>
+                </a:solidFill>
+                <a:ea typeface="微软雅黑" panose="020B0503020204020204" pitchFamily="34" charset="-122"/>
+                <a:sym typeface="+mn-ea"/>
+              </a:rPr>
+              <a:t>textarea</a:t>
+            </a:r>
+            <a:endParaRPr lang="en-US" altLang="zh-CN" sz="2800">
+              <a:solidFill>
+                <a:schemeClr val="tx2">
+                  <a:lumMod val="20000"/>
+                  <a:lumOff val="80000"/>
+                </a:schemeClr>
+              </a:solidFill>
+              <a:ea typeface="微软雅黑" panose="020B0503020204020204" pitchFamily="34" charset="-122"/>
+              <a:sym typeface="+mn-ea"/>
+            </a:endParaRPr>
+          </a:p>
+          <a:p>
+            <a:pPr marL="514350" indent="-514350" algn="l" defTabSz="914400" fontAlgn="auto">
+              <a:lnSpc>
+                <a:spcPts val="4500"/>
+              </a:lnSpc>
+              <a:buClr>
+                <a:srgbClr val="C00000"/>
+              </a:buClr>
+              <a:buFont typeface="+mj-lt"/>
+              <a:buAutoNum type="arabicPeriod"/>
+              <a:tabLst>
+                <a:tab pos="3402330" algn="l"/>
+              </a:tabLst>
+            </a:pPr>
+            <a:r>
+              <a:rPr lang="zh-CN" altLang="en-US" sz="2800">
+                <a:solidFill>
+                  <a:schemeClr val="tx2">
+                    <a:lumMod val="20000"/>
+                    <a:lumOff val="80000"/>
+                  </a:schemeClr>
+                </a:solidFill>
+                <a:ea typeface="微软雅黑" panose="020B0503020204020204" pitchFamily="34" charset="-122"/>
+                <a:sym typeface="+mn-ea"/>
+              </a:rPr>
+              <a:t> </a:t>
+            </a:r>
+            <a:r>
+              <a:rPr lang="en-US" altLang="zh-CN" sz="2800">
+                <a:solidFill>
+                  <a:schemeClr val="tx2">
+                    <a:lumMod val="20000"/>
+                    <a:lumOff val="80000"/>
+                  </a:schemeClr>
+                </a:solidFill>
+                <a:ea typeface="微软雅黑" panose="020B0503020204020204" pitchFamily="34" charset="-122"/>
+                <a:sym typeface="+mn-ea"/>
+              </a:rPr>
+              <a:t>input</a:t>
+            </a:r>
+            <a:endParaRPr lang="en-US" altLang="zh-CN" sz="2800">
+              <a:solidFill>
+                <a:schemeClr val="tx2">
+                  <a:lumMod val="20000"/>
+                  <a:lumOff val="80000"/>
+                </a:schemeClr>
+              </a:solidFill>
+              <a:ea typeface="微软雅黑" panose="020B0503020204020204" pitchFamily="34" charset="-122"/>
+              <a:sym typeface="+mn-ea"/>
+            </a:endParaRPr>
+          </a:p>
+          <a:p>
+            <a:pPr marL="514350" indent="-514350" algn="l" defTabSz="914400" fontAlgn="auto">
+              <a:lnSpc>
+                <a:spcPts val="4500"/>
+              </a:lnSpc>
+              <a:buClr>
+                <a:srgbClr val="C00000"/>
+              </a:buClr>
+              <a:buFont typeface="+mj-lt"/>
+              <a:buAutoNum type="arabicPeriod"/>
+              <a:tabLst>
+                <a:tab pos="3402330" algn="l"/>
+              </a:tabLst>
+            </a:pPr>
+            <a:r>
+              <a:rPr lang="zh-CN" altLang="en-US" sz="2800">
+                <a:solidFill>
+                  <a:schemeClr val="tx2">
+                    <a:lumMod val="20000"/>
+                    <a:lumOff val="80000"/>
+                  </a:schemeClr>
+                </a:solidFill>
+                <a:ea typeface="微软雅黑" panose="020B0503020204020204" pitchFamily="34" charset="-122"/>
+                <a:sym typeface="+mn-ea"/>
+              </a:rPr>
+              <a:t> picker</a:t>
+            </a:r>
+            <a:endParaRPr lang="zh-CN" altLang="en-US" sz="2800">
+              <a:solidFill>
+                <a:schemeClr val="tx2">
+                  <a:lumMod val="20000"/>
+                  <a:lumOff val="80000"/>
+                </a:schemeClr>
+              </a:solidFill>
+              <a:ea typeface="微软雅黑" panose="020B0503020204020204" pitchFamily="34" charset="-122"/>
+              <a:sym typeface="+mn-ea"/>
+            </a:endParaRPr>
+          </a:p>
+          <a:p>
+            <a:pPr marL="514350" indent="-514350" algn="l" defTabSz="914400" fontAlgn="auto">
+              <a:lnSpc>
+                <a:spcPts val="4500"/>
+              </a:lnSpc>
+              <a:buClr>
+                <a:srgbClr val="C00000"/>
+              </a:buClr>
+              <a:buFont typeface="+mj-lt"/>
+              <a:buAutoNum type="arabicPeriod"/>
+              <a:tabLst>
+                <a:tab pos="3402330" algn="l"/>
+              </a:tabLst>
+            </a:pPr>
+            <a:r>
+              <a:rPr lang="zh-CN" altLang="en-US" sz="2800">
+                <a:solidFill>
+                  <a:schemeClr val="tx2">
+                    <a:lumMod val="20000"/>
+                    <a:lumOff val="80000"/>
+                  </a:schemeClr>
+                </a:solidFill>
+                <a:ea typeface="微软雅黑" panose="020B0503020204020204" pitchFamily="34" charset="-122"/>
+                <a:sym typeface="+mn-ea"/>
+              </a:rPr>
+              <a:t> picker-view</a:t>
+            </a:r>
+            <a:endParaRPr lang="zh-CN" altLang="en-US" sz="2800">
+              <a:solidFill>
+                <a:schemeClr val="tx2">
+                  <a:lumMod val="20000"/>
+                  <a:lumOff val="80000"/>
+                </a:schemeClr>
+              </a:solidFill>
+              <a:ea typeface="微软雅黑" panose="020B0503020204020204" pitchFamily="34" charset="-122"/>
+              <a:sym typeface="+mn-ea"/>
+            </a:endParaRPr>
+          </a:p>
+          <a:p>
+            <a:pPr marL="514350" indent="-514350" algn="l" defTabSz="914400" fontAlgn="auto">
+              <a:lnSpc>
+                <a:spcPts val="4500"/>
+              </a:lnSpc>
+              <a:buClr>
+                <a:srgbClr val="C00000"/>
+              </a:buClr>
+              <a:buFont typeface="+mj-lt"/>
+              <a:buAutoNum type="arabicPeriod"/>
+              <a:tabLst>
+                <a:tab pos="3402330" algn="l"/>
+              </a:tabLst>
+            </a:pPr>
+            <a:r>
+              <a:rPr lang="en-US" altLang="zh-CN" sz="2800">
+                <a:solidFill>
+                  <a:schemeClr val="tx2">
+                    <a:lumMod val="20000"/>
+                    <a:lumOff val="80000"/>
+                  </a:schemeClr>
+                </a:solidFill>
+                <a:ea typeface="微软雅黑" panose="020B0503020204020204" pitchFamily="34" charset="-122"/>
+                <a:sym typeface="+mn-ea"/>
+              </a:rPr>
+              <a:t> form</a:t>
+            </a:r>
+            <a:endParaRPr lang="en-US" altLang="zh-CN" sz="2800">
+              <a:solidFill>
+                <a:schemeClr val="tx2">
+                  <a:lumMod val="20000"/>
+                  <a:lumOff val="80000"/>
+                </a:schemeClr>
+              </a:solidFill>
+              <a:ea typeface="微软雅黑" panose="020B0503020204020204" pitchFamily="34" charset="-122"/>
+              <a:sym typeface="+mn-ea"/>
+            </a:endParaRPr>
+          </a:p>
+          <a:p>
+            <a:pPr marL="514350" indent="-514350" algn="l" defTabSz="914400" fontAlgn="auto">
+              <a:lnSpc>
+                <a:spcPts val="4500"/>
+              </a:lnSpc>
+              <a:buClr>
+                <a:srgbClr val="C00000"/>
+              </a:buClr>
+              <a:buFont typeface="+mj-lt"/>
+              <a:buAutoNum type="arabicPeriod"/>
+              <a:tabLst>
+                <a:tab pos="3402330" algn="l"/>
+              </a:tabLst>
+            </a:pPr>
+            <a:endParaRPr lang="en-US" altLang="zh-CN" sz="2800">
+              <a:solidFill>
+                <a:schemeClr val="bg2">
+                  <a:lumMod val="95000"/>
+                </a:schemeClr>
+              </a:solidFill>
+              <a:ea typeface="微软雅黑" panose="020B0503020204020204" pitchFamily="34" charset="-122"/>
+              <a:sym typeface="+mn-ea"/>
+            </a:endParaRPr>
+          </a:p>
+        </p:txBody>
+      </p:sp>
+    </p:spTree>
+    <p:custDataLst>
+      <p:tags r:id="rId2"/>
+    </p:custDataLst>
+  </p:cSld>
+  <p:clrMapOvr>
+    <a:masterClrMapping/>
+  </p:clrMapOvr>
+  <p:timing>
+    <p:tnLst>
+      <p:par>
+        <p:cTn id="1" dur="indefinite" restart="never" nodeType="tmRoot"/>
+      </p:par>
+    </p:tnLst>
+  </p:timing>
+</p:sld>
+</file>
+
+<file path=ppt/slides/slide3.xml><?xml version="1.0" encoding="utf-8"?>
+<p:sld xmlns:a="http://schemas.openxmlformats.org/drawingml/2006/main" xmlns:r="http://schemas.openxmlformats.org/officeDocument/2006/relationships" xmlns:p="http://schemas.openxmlformats.org/presentationml/2006/main">
+  <p:cSld>
+    <p:spTree>
+      <p:nvGrpSpPr>
+        <p:cNvPr id="1" name=""/>
+        <p:cNvGrpSpPr/>
+        <p:nvPr/>
+      </p:nvGrpSpPr>
+      <p:grpSpPr>
+        <a:xfrm>
+          <a:off x="0" y="0"/>
+          <a:ext cx="0" cy="0"/>
+          <a:chOff x="0" y="0"/>
+          <a:chExt cx="0" cy="0"/>
+        </a:xfrm>
+      </p:grpSpPr>
+      <p:sp>
+        <p:nvSpPr>
+          <p:cNvPr id="21" name="文本框 20"/>
+          <p:cNvSpPr txBox="1"/>
+          <p:nvPr>
+            <p:custDataLst>
+              <p:tags r:id="rId1"/>
+            </p:custDataLst>
+          </p:nvPr>
+        </p:nvSpPr>
+        <p:spPr>
+          <a:xfrm>
+            <a:off x="680085" y="995045"/>
+            <a:ext cx="11184255" cy="1249680"/>
+          </a:xfrm>
+          <a:prstGeom prst="rect">
+            <a:avLst/>
+          </a:prstGeom>
+        </p:spPr>
+        <p:txBody>
+          <a:bodyPr vert="horz" lIns="91440" tIns="45720" rIns="91440" bIns="45720" rtlCol="0" anchor="b">
+            <a:normAutofit/>
+          </a:bodyPr>
+          <a:lstStyle>
+            <a:lvl1pPr defTabSz="685800" eaLnBrk="1" latinLnBrk="0" hangingPunct="1">
+              <a:lnSpc>
+                <a:spcPct val="90000"/>
+              </a:lnSpc>
+              <a:buNone/>
+              <a:defRPr sz="3200" b="1" i="0" baseline="0">
+                <a:solidFill>
+                  <a:schemeClr val="accent1">
+                    <a:lumMod val="75000"/>
+                  </a:schemeClr>
+                </a:solidFill>
+                <a:latin typeface="Arial" panose="020B0604020202020204" pitchFamily="34" charset="0"/>
+                <a:ea typeface="黑体" panose="02010609060101010101" pitchFamily="49" charset="-122"/>
+                <a:cs typeface="+mj-cs"/>
+              </a:defRPr>
+            </a:lvl1pPr>
+          </a:lstStyle>
+          <a:p>
+            <a:pPr defTabSz="685800">
+              <a:tabLst>
+                <a:tab pos="6446520" algn="l"/>
+              </a:tabLst>
+            </a:pPr>
+            <a:r>
+              <a:rPr lang="zh-CN" altLang="en-US" sz="2800" b="0" smtClean="0">
+                <a:latin typeface="+mn-lt"/>
+                <a:ea typeface="微软雅黑" panose="020B0503020204020204" pitchFamily="34" charset="-122"/>
+              </a:rPr>
+              <a:t>语法：</a:t>
+            </a:r>
+            <a:r>
+              <a:rPr lang="en-US" altLang="zh-CN" sz="2800" b="0" dirty="0">
+                <a:solidFill>
+                  <a:schemeClr val="tx2"/>
+                </a:solidFill>
+                <a:latin typeface="+mn-lt"/>
+                <a:ea typeface="微软雅黑" panose="020B0503020204020204" pitchFamily="34" charset="-122"/>
+                <a:cs typeface="+mn-cs"/>
+              </a:rPr>
+              <a:t> &lt;button &gt;</a:t>
+            </a:r>
+            <a:r>
+              <a:rPr lang="zh-CN" altLang="en-US" sz="2800" b="0" dirty="0">
+                <a:solidFill>
+                  <a:schemeClr val="tx2"/>
+                </a:solidFill>
+                <a:latin typeface="+mn-lt"/>
+                <a:ea typeface="微软雅黑" panose="020B0503020204020204" pitchFamily="34" charset="-122"/>
+                <a:cs typeface="+mn-cs"/>
+              </a:rPr>
+              <a:t>按钮</a:t>
+            </a:r>
+            <a:r>
+              <a:rPr lang="en-US" altLang="zh-CN" sz="2800" b="0" dirty="0">
+                <a:solidFill>
+                  <a:schemeClr val="tx2"/>
+                </a:solidFill>
+                <a:latin typeface="+mn-lt"/>
+                <a:ea typeface="微软雅黑" panose="020B0503020204020204" pitchFamily="34" charset="-122"/>
+                <a:cs typeface="+mn-cs"/>
+              </a:rPr>
+              <a:t>&lt;/button&gt;</a:t>
+            </a:r>
+            <a:endParaRPr lang="en-US" altLang="zh-CN" sz="2800" b="0" dirty="0">
+              <a:solidFill>
+                <a:schemeClr val="tx2"/>
+              </a:solidFill>
+              <a:latin typeface="+mn-lt"/>
+              <a:ea typeface="微软雅黑" panose="020B0503020204020204" pitchFamily="34" charset="-122"/>
+              <a:cs typeface="+mn-cs"/>
+            </a:endParaRPr>
+          </a:p>
+        </p:txBody>
+      </p:sp>
+      <p:sp>
+        <p:nvSpPr>
+          <p:cNvPr id="20" name="文本框 19"/>
+          <p:cNvSpPr txBox="1"/>
+          <p:nvPr>
+            <p:custDataLst>
+              <p:tags r:id="rId2"/>
+            </p:custDataLst>
+          </p:nvPr>
+        </p:nvSpPr>
+        <p:spPr>
+          <a:xfrm>
+            <a:off x="680085" y="279400"/>
+            <a:ext cx="8265795" cy="1171575"/>
+          </a:xfrm>
+          <a:prstGeom prst="rect">
+            <a:avLst/>
+          </a:prstGeom>
+        </p:spPr>
+        <p:txBody>
+          <a:bodyPr vert="horz" lIns="91440" tIns="45720" rIns="91440" bIns="45720" rtlCol="0" anchor="b">
+            <a:normAutofit/>
+          </a:bodyPr>
+          <a:lstStyle>
+            <a:lvl1pPr defTabSz="685800" eaLnBrk="1" latinLnBrk="0" hangingPunct="1">
+              <a:lnSpc>
+                <a:spcPct val="90000"/>
+              </a:lnSpc>
+              <a:buNone/>
+              <a:defRPr sz="3200" b="1" i="0" baseline="0">
+                <a:solidFill>
+                  <a:schemeClr val="accent1">
+                    <a:lumMod val="75000"/>
+                  </a:schemeClr>
+                </a:solidFill>
+                <a:latin typeface="Arial" panose="020B0604020202020204" pitchFamily="34" charset="0"/>
+                <a:ea typeface="黑体" panose="02010609060101010101" pitchFamily="49" charset="-122"/>
+                <a:cs typeface="+mj-cs"/>
+              </a:defRPr>
+            </a:lvl1pPr>
+          </a:lstStyle>
+          <a:p>
+            <a:r>
+              <a:rPr lang="zh-CN" altLang="en-US" dirty="0">
+                <a:latin typeface="微软雅黑" panose="020B0503020204020204" pitchFamily="34" charset="-122"/>
+                <a:ea typeface="微软雅黑" panose="020B0503020204020204" pitchFamily="34" charset="-122"/>
+              </a:rPr>
+              <a:t>表单组件</a:t>
+            </a:r>
+            <a:endParaRPr lang="zh-CN" altLang="en-US" dirty="0">
+              <a:latin typeface="微软雅黑" panose="020B0503020204020204" pitchFamily="34" charset="-122"/>
+              <a:ea typeface="微软雅黑" panose="020B0503020204020204" pitchFamily="34" charset="-122"/>
+            </a:endParaRPr>
+          </a:p>
+          <a:p>
+            <a:pPr defTabSz="685800">
+              <a:tabLst>
+                <a:tab pos="7073265" algn="l"/>
+              </a:tabLst>
+            </a:pPr>
+            <a:r>
+              <a:rPr lang="en-US" altLang="zh-CN" dirty="0">
+                <a:latin typeface="微软雅黑" panose="020B0503020204020204" pitchFamily="34" charset="-122"/>
+                <a:ea typeface="微软雅黑" panose="020B0503020204020204" pitchFamily="34" charset="-122"/>
+              </a:rPr>
+              <a:t>          ——</a:t>
+            </a:r>
+            <a:r>
+              <a:rPr lang="en-US" altLang="zh-CN" dirty="0">
+                <a:latin typeface="+mn-lt"/>
+                <a:ea typeface="微软雅黑" panose="020B0503020204020204" pitchFamily="34" charset="-122"/>
+              </a:rPr>
+              <a:t>button</a:t>
+            </a:r>
+            <a:endParaRPr lang="zh-CN" altLang="en-US" dirty="0">
+              <a:latin typeface="+mn-lt"/>
+              <a:ea typeface="微软雅黑" panose="020B0503020204020204" pitchFamily="34" charset="-122"/>
+            </a:endParaRPr>
+          </a:p>
+        </p:txBody>
+      </p:sp>
+      <p:sp>
+        <p:nvSpPr>
+          <p:cNvPr id="7" name="文本占位符 6"/>
+          <p:cNvSpPr/>
+          <p:nvPr>
+            <p:ph type="body" idx="1"/>
+          </p:nvPr>
+        </p:nvSpPr>
+        <p:spPr>
+          <a:xfrm>
+            <a:off x="680085" y="2397125"/>
+            <a:ext cx="10422890" cy="4059555"/>
+          </a:xfrm>
+        </p:spPr>
+        <p:txBody>
+          <a:bodyPr/>
+          <a:p>
+            <a:pPr fontAlgn="auto">
+              <a:lnSpc>
+                <a:spcPct val="200000"/>
+              </a:lnSpc>
+            </a:pPr>
+            <a:r>
+              <a:rPr lang="zh-CN" altLang="en-US" sz="2800">
+                <a:latin typeface="+mn-lt"/>
+                <a:ea typeface="微软雅黑" panose="020B0503020204020204" pitchFamily="34" charset="-122"/>
+              </a:rPr>
+              <a:t>属性：</a:t>
+            </a:r>
+            <a:endParaRPr lang="zh-CN" altLang="en-US" sz="2800">
+              <a:latin typeface="+mn-lt"/>
+              <a:ea typeface="微软雅黑" panose="020B0503020204020204" pitchFamily="34" charset="-122"/>
+            </a:endParaRPr>
+          </a:p>
+        </p:txBody>
+      </p:sp>
+      <p:sp>
+        <p:nvSpPr>
+          <p:cNvPr id="8" name="矩形 7"/>
+          <p:cNvSpPr/>
+          <p:nvPr/>
+        </p:nvSpPr>
+        <p:spPr>
+          <a:xfrm>
+            <a:off x="1600200" y="3413125"/>
+            <a:ext cx="4724400" cy="3150235"/>
+          </a:xfrm>
+          <a:prstGeom prst="rect">
+            <a:avLst/>
+          </a:prstGeom>
+          <a:solidFill>
+            <a:schemeClr val="accent1">
+              <a:alpha val="0"/>
+            </a:schemeClr>
+          </a:solidFill>
+          <a:ln>
+            <a:noFill/>
+          </a:ln>
+        </p:spPr>
+        <p:style>
+          <a:lnRef idx="2">
+            <a:schemeClr val="accent1">
+              <a:shade val="50000"/>
+            </a:schemeClr>
+          </a:lnRef>
+          <a:fillRef idx="1">
+            <a:schemeClr val="accent1"/>
+          </a:fillRef>
+          <a:effectRef idx="0">
+            <a:schemeClr val="accent1"/>
+          </a:effectRef>
+          <a:fontRef idx="minor">
+            <a:schemeClr val="lt1"/>
+          </a:fontRef>
+        </p:style>
+        <p:txBody>
+          <a:bodyPr rtlCol="0" anchor="ctr"/>
+          <a:p>
+            <a:pPr marL="285750" indent="-285750" algn="l" fontAlgn="auto">
+              <a:lnSpc>
+                <a:spcPct val="200000"/>
+              </a:lnSpc>
+              <a:buClr>
+                <a:srgbClr val="C00000"/>
+              </a:buClr>
+              <a:buFont typeface="Wingdings" panose="05000000000000000000" charset="0"/>
+              <a:buChar char="ü"/>
+            </a:pPr>
+            <a:r>
+              <a:rPr lang="en-US" altLang="zh-CN" sz="2800">
+                <a:solidFill>
+                  <a:schemeClr val="tx1"/>
+                </a:solidFill>
+                <a:ea typeface="微软雅黑" panose="020B0503020204020204" pitchFamily="34" charset="-122"/>
+                <a:sym typeface="+mn-ea"/>
+              </a:rPr>
+              <a:t> size</a:t>
+            </a:r>
+            <a:endParaRPr lang="en-US" altLang="zh-CN" sz="2800">
+              <a:solidFill>
+                <a:schemeClr val="tx1"/>
+              </a:solidFill>
+              <a:ea typeface="微软雅黑" panose="020B0503020204020204" pitchFamily="34" charset="-122"/>
+              <a:sym typeface="+mn-ea"/>
+            </a:endParaRPr>
+          </a:p>
+          <a:p>
+            <a:pPr marL="285750" indent="-285750" algn="l" fontAlgn="auto">
+              <a:lnSpc>
+                <a:spcPct val="200000"/>
+              </a:lnSpc>
+              <a:buClr>
+                <a:srgbClr val="C00000"/>
+              </a:buClr>
+              <a:buFont typeface="Wingdings" panose="05000000000000000000" charset="0"/>
+              <a:buChar char="ü"/>
+            </a:pPr>
+            <a:r>
+              <a:rPr lang="en-US" altLang="zh-CN" sz="2800">
+                <a:solidFill>
+                  <a:schemeClr val="tx1"/>
+                </a:solidFill>
+                <a:ea typeface="微软雅黑" panose="020B0503020204020204" pitchFamily="34" charset="-122"/>
+                <a:sym typeface="+mn-ea"/>
+              </a:rPr>
+              <a:t> type</a:t>
+            </a:r>
+            <a:endParaRPr lang="en-US" altLang="zh-CN" sz="2800">
+              <a:solidFill>
+                <a:schemeClr val="tx1"/>
+              </a:solidFill>
+              <a:ea typeface="微软雅黑" panose="020B0503020204020204" pitchFamily="34" charset="-122"/>
+              <a:sym typeface="+mn-ea"/>
+            </a:endParaRPr>
+          </a:p>
+          <a:p>
+            <a:pPr marL="285750" indent="-285750" algn="l" fontAlgn="auto">
+              <a:lnSpc>
+                <a:spcPct val="200000"/>
+              </a:lnSpc>
+              <a:buClr>
+                <a:srgbClr val="C00000"/>
+              </a:buClr>
+              <a:buFont typeface="Wingdings" panose="05000000000000000000" charset="0"/>
+              <a:buChar char="ü"/>
+            </a:pPr>
+            <a:r>
+              <a:rPr lang="en-US" altLang="zh-CN" sz="2800">
+                <a:solidFill>
+                  <a:schemeClr val="tx1"/>
+                </a:solidFill>
+                <a:ea typeface="微软雅黑" panose="020B0503020204020204" pitchFamily="34" charset="-122"/>
+                <a:sym typeface="+mn-ea"/>
+              </a:rPr>
+              <a:t> plain</a:t>
+            </a:r>
+            <a:endParaRPr lang="en-US" altLang="zh-CN" sz="2800">
+              <a:solidFill>
+                <a:schemeClr val="tx1"/>
+              </a:solidFill>
+              <a:ea typeface="微软雅黑" panose="020B0503020204020204" pitchFamily="34" charset="-122"/>
+              <a:sym typeface="+mn-ea"/>
+            </a:endParaRPr>
+          </a:p>
+          <a:p>
+            <a:pPr marL="285750" indent="-285750" algn="l" fontAlgn="auto">
+              <a:lnSpc>
+                <a:spcPct val="200000"/>
+              </a:lnSpc>
+              <a:buClr>
+                <a:srgbClr val="C00000"/>
+              </a:buClr>
+              <a:buFont typeface="Wingdings" panose="05000000000000000000" charset="0"/>
+              <a:buChar char="ü"/>
+            </a:pPr>
+            <a:r>
+              <a:rPr lang="en-US" altLang="zh-CN" sz="2800">
+                <a:solidFill>
+                  <a:schemeClr val="tx1"/>
+                </a:solidFill>
+                <a:ea typeface="微软雅黑" panose="020B0503020204020204" pitchFamily="34" charset="-122"/>
+                <a:sym typeface="+mn-ea"/>
+              </a:rPr>
+              <a:t> disabled</a:t>
+            </a:r>
+            <a:endParaRPr lang="en-US" altLang="zh-CN" sz="2800">
+              <a:solidFill>
+                <a:schemeClr val="tx1"/>
+              </a:solidFill>
+              <a:ea typeface="微软雅黑" panose="020B0503020204020204" pitchFamily="34" charset="-122"/>
+              <a:sym typeface="+mn-ea"/>
+            </a:endParaRPr>
+          </a:p>
+        </p:txBody>
+      </p:sp>
+      <p:sp>
+        <p:nvSpPr>
+          <p:cNvPr id="9" name="矩形 8"/>
+          <p:cNvSpPr/>
+          <p:nvPr/>
+        </p:nvSpPr>
+        <p:spPr>
+          <a:xfrm>
+            <a:off x="4282440" y="2585720"/>
+            <a:ext cx="5180330" cy="3977640"/>
+          </a:xfrm>
+          <a:prstGeom prst="rect">
+            <a:avLst/>
+          </a:prstGeom>
+          <a:solidFill>
+            <a:schemeClr val="accent1">
+              <a:alpha val="0"/>
+            </a:schemeClr>
+          </a:solidFill>
+          <a:ln>
+            <a:noFill/>
+          </a:ln>
+        </p:spPr>
+        <p:style>
+          <a:lnRef idx="2">
+            <a:schemeClr val="accent1">
+              <a:shade val="50000"/>
+            </a:schemeClr>
+          </a:lnRef>
+          <a:fillRef idx="1">
+            <a:schemeClr val="accent1"/>
+          </a:fillRef>
+          <a:effectRef idx="0">
+            <a:schemeClr val="accent1"/>
+          </a:effectRef>
+          <a:fontRef idx="minor">
+            <a:schemeClr val="lt1"/>
+          </a:fontRef>
+        </p:style>
+        <p:txBody>
+          <a:bodyPr rtlCol="0" anchor="ctr"/>
+          <a:p>
+            <a:pPr marL="285750" indent="-285750" algn="l" fontAlgn="auto">
+              <a:lnSpc>
+                <a:spcPct val="200000"/>
+              </a:lnSpc>
+              <a:buClr>
+                <a:srgbClr val="C00000"/>
+              </a:buClr>
+              <a:buFont typeface="Wingdings" panose="05000000000000000000" charset="0"/>
+              <a:buChar char="ü"/>
+            </a:pPr>
+            <a:r>
+              <a:rPr lang="en-US" altLang="zh-CN" sz="2800">
+                <a:solidFill>
+                  <a:schemeClr val="tx1"/>
+                </a:solidFill>
+                <a:ea typeface="微软雅黑" panose="020B0503020204020204" pitchFamily="34" charset="-122"/>
+                <a:sym typeface="+mn-ea"/>
+              </a:rPr>
+              <a:t> loading</a:t>
+            </a:r>
+            <a:endParaRPr lang="en-US" altLang="zh-CN" sz="2800">
+              <a:solidFill>
+                <a:schemeClr val="tx1"/>
+              </a:solidFill>
+              <a:ea typeface="微软雅黑" panose="020B0503020204020204" pitchFamily="34" charset="-122"/>
+              <a:sym typeface="+mn-ea"/>
+            </a:endParaRPr>
+          </a:p>
+          <a:p>
+            <a:pPr marL="285750" indent="-285750" algn="l" fontAlgn="auto">
+              <a:lnSpc>
+                <a:spcPct val="200000"/>
+              </a:lnSpc>
+              <a:buClr>
+                <a:srgbClr val="C00000"/>
+              </a:buClr>
+              <a:buFont typeface="Wingdings" panose="05000000000000000000" charset="0"/>
+              <a:buChar char="ü"/>
+            </a:pPr>
+            <a:r>
+              <a:rPr lang="en-US" altLang="zh-CN" sz="2800">
+                <a:solidFill>
+                  <a:schemeClr val="tx1"/>
+                </a:solidFill>
+                <a:ea typeface="微软雅黑" panose="020B0503020204020204" pitchFamily="34" charset="-122"/>
+                <a:sym typeface="+mn-ea"/>
+              </a:rPr>
+              <a:t> hover-class</a:t>
+            </a:r>
+            <a:r>
+              <a:rPr lang="zh-CN" altLang="en-US" sz="2800">
+                <a:solidFill>
+                  <a:schemeClr val="tx1"/>
+                </a:solidFill>
+                <a:ea typeface="微软雅黑" panose="020B0503020204020204" pitchFamily="34" charset="-122"/>
+                <a:sym typeface="+mn-ea"/>
+              </a:rPr>
+              <a:t>（去掉默认样式）</a:t>
+            </a:r>
+            <a:endParaRPr lang="zh-CN" altLang="en-US" sz="2800">
+              <a:solidFill>
+                <a:schemeClr val="tx1"/>
+              </a:solidFill>
+              <a:ea typeface="微软雅黑" panose="020B0503020204020204" pitchFamily="34" charset="-122"/>
+              <a:sym typeface="+mn-ea"/>
+            </a:endParaRPr>
+          </a:p>
+          <a:p>
+            <a:pPr marL="285750" indent="-285750" algn="l" fontAlgn="auto">
+              <a:lnSpc>
+                <a:spcPct val="200000"/>
+              </a:lnSpc>
+              <a:buClr>
+                <a:srgbClr val="C00000"/>
+              </a:buClr>
+              <a:buFont typeface="Wingdings" panose="05000000000000000000" charset="0"/>
+              <a:buChar char="ü"/>
+            </a:pPr>
+            <a:r>
+              <a:rPr lang="en-US" altLang="zh-CN" sz="2800">
+                <a:solidFill>
+                  <a:schemeClr val="tx1"/>
+                </a:solidFill>
+                <a:ea typeface="微软雅黑" panose="020B0503020204020204" pitchFamily="34" charset="-122"/>
+                <a:sym typeface="+mn-ea"/>
+              </a:rPr>
+              <a:t> form-type</a:t>
+            </a:r>
+            <a:r>
+              <a:rPr lang="zh-CN" altLang="en-US" sz="2800">
+                <a:solidFill>
+                  <a:schemeClr val="tx1"/>
+                </a:solidFill>
+                <a:ea typeface="微软雅黑" panose="020B0503020204020204" pitchFamily="34" charset="-122"/>
+                <a:sym typeface="+mn-ea"/>
+              </a:rPr>
+              <a:t>（submit</a:t>
+            </a:r>
+            <a:r>
+              <a:rPr lang="en-US" altLang="zh-CN" sz="2800">
+                <a:solidFill>
+                  <a:schemeClr val="tx1"/>
+                </a:solidFill>
+                <a:ea typeface="微软雅黑" panose="020B0503020204020204" pitchFamily="34" charset="-122"/>
+                <a:sym typeface="+mn-ea"/>
+              </a:rPr>
+              <a:t>/</a:t>
+            </a:r>
+            <a:r>
+              <a:rPr lang="zh-CN" altLang="en-US" sz="2800">
+                <a:solidFill>
+                  <a:schemeClr val="tx1"/>
+                </a:solidFill>
+                <a:ea typeface="微软雅黑" panose="020B0503020204020204" pitchFamily="34" charset="-122"/>
+                <a:sym typeface="+mn-ea"/>
+              </a:rPr>
+              <a:t>reset）</a:t>
+            </a:r>
+            <a:endParaRPr lang="zh-CN" altLang="en-US" sz="2800">
+              <a:solidFill>
+                <a:schemeClr val="tx1"/>
+              </a:solidFill>
+              <a:ea typeface="微软雅黑" panose="020B0503020204020204" pitchFamily="34" charset="-122"/>
+              <a:sym typeface="+mn-ea"/>
+            </a:endParaRPr>
+          </a:p>
+        </p:txBody>
+      </p:sp>
+    </p:spTree>
+    <p:custDataLst>
+      <p:tags r:id="rId3"/>
+    </p:custDataLst>
+  </p:cSld>
+  <p:clrMapOvr>
+    <a:masterClrMapping/>
+  </p:clrMapOvr>
+  <p:timing>
+    <p:tnLst>
+      <p:par>
+        <p:cTn id="1" dur="indefinite" restart="never" nodeType="tmRoot"/>
+      </p:par>
+    </p:tnLst>
+  </p:timing>
+</p:sld>
+</file>
+
+<file path=ppt/slides/slide4.xml><?xml version="1.0" encoding="utf-8"?>
+<p:sld xmlns:a="http://schemas.openxmlformats.org/drawingml/2006/main" xmlns:r="http://schemas.openxmlformats.org/officeDocument/2006/relationships" xmlns:p="http://schemas.openxmlformats.org/presentationml/2006/main">
+  <p:cSld>
+    <p:spTree>
+      <p:nvGrpSpPr>
+        <p:cNvPr id="1" name=""/>
+        <p:cNvGrpSpPr/>
+        <p:nvPr/>
+      </p:nvGrpSpPr>
+      <p:grpSpPr>
+        <a:xfrm>
+          <a:off x="0" y="0"/>
+          <a:ext cx="0" cy="0"/>
+          <a:chOff x="0" y="0"/>
+          <a:chExt cx="0" cy="0"/>
+        </a:xfrm>
+      </p:grpSpPr>
+      <p:sp>
+        <p:nvSpPr>
+          <p:cNvPr id="21" name="文本框 20"/>
+          <p:cNvSpPr txBox="1"/>
+          <p:nvPr>
+            <p:custDataLst>
+              <p:tags r:id="rId1"/>
+            </p:custDataLst>
+          </p:nvPr>
+        </p:nvSpPr>
+        <p:spPr>
+          <a:xfrm>
+            <a:off x="680085" y="279400"/>
+            <a:ext cx="11184255" cy="4749165"/>
+          </a:xfrm>
+          <a:prstGeom prst="rect">
+            <a:avLst/>
+          </a:prstGeom>
+        </p:spPr>
+        <p:txBody>
+          <a:bodyPr vert="horz" lIns="91440" tIns="45720" rIns="91440" bIns="45720" rtlCol="0" anchor="b">
+            <a:normAutofit/>
+          </a:bodyPr>
+          <a:lstStyle>
+            <a:lvl1pPr defTabSz="685800" eaLnBrk="1" latinLnBrk="0" hangingPunct="1">
+              <a:lnSpc>
+                <a:spcPct val="90000"/>
+              </a:lnSpc>
+              <a:buNone/>
+              <a:defRPr sz="3200" b="1" i="0" baseline="0">
+                <a:solidFill>
+                  <a:schemeClr val="accent1">
+                    <a:lumMod val="75000"/>
+                  </a:schemeClr>
+                </a:solidFill>
+                <a:latin typeface="Arial" panose="020B0604020202020204" pitchFamily="34" charset="0"/>
+                <a:ea typeface="黑体" panose="02010609060101010101" pitchFamily="49" charset="-122"/>
+                <a:cs typeface="+mj-cs"/>
+              </a:defRPr>
+            </a:lvl1pPr>
+          </a:lstStyle>
+          <a:p>
+            <a:pPr defTabSz="685800" fontAlgn="auto">
+              <a:lnSpc>
+                <a:spcPct val="200000"/>
+              </a:lnSpc>
+              <a:tabLst>
+                <a:tab pos="3939540" algn="l"/>
+                <a:tab pos="6446520" algn="l"/>
+              </a:tabLst>
+            </a:pPr>
+            <a:r>
+              <a:rPr lang="zh-CN" altLang="en-US" sz="2800" b="0" smtClean="0">
+                <a:latin typeface="+mn-lt"/>
+                <a:ea typeface="微软雅黑" panose="020B0503020204020204" pitchFamily="34" charset="-122"/>
+              </a:rPr>
+              <a:t>语法：</a:t>
+            </a:r>
+            <a:r>
+              <a:rPr lang="en-US" altLang="zh-CN" sz="2800" b="0" dirty="0">
+                <a:solidFill>
+                  <a:schemeClr val="tx2"/>
+                </a:solidFill>
+                <a:latin typeface="+mn-lt"/>
+                <a:ea typeface="微软雅黑" panose="020B0503020204020204" pitchFamily="34" charset="-122"/>
+                <a:cs typeface="+mn-cs"/>
+              </a:rPr>
+              <a:t> </a:t>
+            </a:r>
+            <a:r>
+              <a:rPr sz="2800" b="0" dirty="0">
+                <a:solidFill>
+                  <a:schemeClr val="tx2"/>
+                </a:solidFill>
+                <a:latin typeface="+mn-lt"/>
+                <a:ea typeface="微软雅黑" panose="020B0503020204020204" pitchFamily="34" charset="-122"/>
+                <a:cs typeface="+mn-cs"/>
+              </a:rPr>
+              <a:t>&lt;</a:t>
+            </a:r>
+            <a:r>
+              <a:rPr sz="2800" b="0" dirty="0">
+                <a:solidFill>
+                  <a:srgbClr val="C00000"/>
+                </a:solidFill>
+                <a:latin typeface="+mn-lt"/>
+                <a:ea typeface="微软雅黑" panose="020B0503020204020204" pitchFamily="34" charset="-122"/>
+                <a:cs typeface="+mn-cs"/>
+              </a:rPr>
+              <a:t>label </a:t>
+            </a:r>
+            <a:r>
+              <a:rPr sz="2800" b="0" dirty="0">
+                <a:solidFill>
+                  <a:schemeClr val="tx2"/>
+                </a:solidFill>
+                <a:latin typeface="+mn-lt"/>
+                <a:ea typeface="微软雅黑" panose="020B0503020204020204" pitchFamily="34" charset="-122"/>
+                <a:cs typeface="+mn-cs"/>
+              </a:rPr>
+              <a:t>&gt;</a:t>
+            </a:r>
+            <a:endParaRPr sz="2800" b="0" dirty="0">
+              <a:solidFill>
+                <a:schemeClr val="tx2"/>
+              </a:solidFill>
+              <a:latin typeface="+mn-lt"/>
+              <a:ea typeface="微软雅黑" panose="020B0503020204020204" pitchFamily="34" charset="-122"/>
+              <a:cs typeface="+mn-cs"/>
+            </a:endParaRPr>
+          </a:p>
+          <a:p>
+            <a:pPr defTabSz="685800" fontAlgn="auto">
+              <a:lnSpc>
+                <a:spcPct val="200000"/>
+              </a:lnSpc>
+              <a:tabLst>
+                <a:tab pos="6446520" algn="l"/>
+              </a:tabLst>
+            </a:pPr>
+            <a:r>
+              <a:rPr sz="2800" b="0" dirty="0">
+                <a:solidFill>
+                  <a:schemeClr val="tx2"/>
+                </a:solidFill>
+                <a:latin typeface="+mn-lt"/>
+                <a:ea typeface="微软雅黑" panose="020B0503020204020204" pitchFamily="34" charset="-122"/>
+                <a:cs typeface="+mn-cs"/>
+              </a:rPr>
+              <a:t>            &lt;</a:t>
+            </a:r>
+            <a:r>
+              <a:rPr sz="2800" b="0" dirty="0">
+                <a:solidFill>
+                  <a:schemeClr val="tx1"/>
+                </a:solidFill>
+                <a:latin typeface="+mn-lt"/>
+                <a:ea typeface="微软雅黑" panose="020B0503020204020204" pitchFamily="34" charset="-122"/>
+                <a:cs typeface="+mn-cs"/>
+              </a:rPr>
+              <a:t>checkbox</a:t>
+            </a:r>
+            <a:r>
+              <a:rPr sz="2800" b="0" dirty="0">
+                <a:solidFill>
+                  <a:schemeClr val="tx2"/>
+                </a:solidFill>
+                <a:latin typeface="+mn-lt"/>
+                <a:ea typeface="微软雅黑" panose="020B0503020204020204" pitchFamily="34" charset="-122"/>
+                <a:cs typeface="+mn-cs"/>
+              </a:rPr>
+              <a:t> value="" checked=""/&gt;</a:t>
+            </a:r>
+            <a:r>
+              <a:rPr lang="zh-CN" sz="2800" b="0" dirty="0">
+                <a:solidFill>
+                  <a:schemeClr val="tx2"/>
+                </a:solidFill>
+                <a:latin typeface="+mn-lt"/>
+                <a:ea typeface="微软雅黑" panose="020B0503020204020204" pitchFamily="34" charset="-122"/>
+                <a:cs typeface="+mn-cs"/>
+              </a:rPr>
+              <a:t>点击我</a:t>
+            </a:r>
+            <a:r>
+              <a:rPr sz="2800" b="0" dirty="0">
+                <a:solidFill>
+                  <a:schemeClr val="tx2"/>
+                </a:solidFill>
+                <a:latin typeface="+mn-lt"/>
+                <a:ea typeface="微软雅黑" panose="020B0503020204020204" pitchFamily="34" charset="-122"/>
+                <a:cs typeface="+mn-cs"/>
+              </a:rPr>
+              <a:t>  </a:t>
+            </a:r>
+            <a:endParaRPr sz="2800" b="0" dirty="0">
+              <a:solidFill>
+                <a:schemeClr val="tx2"/>
+              </a:solidFill>
+              <a:latin typeface="+mn-lt"/>
+              <a:ea typeface="微软雅黑" panose="020B0503020204020204" pitchFamily="34" charset="-122"/>
+              <a:cs typeface="+mn-cs"/>
+            </a:endParaRPr>
+          </a:p>
+          <a:p>
+            <a:pPr defTabSz="685800" fontAlgn="auto">
+              <a:lnSpc>
+                <a:spcPct val="200000"/>
+              </a:lnSpc>
+              <a:tabLst>
+                <a:tab pos="6446520" algn="l"/>
+              </a:tabLst>
+            </a:pPr>
+            <a:r>
+              <a:rPr sz="2800" b="0" dirty="0">
+                <a:solidFill>
+                  <a:schemeClr val="tx2"/>
+                </a:solidFill>
+                <a:latin typeface="+mn-lt"/>
+                <a:ea typeface="微软雅黑" panose="020B0503020204020204" pitchFamily="34" charset="-122"/>
+                <a:cs typeface="+mn-cs"/>
+              </a:rPr>
+              <a:t>            &lt;/</a:t>
+            </a:r>
+            <a:r>
+              <a:rPr sz="2800" b="0" dirty="0">
+                <a:solidFill>
+                  <a:srgbClr val="C00000"/>
+                </a:solidFill>
+                <a:latin typeface="+mn-lt"/>
+                <a:ea typeface="微软雅黑" panose="020B0503020204020204" pitchFamily="34" charset="-122"/>
+                <a:cs typeface="+mn-cs"/>
+              </a:rPr>
+              <a:t>label</a:t>
+            </a:r>
+            <a:r>
+              <a:rPr sz="2800" b="0" dirty="0">
+                <a:solidFill>
+                  <a:schemeClr val="tx2"/>
+                </a:solidFill>
+                <a:latin typeface="+mn-lt"/>
+                <a:ea typeface="微软雅黑" panose="020B0503020204020204" pitchFamily="34" charset="-122"/>
+                <a:cs typeface="+mn-cs"/>
+              </a:rPr>
+              <a:t>&gt;</a:t>
+            </a:r>
+            <a:endParaRPr sz="2800" b="0" dirty="0">
+              <a:solidFill>
+                <a:schemeClr val="tx2"/>
+              </a:solidFill>
+              <a:latin typeface="+mn-lt"/>
+              <a:ea typeface="微软雅黑" panose="020B0503020204020204" pitchFamily="34" charset="-122"/>
+              <a:cs typeface="+mn-cs"/>
+            </a:endParaRPr>
+          </a:p>
+          <a:p>
+            <a:pPr defTabSz="685800" fontAlgn="auto">
+              <a:lnSpc>
+                <a:spcPct val="200000"/>
+              </a:lnSpc>
+              <a:tabLst>
+                <a:tab pos="6446520" algn="l"/>
+              </a:tabLst>
+            </a:pPr>
+            <a:r>
+              <a:rPr sz="2800" b="0" dirty="0">
+                <a:solidFill>
+                  <a:schemeClr val="tx2"/>
+                </a:solidFill>
+                <a:latin typeface="+mn-lt"/>
+                <a:ea typeface="微软雅黑" panose="020B0503020204020204" pitchFamily="34" charset="-122"/>
+                <a:cs typeface="+mn-cs"/>
+              </a:rPr>
+              <a:t>            </a:t>
+            </a:r>
+            <a:endParaRPr sz="2800" b="0" dirty="0">
+              <a:solidFill>
+                <a:schemeClr val="tx2"/>
+              </a:solidFill>
+              <a:latin typeface="+mn-lt"/>
+              <a:ea typeface="微软雅黑" panose="020B0503020204020204" pitchFamily="34" charset="-122"/>
+              <a:cs typeface="+mn-cs"/>
+            </a:endParaRPr>
+          </a:p>
+        </p:txBody>
+      </p:sp>
+      <p:sp>
+        <p:nvSpPr>
+          <p:cNvPr id="20" name="文本框 19"/>
+          <p:cNvSpPr txBox="1"/>
+          <p:nvPr>
+            <p:custDataLst>
+              <p:tags r:id="rId2"/>
+            </p:custDataLst>
+          </p:nvPr>
+        </p:nvSpPr>
+        <p:spPr>
+          <a:xfrm>
+            <a:off x="680085" y="279400"/>
+            <a:ext cx="8265795" cy="1171575"/>
+          </a:xfrm>
+          <a:prstGeom prst="rect">
+            <a:avLst/>
+          </a:prstGeom>
+        </p:spPr>
+        <p:txBody>
+          <a:bodyPr vert="horz" lIns="91440" tIns="45720" rIns="91440" bIns="45720" rtlCol="0" anchor="b">
+            <a:normAutofit/>
+          </a:bodyPr>
+          <a:lstStyle>
+            <a:lvl1pPr defTabSz="685800" eaLnBrk="1" latinLnBrk="0" hangingPunct="1">
+              <a:lnSpc>
+                <a:spcPct val="90000"/>
+              </a:lnSpc>
+              <a:buNone/>
+              <a:defRPr sz="3200" b="1" i="0" baseline="0">
+                <a:solidFill>
+                  <a:schemeClr val="accent1">
+                    <a:lumMod val="75000"/>
+                  </a:schemeClr>
+                </a:solidFill>
+                <a:latin typeface="Arial" panose="020B0604020202020204" pitchFamily="34" charset="0"/>
+                <a:ea typeface="黑体" panose="02010609060101010101" pitchFamily="49" charset="-122"/>
+                <a:cs typeface="+mj-cs"/>
+              </a:defRPr>
+            </a:lvl1pPr>
+          </a:lstStyle>
+          <a:p>
+            <a:r>
+              <a:rPr lang="zh-CN" altLang="en-US" dirty="0">
+                <a:latin typeface="微软雅黑" panose="020B0503020204020204" pitchFamily="34" charset="-122"/>
+                <a:ea typeface="微软雅黑" panose="020B0503020204020204" pitchFamily="34" charset="-122"/>
+              </a:rPr>
+              <a:t>表单组件</a:t>
+            </a:r>
+            <a:endParaRPr lang="zh-CN" altLang="en-US" dirty="0">
+              <a:latin typeface="微软雅黑" panose="020B0503020204020204" pitchFamily="34" charset="-122"/>
+              <a:ea typeface="微软雅黑" panose="020B0503020204020204" pitchFamily="34" charset="-122"/>
+            </a:endParaRPr>
+          </a:p>
+          <a:p>
+            <a:pPr defTabSz="685800">
+              <a:tabLst>
+                <a:tab pos="7073265" algn="l"/>
+              </a:tabLst>
+            </a:pPr>
+            <a:r>
+              <a:rPr lang="en-US" altLang="zh-CN" dirty="0">
+                <a:latin typeface="微软雅黑" panose="020B0503020204020204" pitchFamily="34" charset="-122"/>
+                <a:ea typeface="微软雅黑" panose="020B0503020204020204" pitchFamily="34" charset="-122"/>
+              </a:rPr>
+              <a:t>          ——</a:t>
+            </a:r>
+            <a:r>
+              <a:rPr lang="en-US" altLang="zh-CN" dirty="0">
+                <a:latin typeface="+mn-lt"/>
+                <a:ea typeface="微软雅黑" panose="020B0503020204020204" pitchFamily="34" charset="-122"/>
+              </a:rPr>
+              <a:t>label</a:t>
+            </a:r>
+            <a:endParaRPr lang="zh-CN" altLang="en-US" dirty="0">
+              <a:latin typeface="+mn-lt"/>
+              <a:ea typeface="微软雅黑" panose="020B0503020204020204" pitchFamily="34" charset="-122"/>
+            </a:endParaRPr>
+          </a:p>
+        </p:txBody>
+      </p:sp>
+      <p:sp>
+        <p:nvSpPr>
+          <p:cNvPr id="4" name="矩形 3"/>
+          <p:cNvSpPr/>
+          <p:nvPr/>
+        </p:nvSpPr>
+        <p:spPr>
+          <a:xfrm>
+            <a:off x="680085" y="3869055"/>
+            <a:ext cx="10850880" cy="1905000"/>
+          </a:xfrm>
+          <a:prstGeom prst="rect">
+            <a:avLst/>
+          </a:prstGeom>
+          <a:solidFill>
+            <a:schemeClr val="accent1">
+              <a:alpha val="0"/>
+            </a:schemeClr>
+          </a:solidFill>
+          <a:ln>
+            <a:noFill/>
+          </a:ln>
+        </p:spPr>
+        <p:style>
+          <a:lnRef idx="2">
+            <a:schemeClr val="accent1">
+              <a:shade val="50000"/>
+            </a:schemeClr>
+          </a:lnRef>
+          <a:fillRef idx="1">
+            <a:schemeClr val="accent1"/>
+          </a:fillRef>
+          <a:effectRef idx="0">
+            <a:schemeClr val="accent1"/>
+          </a:effectRef>
+          <a:fontRef idx="minor">
+            <a:schemeClr val="lt1"/>
+          </a:fontRef>
+        </p:style>
+        <p:txBody>
+          <a:bodyPr rtlCol="0" anchor="ctr"/>
+          <a:p>
+            <a:pPr algn="l" fontAlgn="auto">
+              <a:lnSpc>
+                <a:spcPct val="200000"/>
+              </a:lnSpc>
+            </a:pPr>
+            <a:r>
+              <a:rPr lang="zh-CN" altLang="en-US" sz="2800">
+                <a:solidFill>
+                  <a:schemeClr val="tx1"/>
+                </a:solidFill>
+                <a:latin typeface="微软雅黑" panose="020B0503020204020204" pitchFamily="34" charset="-122"/>
+                <a:ea typeface="微软雅黑" panose="020B0503020204020204" pitchFamily="34" charset="-122"/>
+              </a:rPr>
+              <a:t>注意事项：内部有多个控件的时候默认触发第一个控件</a:t>
+            </a:r>
+            <a:endParaRPr lang="zh-CN" altLang="en-US" sz="2800">
+              <a:solidFill>
+                <a:schemeClr val="tx1"/>
+              </a:solidFill>
+              <a:latin typeface="微软雅黑" panose="020B0503020204020204" pitchFamily="34" charset="-122"/>
+              <a:ea typeface="微软雅黑" panose="020B0503020204020204" pitchFamily="34" charset="-122"/>
+            </a:endParaRPr>
+          </a:p>
+          <a:p>
+            <a:pPr algn="l" fontAlgn="auto">
+              <a:lnSpc>
+                <a:spcPct val="200000"/>
+              </a:lnSpc>
+            </a:pPr>
+            <a:r>
+              <a:rPr lang="zh-CN" altLang="en-US" sz="2800">
+                <a:solidFill>
+                  <a:schemeClr val="tx1"/>
+                </a:solidFill>
+                <a:latin typeface="微软雅黑" panose="020B0503020204020204" pitchFamily="34" charset="-122"/>
+                <a:ea typeface="微软雅黑" panose="020B0503020204020204" pitchFamily="34" charset="-122"/>
+              </a:rPr>
+              <a:t>                </a:t>
+            </a:r>
+            <a:r>
+              <a:rPr lang="zh-CN" altLang="en-US" sz="2800">
+                <a:solidFill>
+                  <a:schemeClr val="tx1"/>
+                </a:solidFill>
+                <a:ea typeface="微软雅黑" panose="020B0503020204020204" pitchFamily="34" charset="-122"/>
+              </a:rPr>
+              <a:t> &lt;checkbox/&gt;, &lt;radio/&gt;, &lt;switch/&gt;</a:t>
+            </a:r>
+            <a:endParaRPr lang="zh-CN" altLang="en-US" sz="2800">
+              <a:solidFill>
+                <a:schemeClr val="tx1"/>
+              </a:solidFill>
+              <a:ea typeface="微软雅黑" panose="020B0503020204020204" pitchFamily="34" charset="-122"/>
+            </a:endParaRPr>
+          </a:p>
+        </p:txBody>
+      </p:sp>
     </p:spTree>
     <p:custDataLst>
       <p:tags r:id="rId3"/>
@@ -9973,7 +10009,7 @@
                 <a:ea typeface="微软雅黑" panose="020B0503020204020204" pitchFamily="34" charset="-122"/>
                 <a:cs typeface="+mn-cs"/>
               </a:rPr>
-              <a:t>radio-group</a:t>
+              <a:t>checkbox-group</a:t>
             </a:r>
             <a:r>
               <a:rPr sz="2800" b="0" dirty="0">
@@ -10097,7 +10133,7 @@
                 <a:ea typeface="微软雅黑" panose="020B0503020204020204" pitchFamily="34" charset="-122"/>
                 <a:cs typeface="+mn-cs"/>
               </a:rPr>
-              <a:t>radio</a:t>
+              <a:t>checkbox</a:t>
             </a:r>
             <a:r>
               <a:rPr sz="2800" b="0" dirty="0">
@@ -10147,70 +10183,68 @@
               <a:rPr sz="2800" b="0" dirty="0">
                 <a:solidFill>
                   <a:schemeClr val="accent1"/>
+                </a:solidFill>
+                <a:latin typeface="+mn-lt"/>
+                <a:ea typeface="微软雅黑" panose="020B0503020204020204" pitchFamily="34" charset="-122"/>
+                <a:cs typeface="+mn-cs"/>
+              </a:rPr>
+              <a:t>color</a:t>
+            </a:r>
+            <a:r>
+              <a:rPr lang="en-US" sz="2800" b="0" dirty="0">
+                <a:solidFill>
+                  <a:schemeClr val="tx1"/>
+                </a:solidFill>
+                <a:latin typeface="+mn-lt"/>
+                <a:ea typeface="微软雅黑" panose="020B0503020204020204" pitchFamily="34" charset="-122"/>
+                <a:cs typeface="+mn-cs"/>
+              </a:rPr>
+              <a:t>=</a:t>
+            </a:r>
+            <a:r>
+              <a:rPr sz="2800" b="0" dirty="0">
+                <a:solidFill>
+                  <a:schemeClr val="tx1"/>
                 </a:solidFill>
                 <a:latin typeface="+mn-lt"/>
                 <a:ea typeface="微软雅黑" panose="020B0503020204020204" pitchFamily="34" charset="-122"/>
                 <a:cs typeface="+mn-cs"/>
                 <a:sym typeface="+mn-ea"/>
               </a:rPr>
-              <a:t>color</a:t>
-            </a:r>
-            <a:r>
-              <a:rPr lang="en-US" sz="2800" b="0" dirty="0">
-                <a:solidFill>
-                  <a:schemeClr val="tx1"/>
+              <a:t>"" </a:t>
+            </a:r>
+            <a:r>
+              <a:rPr sz="2800" b="0" dirty="0">
+                <a:solidFill>
+                  <a:schemeClr val="accent1"/>
                 </a:solidFill>
                 <a:latin typeface="+mn-lt"/>
                 <a:ea typeface="微软雅黑" panose="020B0503020204020204" pitchFamily="34" charset="-122"/>
                 <a:cs typeface="+mn-cs"/>
-                <a:sym typeface="+mn-ea"/>
-              </a:rPr>
-              <a:t>=</a:t>
+              </a:rPr>
+              <a:t>disabled</a:t>
             </a:r>
             <a:r>
               <a:rPr sz="2800" b="0" dirty="0">
                 <a:solidFill>
-                  <a:schemeClr val="tx1"/>
+                  <a:schemeClr val="tx2"/>
                 </a:solidFill>
                 <a:latin typeface="+mn-lt"/>
                 <a:ea typeface="微软雅黑" panose="020B0503020204020204" pitchFamily="34" charset="-122"/>
                 <a:cs typeface="+mn-cs"/>
-                <a:sym typeface="+mn-ea"/>
-              </a:rPr>
-              <a:t>"" </a:t>
-            </a:r>
-            <a:r>
-              <a:rPr sz="2800" b="0" dirty="0">
-                <a:solidFill>
-                  <a:schemeClr val="accent1"/>
+              </a:rPr>
+              <a:t>/&gt; </a:t>
+            </a:r>
+            <a:r>
+              <a:rPr lang="zh-CN" sz="2800" b="0" dirty="0">
+                <a:solidFill>
+                  <a:schemeClr val="tx2"/>
                 </a:solidFill>
                 <a:latin typeface="+mn-lt"/>
                 <a:ea typeface="微软雅黑" panose="020B0503020204020204" pitchFamily="34" charset="-122"/>
                 <a:cs typeface="+mn-cs"/>
               </a:rPr>
-              <a:t>disabled</a:t>
-            </a:r>
-            <a:r>
-              <a:rPr sz="2800" b="0" dirty="0">
-                <a:solidFill>
-                  <a:schemeClr val="tx2"/>
-                </a:solidFill>
-                <a:latin typeface="+mn-lt"/>
-                <a:ea typeface="微软雅黑" panose="020B0503020204020204" pitchFamily="34" charset="-122"/>
-                <a:cs typeface="+mn-cs"/>
-              </a:rPr>
-              <a:t>/&gt; </a:t>
-            </a:r>
-            <a:r>
-              <a:rPr lang="zh-CN" sz="2800" b="0" dirty="0">
-                <a:solidFill>
-                  <a:schemeClr val="tx2"/>
-                </a:solidFill>
-                <a:latin typeface="+mn-lt"/>
-                <a:ea typeface="微软雅黑" panose="020B0503020204020204" pitchFamily="34" charset="-122"/>
-                <a:cs typeface="+mn-cs"/>
-              </a:rPr>
-              <a:t>男</a:t>
+              <a:t>点击我</a:t>
             </a:r>
             <a:r>
               <a:rPr sz="2800" b="0" dirty="0">
@@ -10279,7 +10313,7 @@
                 <a:ea typeface="微软雅黑" panose="020B0503020204020204" pitchFamily="34" charset="-122"/>
                 <a:cs typeface="+mn-cs"/>
               </a:rPr>
-              <a:t>            &lt;/radio-group&gt;</a:t>
+              <a:t>            &lt;/checkbox-group&gt;</a:t>
             </a:r>
             <a:endParaRPr sz="2800" b="0" dirty="0">
               <a:solidFill>
@@ -10364,7 +10398,7 @@
                 <a:latin typeface="+mn-lt"/>
                 <a:ea typeface="微软雅黑" panose="020B0503020204020204" pitchFamily="34" charset="-122"/>
               </a:rPr>
-              <a:t>radio </a:t>
+              <a:t>checkbox </a:t>
             </a:r>
             <a:endParaRPr lang="zh-CN" altLang="en-US" dirty="0">
               <a:latin typeface="+mn-lt"/>
@@ -10381,7 +10415,7 @@
         </p:nvSpPr>
         <p:spPr>
           <a:xfrm>
-            <a:off x="7399020" y="1635760"/>
+            <a:off x="8069580" y="1559560"/>
             <a:ext cx="3581400" cy="1066800"/>
           </a:xfrm>
           <a:prstGeom prst="rect">
@@ -10424,13 +10458,90 @@
                 <a:latin typeface="微软雅黑" panose="020B0503020204020204" pitchFamily="34" charset="-122"/>
                 <a:ea typeface="微软雅黑" panose="020B0503020204020204" pitchFamily="34" charset="-122"/>
               </a:rPr>
-              <a:t>单项选择器</a:t>
+              <a:t>多项选择器</a:t>
             </a:r>
             <a:r>
               <a:rPr lang="zh-CN" altLang="en-US"/>
               <a:t>器</a:t>
             </a:r>
             <a:endParaRPr lang="zh-CN" altLang="en-US"/>
+          </a:p>
+        </p:txBody>
+      </p:sp>
+      <p:sp>
+        <p:nvSpPr>
+          <p:cNvPr id="4" name="文本框 3"/>
+          <p:cNvSpPr txBox="1"/>
+          <p:nvPr/>
+        </p:nvSpPr>
+        <p:spPr>
+          <a:xfrm>
+            <a:off x="913130" y="6053455"/>
+            <a:ext cx="6698615" cy="645795"/>
+          </a:xfrm>
+          <a:prstGeom prst="rect">
+            <a:avLst/>
+          </a:prstGeom>
+          <a:noFill/>
+        </p:spPr>
+        <p:txBody>
+          <a:bodyPr wrap="square" rtlCol="0" anchor="t">
+            <a:spAutoFit/>
+          </a:bodyPr>
+          <a:p>
+            <a:pPr>
+              <a:lnSpc>
+                <a:spcPct val="130000"/>
+              </a:lnSpc>
+            </a:pPr>
+            <a:r>
+              <a:rPr lang="zh-CN" sz="2800" dirty="0">
+                <a:solidFill>
+                  <a:schemeClr val="tx2"/>
+                </a:solidFill>
+                <a:ea typeface="微软雅黑" panose="020B0503020204020204" pitchFamily="34" charset="-122"/>
+                <a:sym typeface="+mn-ea"/>
+              </a:rPr>
+              <a:t>双标签写法：</a:t>
+            </a:r>
+            <a:r>
+              <a:rPr sz="2800" dirty="0">
+                <a:solidFill>
+                  <a:schemeClr val="tx2"/>
+                </a:solidFill>
+                <a:ea typeface="微软雅黑" panose="020B0503020204020204" pitchFamily="34" charset="-122"/>
+                <a:sym typeface="+mn-ea"/>
+              </a:rPr>
+              <a:t>&lt;</a:t>
+            </a:r>
+            <a:r>
+              <a:rPr sz="2800" dirty="0">
+                <a:solidFill>
+                  <a:srgbClr val="C00000"/>
+                </a:solidFill>
+                <a:ea typeface="微软雅黑" panose="020B0503020204020204" pitchFamily="34" charset="-122"/>
+                <a:sym typeface="+mn-ea"/>
+              </a:rPr>
+              <a:t>checkbox</a:t>
+            </a:r>
+            <a:r>
+              <a:rPr lang="en-US" sz="2800" dirty="0">
+                <a:solidFill>
+                  <a:srgbClr val="C00000"/>
+                </a:solidFill>
+                <a:ea typeface="微软雅黑" panose="020B0503020204020204" pitchFamily="34" charset="-122"/>
+                <a:sym typeface="+mn-ea"/>
+              </a:rPr>
+              <a:t>&gt;&lt;/checkbox&gt;</a:t>
+            </a:r>
+            <a:endParaRPr lang="en-US" sz="2800" dirty="0" smtClean="0">
+              <a:solidFill>
+                <a:srgbClr val="C00000"/>
+              </a:solidFill>
+              <a:latin typeface="Arial" panose="020B0604020202020204" pitchFamily="34" charset="0"/>
+              <a:ea typeface="微软雅黑" panose="020B0503020204020204" pitchFamily="34" charset="-122"/>
+              <a:sym typeface="+mn-ea"/>
+            </a:endParaRPr>
           </a:p>
         </p:txBody>
       </p:sp>
@@ -10442,7 +10553,7 @@
         </p:nvSpPr>
         <p:spPr bwMode="auto">
           <a:xfrm flipH="1">
-            <a:off x="1673860" y="2084070"/>
+            <a:off x="1643380" y="2099310"/>
             <a:ext cx="199390" cy="3550920"/>
           </a:xfrm>
           <a:custGeom>
@@ -10846,103 +10957,6 @@
           </a:p>
         </p:txBody>
       </p:sp>
-      <p:sp>
-        <p:nvSpPr>
-          <p:cNvPr id="4" name="文本框 3"/>
-          <p:cNvSpPr txBox="1"/>
-          <p:nvPr/>
-        </p:nvSpPr>
-        <p:spPr>
-          <a:xfrm>
-            <a:off x="882650" y="6053455"/>
-            <a:ext cx="6698615" cy="645795"/>
-          </a:xfrm>
-          <a:prstGeom prst="rect">
-            <a:avLst/>
-          </a:prstGeom>
-          <a:noFill/>
-        </p:spPr>
-        <p:txBody>
-          <a:bodyPr wrap="square" rtlCol="0" anchor="t">
-            <a:spAutoFit/>
-          </a:bodyPr>
-          <a:p>
-            <a:pPr>
-              <a:lnSpc>
-                <a:spcPct val="130000"/>
-              </a:lnSpc>
-            </a:pPr>
-            <a:r>
-              <a:rPr lang="zh-CN" sz="2800" dirty="0">
-                <a:solidFill>
-                  <a:schemeClr val="tx2"/>
-                </a:solidFill>
-                <a:ea typeface="微软雅黑" panose="020B0503020204020204" pitchFamily="34" charset="-122"/>
-                <a:sym typeface="+mn-ea"/>
-              </a:rPr>
-              <a:t>双标签写法：</a:t>
-            </a:r>
-            <a:r>
-              <a:rPr sz="2800" dirty="0">
-                <a:solidFill>
-                  <a:schemeClr val="tx2"/>
-                </a:solidFill>
-                <a:ea typeface="微软雅黑" panose="020B0503020204020204" pitchFamily="34" charset="-122"/>
-                <a:sym typeface="+mn-ea"/>
-              </a:rPr>
-              <a:t>&lt;</a:t>
-            </a:r>
-            <a:r>
-              <a:rPr sz="2800" dirty="0">
-                <a:solidFill>
-                  <a:srgbClr val="C00000"/>
-                </a:solidFill>
-                <a:ea typeface="微软雅黑" panose="020B0503020204020204" pitchFamily="34" charset="-122"/>
-                <a:sym typeface="+mn-ea"/>
-              </a:rPr>
-              <a:t>radio</a:t>
-            </a:r>
-            <a:r>
-              <a:rPr lang="en-US" sz="2800" dirty="0">
-                <a:solidFill>
-                  <a:srgbClr val="C00000"/>
-                </a:solidFill>
-                <a:ea typeface="微软雅黑" panose="020B0503020204020204" pitchFamily="34" charset="-122"/>
-                <a:sym typeface="+mn-ea"/>
-              </a:rPr>
-              <a:t>&gt;&lt;/</a:t>
-            </a:r>
-            <a:r>
-              <a:rPr sz="2800" dirty="0">
-                <a:solidFill>
-                  <a:srgbClr val="C00000"/>
-                </a:solidFill>
-                <a:ea typeface="微软雅黑" panose="020B0503020204020204" pitchFamily="34" charset="-122"/>
-                <a:sym typeface="+mn-ea"/>
-              </a:rPr>
-              <a:t>radio</a:t>
-            </a:r>
-            <a:r>
-              <a:rPr lang="en-US" sz="2800" dirty="0">
-                <a:solidFill>
-                  <a:srgbClr val="C00000"/>
-                </a:solidFill>
-                <a:ea typeface="微软雅黑" panose="020B0503020204020204" pitchFamily="34" charset="-122"/>
-                <a:sym typeface="+mn-ea"/>
-              </a:rPr>
-              <a:t>&gt;</a:t>
-            </a:r>
-            <a:endParaRPr lang="en-US" sz="2800" dirty="0" smtClean="0">
-              <a:solidFill>
-                <a:srgbClr val="C00000"/>
-              </a:solidFill>
-              <a:latin typeface="Arial" panose="020B0604020202020204" pitchFamily="34" charset="0"/>
-              <a:ea typeface="微软雅黑" panose="020B0503020204020204" pitchFamily="34" charset="-122"/>
-              <a:sym typeface="+mn-ea"/>
-            </a:endParaRPr>
-          </a:p>
-        </p:txBody>
-      </p:sp>
     </p:spTree>
     <p:custDataLst>
       <p:tags r:id="rId3"/>
@@ -10991,7 +11005,7 @@
         <p:spPr>
           <a:xfrm>
             <a:off x="680085" y="279400"/>
-            <a:ext cx="11184255" cy="2265680"/>
+            <a:ext cx="11184255" cy="5572125"/>
           </a:xfrm>
           <a:prstGeom prst="rect">
             <a:avLst/>
@@ -11049,6 +11063,9 @@
             </a:r>
             <a:r>
               <a:rPr sz="2800" b="0" dirty="0">
+                <a:solidFill>
+                  <a:schemeClr val="tx2"/>
+                </a:solidFill>
                 <a:latin typeface="+mn-lt"/>
                 <a:ea typeface="微软雅黑" panose="020B0503020204020204" pitchFamily="34" charset="-122"/>
                 <a:cs typeface="+mn-cs"/>
@@ -11064,114 +11081,303 @@
                 <a:ea typeface="微软雅黑" panose="020B0503020204020204" pitchFamily="34" charset="-122"/>
                 <a:cs typeface="+mn-cs"/>
               </a:rPr>
-              <a:t>switch</a:t>
+              <a:t>radio-group</a:t>
             </a:r>
             <a:r>
               <a:rPr sz="2800" b="0" dirty="0">
+                <a:solidFill>
+                  <a:schemeClr val="tx2"/>
+                </a:solidFill>
                 <a:latin typeface="+mn-lt"/>
                 <a:ea typeface="微软雅黑" panose="020B0503020204020204" pitchFamily="34" charset="-122"/>
                 <a:cs typeface="+mn-cs"/>
               </a:rPr>
-              <a:t> checked bindchange</a:t>
+              <a:t>  </a:t>
             </a:r>
             <a:r>
               <a:rPr sz="2800" b="0" dirty="0">
                 <a:solidFill>
-                  <a:schemeClr val="tx1"/>
+                  <a:schemeClr val="accent1"/>
                 </a:solidFill>
                 <a:latin typeface="+mn-lt"/>
                 <a:ea typeface="微软雅黑" panose="020B0503020204020204" pitchFamily="34" charset="-122"/>
                 <a:cs typeface="+mn-cs"/>
               </a:rPr>
+              <a:t>bindchange</a:t>
+            </a:r>
+            <a:r>
+              <a:rPr sz="2800" b="0" dirty="0">
+                <a:solidFill>
+                  <a:schemeClr val="tx2"/>
+                </a:solidFill>
+                <a:latin typeface="+mn-lt"/>
+                <a:ea typeface="微软雅黑" panose="020B0503020204020204" pitchFamily="34" charset="-122"/>
+                <a:cs typeface="+mn-cs"/>
+              </a:rPr>
+              <a:t>=""&gt;</a:t>
+            </a:r>
+            <a:endParaRPr sz="2800" b="0" dirty="0">
+              <a:solidFill>
+                <a:schemeClr val="tx2"/>
+              </a:solidFill>
+              <a:latin typeface="+mn-lt"/>
+              <a:ea typeface="微软雅黑" panose="020B0503020204020204" pitchFamily="34" charset="-122"/>
+              <a:cs typeface="+mn-cs"/>
+            </a:endParaRPr>
+          </a:p>
+          <a:p>
+            <a:pPr defTabSz="685800" fontAlgn="auto">
+              <a:lnSpc>
+                <a:spcPct val="200000"/>
+              </a:lnSpc>
+              <a:tabLst>
+                <a:tab pos="6446520" algn="l"/>
+              </a:tabLst>
+            </a:pPr>
+            <a:r>
+              <a:rPr sz="2800" b="0" dirty="0">
+                <a:solidFill>
+                  <a:schemeClr val="tx2"/>
+                </a:solidFill>
+                <a:latin typeface="+mn-lt"/>
+                <a:ea typeface="微软雅黑" panose="020B0503020204020204" pitchFamily="34" charset="-122"/>
+                <a:cs typeface="+mn-cs"/>
+              </a:rPr>
+              <a:t>            &lt;</a:t>
+            </a:r>
+            <a:r>
+              <a:rPr sz="2800" b="0" dirty="0">
+                <a:solidFill>
+                  <a:schemeClr val="tx1"/>
+                </a:solidFill>
+                <a:latin typeface="+mn-lt"/>
+                <a:ea typeface="微软雅黑" panose="020B0503020204020204" pitchFamily="34" charset="-122"/>
+                <a:cs typeface="+mn-cs"/>
+              </a:rPr>
+              <a:t>label </a:t>
+            </a:r>
+            <a:r>
+              <a:rPr sz="2800" b="0" dirty="0">
+                <a:solidFill>
+                  <a:schemeClr val="tx2"/>
+                </a:solidFill>
+                <a:latin typeface="+mn-lt"/>
+                <a:ea typeface="微软雅黑" panose="020B0503020204020204" pitchFamily="34" charset="-122"/>
+                <a:cs typeface="+mn-cs"/>
+              </a:rPr>
+              <a:t>&gt;</a:t>
+            </a:r>
+            <a:endParaRPr sz="2800" b="0" dirty="0">
+              <a:solidFill>
+                <a:schemeClr val="tx2"/>
+              </a:solidFill>
+              <a:latin typeface="+mn-lt"/>
+              <a:ea typeface="微软雅黑" panose="020B0503020204020204" pitchFamily="34" charset="-122"/>
+              <a:cs typeface="+mn-cs"/>
+            </a:endParaRPr>
+          </a:p>
+          <a:p>
+            <a:pPr defTabSz="685800" fontAlgn="auto">
+              <a:lnSpc>
+                <a:spcPct val="200000"/>
+              </a:lnSpc>
+              <a:tabLst>
+                <a:tab pos="6446520" algn="l"/>
+              </a:tabLst>
+            </a:pPr>
+            <a:r>
+              <a:rPr sz="2800" b="0" dirty="0">
+                <a:solidFill>
+                  <a:schemeClr val="tx2"/>
+                </a:solidFill>
+                <a:latin typeface="+mn-lt"/>
+                <a:ea typeface="微软雅黑" panose="020B0503020204020204" pitchFamily="34" charset="-122"/>
+                <a:cs typeface="+mn-cs"/>
+              </a:rPr>
+              <a:t>            &lt;</a:t>
+            </a:r>
+            <a:r>
+              <a:rPr sz="2800" b="0" dirty="0">
+                <a:solidFill>
+                  <a:srgbClr val="C00000"/>
+                </a:solidFill>
+                <a:latin typeface="+mn-lt"/>
+                <a:ea typeface="微软雅黑" panose="020B0503020204020204" pitchFamily="34" charset="-122"/>
+                <a:cs typeface="+mn-cs"/>
+              </a:rPr>
+              <a:t>radio</a:t>
+            </a:r>
+            <a:r>
+              <a:rPr sz="2800" b="0" dirty="0">
+                <a:solidFill>
+                  <a:schemeClr val="accent1"/>
+                </a:solidFill>
+                <a:latin typeface="+mn-lt"/>
+                <a:ea typeface="微软雅黑" panose="020B0503020204020204" pitchFamily="34" charset="-122"/>
+                <a:cs typeface="+mn-cs"/>
+              </a:rPr>
+              <a:t> value</a:t>
+            </a:r>
+            <a:r>
+              <a:rPr sz="2800" b="0" dirty="0">
+                <a:solidFill>
+                  <a:schemeClr val="tx1"/>
+                </a:solidFill>
+                <a:latin typeface="+mn-lt"/>
+                <a:ea typeface="微软雅黑" panose="020B0503020204020204" pitchFamily="34" charset="-122"/>
+                <a:cs typeface="+mn-cs"/>
+              </a:rPr>
               <a:t>=""</a:t>
             </a:r>
             <a:r>
               <a:rPr sz="2800" b="0" dirty="0">
+                <a:solidFill>
+                  <a:schemeClr val="accent1"/>
+                </a:solidFill>
                 <a:latin typeface="+mn-lt"/>
                 <a:ea typeface="微软雅黑" panose="020B0503020204020204" pitchFamily="34" charset="-122"/>
                 <a:cs typeface="+mn-cs"/>
               </a:rPr>
-              <a:t> </a:t>
-            </a:r>
-            <a:r>
-              <a:rPr lang="en-US" sz="2800" b="0" dirty="0">
+              <a:t> checked</a:t>
+            </a:r>
+            <a:r>
+              <a:rPr sz="2800" b="0" dirty="0">
+                <a:solidFill>
+                  <a:schemeClr val="tx1"/>
+                </a:solidFill>
                 <a:latin typeface="+mn-lt"/>
                 <a:ea typeface="微软雅黑" panose="020B0503020204020204" pitchFamily="34" charset="-122"/>
                 <a:cs typeface="+mn-cs"/>
               </a:rPr>
-              <a:t>type</a:t>
+              <a:t>="" </a:t>
             </a:r>
             <a:r>
               <a:rPr sz="2800" b="0" dirty="0">
                 <a:solidFill>
-                  <a:schemeClr val="tx1"/>
+                  <a:schemeClr val="accent1"/>
                 </a:solidFill>
                 <a:latin typeface="+mn-lt"/>
                 <a:ea typeface="微软雅黑" panose="020B0503020204020204" pitchFamily="34" charset="-122"/>
                 <a:cs typeface="+mn-cs"/>
                 <a:sym typeface="+mn-ea"/>
               </a:rPr>
-              <a:t>=""</a:t>
-            </a:r>
-            <a:r>
-              <a:rPr sz="2800" b="0" dirty="0">
+              <a:t>color</a:t>
+            </a:r>
+            <a:r>
+              <a:rPr lang="en-US" sz="2800" b="0" dirty="0">
+                <a:solidFill>
+                  <a:schemeClr val="tx1"/>
+                </a:solidFill>
                 <a:latin typeface="+mn-lt"/>
                 <a:ea typeface="微软雅黑" panose="020B0503020204020204" pitchFamily="34" charset="-122"/>
                 <a:cs typeface="+mn-cs"/>
                 <a:sym typeface="+mn-ea"/>
               </a:rPr>
-              <a:t> </a:t>
-            </a:r>
-            <a:r>
-              <a:rPr lang="en-US" sz="2800" b="0" dirty="0">
+              <a:t>=</a:t>
+            </a:r>
+            <a:r>
+              <a:rPr sz="2800" b="0" dirty="0">
+                <a:solidFill>
+                  <a:schemeClr val="tx1"/>
+                </a:solidFill>
                 <a:latin typeface="+mn-lt"/>
                 <a:ea typeface="微软雅黑" panose="020B0503020204020204" pitchFamily="34" charset="-122"/>
                 <a:cs typeface="+mn-cs"/>
                 <a:sym typeface="+mn-ea"/>
               </a:rPr>
-              <a:t>color</a:t>
-            </a:r>
-            <a:r>
-              <a:rPr lang="en-US" sz="2800" b="0" dirty="0">
-                <a:solidFill>
-                  <a:schemeClr val="tx1"/>
+              <a:t>"" </a:t>
+            </a:r>
+            <a:r>
+              <a:rPr sz="2800" b="0" dirty="0">
+                <a:solidFill>
+                  <a:schemeClr val="accent1"/>
                 </a:solidFill>
                 <a:latin typeface="+mn-lt"/>
                 <a:ea typeface="微软雅黑" panose="020B0503020204020204" pitchFamily="34" charset="-122"/>
                 <a:cs typeface="+mn-cs"/>
-                <a:sym typeface="+mn-ea"/>
-              </a:rPr>
-              <a:t>=</a:t>
+              </a:rPr>
+              <a:t>disabled</a:t>
             </a:r>
             <a:r>
               <a:rPr sz="2800" b="0" dirty="0">
                 <a:solidFill>
-                  <a:schemeClr val="tx1"/>
+                  <a:schemeClr val="tx2"/>
                 </a:solidFill>
                 <a:latin typeface="+mn-lt"/>
                 <a:ea typeface="微软雅黑" panose="020B0503020204020204" pitchFamily="34" charset="-122"/>
                 <a:cs typeface="+mn-cs"/>
-                <a:sym typeface="+mn-ea"/>
-              </a:rPr>
-              <a:t>""</a:t>
+              </a:rPr>
+              <a:t>/&gt; </a:t>
+            </a:r>
+            <a:r>
+              <a:rPr lang="zh-CN" sz="2800" b="0" dirty="0">
+                <a:solidFill>
+                  <a:schemeClr val="tx2"/>
+                </a:solidFill>
+                <a:latin typeface="+mn-lt"/>
+                <a:ea typeface="微软雅黑" panose="020B0503020204020204" pitchFamily="34" charset="-122"/>
+                <a:cs typeface="+mn-cs"/>
+              </a:rPr>
+              <a:t>男</a:t>
             </a:r>
             <a:r>
               <a:rPr sz="2800" b="0" dirty="0">
+                <a:solidFill>
+                  <a:schemeClr val="tx2"/>
+                </a:solidFill>
                 <a:latin typeface="+mn-lt"/>
                 <a:ea typeface="微软雅黑" panose="020B0503020204020204" pitchFamily="34" charset="-122"/>
                 <a:cs typeface="+mn-cs"/>
-                <a:sym typeface="+mn-ea"/>
               </a:rPr>
               <a:t> </a:t>
             </a:r>
+            <a:endParaRPr sz="2800" b="0" dirty="0">
+              <a:solidFill>
+                <a:schemeClr val="tx2"/>
+              </a:solidFill>
+              <a:latin typeface="+mn-lt"/>
+              <a:ea typeface="微软雅黑" panose="020B0503020204020204" pitchFamily="34" charset="-122"/>
+              <a:cs typeface="+mn-cs"/>
+            </a:endParaRPr>
+          </a:p>
+          <a:p>
+            <a:pPr defTabSz="685800" fontAlgn="auto">
+              <a:lnSpc>
+                <a:spcPct val="200000"/>
+              </a:lnSpc>
+              <a:tabLst>
+                <a:tab pos="6446520" algn="l"/>
+              </a:tabLst>
+            </a:pPr>
             <a:r>
               <a:rPr sz="2800" b="0" dirty="0">
+                <a:solidFill>
+                  <a:schemeClr val="tx2"/>
+                </a:solidFill>
                 <a:latin typeface="+mn-lt"/>
                 <a:ea typeface="微软雅黑" panose="020B0503020204020204" pitchFamily="34" charset="-122"/>
                 <a:cs typeface="+mn-cs"/>
               </a:rPr>
-              <a:t>/&gt;</a:t>
-            </a:r>
+              <a:t>            &lt;/label&gt;</a:t>
+            </a:r>
+            <a:endParaRPr sz="2800" b="0" dirty="0">
+              <a:solidFill>
+                <a:schemeClr val="tx2"/>
+              </a:solidFill>
+              <a:latin typeface="+mn-lt"/>
+              <a:ea typeface="微软雅黑" panose="020B0503020204020204" pitchFamily="34" charset="-122"/>
+              <a:cs typeface="+mn-cs"/>
+            </a:endParaRPr>
+          </a:p>
+          <a:p>
+            <a:pPr defTabSz="685800" fontAlgn="auto">
+              <a:lnSpc>
+                <a:spcPct val="200000"/>
+              </a:lnSpc>
+              <a:tabLst>
+                <a:tab pos="6446520" algn="l"/>
+              </a:tabLst>
+            </a:pPr>
             <a:r>
               <a:rPr sz="2800" b="0" dirty="0">
                 <a:solidFill>
@@ -11181,7 +11387,7 @@
                 <a:ea typeface="微软雅黑" panose="020B0503020204020204" pitchFamily="34" charset="-122"/>
                 <a:cs typeface="+mn-cs"/>
               </a:rPr>
-              <a:t>            </a:t>
+              <a:t>            &lt;/radio-group&gt;</a:t>
             </a:r>
             <a:endParaRPr sz="2800" b="0" dirty="0">
               <a:solidFill>
@@ -11266,9 +11472,9 @@
                 <a:latin typeface="+mn-lt"/>
                 <a:ea typeface="微软雅黑" panose="020B0503020204020204" pitchFamily="34" charset="-122"/>
               </a:rPr>
-              <a:t>switch</a:t>
-            </a:r>
-            <a:endParaRPr lang="en-US" altLang="zh-CN" dirty="0">
+              <a:t>radio </a:t>
+            </a:r>
+            <a:endParaRPr lang="zh-CN" altLang="en-US" dirty="0">
               <a:latin typeface="+mn-lt"/>
               <a:ea typeface="微软雅黑" panose="020B0503020204020204" pitchFamily="34" charset="-122"/>
             </a:endParaRPr>
@@ -11277,62 +11483,62 @@
       </p:sp>
       <p:sp>
         <p:nvSpPr>
-          <p:cNvPr id="5" name="文本占位符 4"/>
+          <p:cNvPr id="3" name="矩形 2"/>
           <p:cNvSpPr/>
-          <p:nvPr>
-            <p:ph type="body" idx="1"/>
-          </p:nvPr>
+          <p:nvPr/>
         </p:nvSpPr>
         <p:spPr>
           <a:xfrm>
-            <a:off x="680085" y="2397125"/>
-            <a:ext cx="10422890" cy="4059555"/>
+            <a:off x="7399020" y="1635760"/>
+            <a:ext cx="3581400" cy="1066800"/>
           </a:xfrm>
+          <a:prstGeom prst="rect">
+            <a:avLst/>
+          </a:prstGeom>
+          <a:solidFill>
+            <a:schemeClr val="accent1">
+              <a:alpha val="0"/>
+            </a:schemeClr>
+          </a:solidFill>
+          <a:ln>
+            <a:noFill/>
+          </a:ln>
         </p:spPr>
+        <p:style>
+          <a:lnRef idx="2">
+            <a:schemeClr val="accent1">
+              <a:shade val="50000"/>
+            </a:schemeClr>
+          </a:lnRef>
+          <a:fillRef idx="1">
+            <a:schemeClr val="accent1"/>
+          </a:fillRef>
+          <a:effectRef idx="0">
+            <a:schemeClr val="accent1"/>
+          </a:effectRef>
+          <a:fontRef idx="minor">
+            <a:schemeClr val="lt1"/>
+          </a:fontRef>
+        </p:style>
         <p:txBody>
-          <a:bodyPr/>
-          <a:p>
-            <a:pPr fontAlgn="auto">
-              <a:lnSpc>
-                <a:spcPct val="200000"/>
-              </a:lnSpc>
-            </a:pPr>
+          <a:bodyPr rtlCol="0" anchor="ctr"/>
+          <a:p>
+            <a:pPr algn="l"/>
             <a:r>
               <a:rPr lang="zh-CN" altLang="en-US" sz="2800">
-                <a:latin typeface="+mn-lt"/>
-                <a:ea typeface="微软雅黑" panose="020B0503020204020204" pitchFamily="34" charset="-122"/>
-              </a:rPr>
-              <a:t>属性：</a:t>
-            </a:r>
-            <a:endParaRPr lang="zh-CN" altLang="en-US" sz="2800">
-              <a:latin typeface="+mn-lt"/>
-              <a:ea typeface="微软雅黑" panose="020B0503020204020204" pitchFamily="34" charset="-122"/>
-            </a:endParaRPr>
-          </a:p>
-          <a:p>
-            <a:pPr fontAlgn="auto">
-              <a:lnSpc>
-                <a:spcPct val="200000"/>
-              </a:lnSpc>
-            </a:pPr>
-            <a:r>
-              <a:rPr lang="zh-CN" altLang="en-US" sz="2800">
-                <a:latin typeface="+mn-lt"/>
-                <a:ea typeface="微软雅黑" panose="020B0503020204020204" pitchFamily="34" charset="-122"/>
-              </a:rPr>
-              <a:t>            </a:t>
-            </a:r>
-            <a:r>
-              <a:rPr lang="en-US" altLang="zh-CN" sz="2800">
-                <a:latin typeface="+mn-lt"/>
-                <a:ea typeface="微软雅黑" panose="020B0503020204020204" pitchFamily="34" charset="-122"/>
-              </a:rPr>
-              <a:t>type</a:t>
-            </a:r>
-            <a:endParaRPr lang="en-US" altLang="zh-CN" sz="2800">
-              <a:latin typeface="+mn-lt"/>
-              <a:ea typeface="微软雅黑" panose="020B0503020204020204" pitchFamily="34" charset="-122"/>
-            </a:endParaRPr>
+                <a:solidFill>
+                  <a:schemeClr val="tx1"/>
+                </a:solidFill>
+                <a:latin typeface="微软雅黑" panose="020B0503020204020204" pitchFamily="34" charset="-122"/>
+                <a:ea typeface="微软雅黑" panose="020B0503020204020204" pitchFamily="34" charset="-122"/>
+              </a:rPr>
+              <a:t>单项选择器</a:t>
+            </a:r>
+            <a:r>
+              <a:rPr lang="zh-CN" altLang="en-US"/>
+              <a:t>器</a:t>
+            </a:r>
+            <a:endParaRPr lang="zh-CN" altLang="en-US"/>
           </a:p>
         </p:txBody>
       </p:sp>
@@ -11344,8 +11550,8 @@
         </p:nvSpPr>
         <p:spPr bwMode="auto">
           <a:xfrm flipH="1">
-            <a:off x="2773680" y="3333750"/>
-            <a:ext cx="121920" cy="1295400"/>
+            <a:off x="1673860" y="2084070"/>
+            <a:ext cx="199390" cy="3550920"/>
           </a:xfrm>
           <a:custGeom>
             <a:avLst/>
@@ -11750,6 +11956,908 @@
       </p:sp>
       <p:sp>
         <p:nvSpPr>
+          <p:cNvPr id="4" name="文本框 3"/>
+          <p:cNvSpPr txBox="1"/>
+          <p:nvPr/>
+        </p:nvSpPr>
+        <p:spPr>
+          <a:xfrm>
+            <a:off x="882650" y="6053455"/>
+            <a:ext cx="6698615" cy="645795"/>
+          </a:xfrm>
+          <a:prstGeom prst="rect">
+            <a:avLst/>
+          </a:prstGeom>
+          <a:noFill/>
+        </p:spPr>
+        <p:txBody>
+          <a:bodyPr wrap="square" rtlCol="0" anchor="t">
+            <a:spAutoFit/>
+          </a:bodyPr>
+          <a:p>
+            <a:pPr>
+              <a:lnSpc>
+                <a:spcPct val="130000"/>
+              </a:lnSpc>
+            </a:pPr>
+            <a:r>
+              <a:rPr lang="zh-CN" sz="2800" dirty="0">
+                <a:solidFill>
+                  <a:schemeClr val="tx2"/>
+                </a:solidFill>
+                <a:ea typeface="微软雅黑" panose="020B0503020204020204" pitchFamily="34" charset="-122"/>
+                <a:sym typeface="+mn-ea"/>
+              </a:rPr>
+              <a:t>双标签写法：</a:t>
+            </a:r>
+            <a:r>
+              <a:rPr sz="2800" dirty="0">
+                <a:solidFill>
+                  <a:schemeClr val="tx2"/>
+                </a:solidFill>
+                <a:ea typeface="微软雅黑" panose="020B0503020204020204" pitchFamily="34" charset="-122"/>
+                <a:sym typeface="+mn-ea"/>
+              </a:rPr>
+              <a:t>&lt;</a:t>
+            </a:r>
+            <a:r>
+              <a:rPr sz="2800" dirty="0">
+                <a:solidFill>
+                  <a:srgbClr val="C00000"/>
+                </a:solidFill>
+                <a:ea typeface="微软雅黑" panose="020B0503020204020204" pitchFamily="34" charset="-122"/>
+                <a:sym typeface="+mn-ea"/>
+              </a:rPr>
+              <a:t>radio</a:t>
+            </a:r>
+            <a:r>
+              <a:rPr lang="en-US" sz="2800" dirty="0">
+                <a:solidFill>
+                  <a:srgbClr val="C00000"/>
+                </a:solidFill>
+                <a:ea typeface="微软雅黑" panose="020B0503020204020204" pitchFamily="34" charset="-122"/>
+                <a:sym typeface="+mn-ea"/>
+              </a:rPr>
+              <a:t>&gt;&lt;/</a:t>
+            </a:r>
+            <a:r>
+              <a:rPr sz="2800" dirty="0">
+                <a:solidFill>
+                  <a:srgbClr val="C00000"/>
+                </a:solidFill>
+                <a:ea typeface="微软雅黑" panose="020B0503020204020204" pitchFamily="34" charset="-122"/>
+                <a:sym typeface="+mn-ea"/>
+              </a:rPr>
+              <a:t>radio</a:t>
+            </a:r>
+            <a:r>
+              <a:rPr lang="en-US" sz="2800" dirty="0">
+                <a:solidFill>
+                  <a:srgbClr val="C00000"/>
+                </a:solidFill>
+                <a:ea typeface="微软雅黑" panose="020B0503020204020204" pitchFamily="34" charset="-122"/>
+                <a:sym typeface="+mn-ea"/>
+              </a:rPr>
+              <a:t>&gt;</a:t>
+            </a:r>
+            <a:endParaRPr lang="en-US" sz="2800" dirty="0" smtClean="0">
+              <a:solidFill>
+                <a:srgbClr val="C00000"/>
+              </a:solidFill>
+              <a:latin typeface="Arial" panose="020B0604020202020204" pitchFamily="34" charset="0"/>
+              <a:ea typeface="微软雅黑" panose="020B0503020204020204" pitchFamily="34" charset="-122"/>
+              <a:sym typeface="+mn-ea"/>
+            </a:endParaRPr>
+          </a:p>
+        </p:txBody>
+      </p:sp>
+    </p:spTree>
+    <p:custDataLst>
+      <p:tags r:id="rId3"/>
+    </p:custDataLst>
+  </p:cSld>
+  <p:clrMapOvr>
+    <a:masterClrMapping/>
+  </p:clrMapOvr>
+  <p:timing>
+    <p:tnLst>
+      <p:par>
+        <p:cTn id="1" dur="indefinite" restart="never" nodeType="tmRoot"/>
+      </p:par>
+    </p:tnLst>
+  </p:timing>
+</p:sld>
+</file>
+
+<file path=ppt/slides/slide7.xml><?xml version="1.0" encoding="utf-8"?>
+<p:sld xmlns:a="http://schemas.openxmlformats.org/drawingml/2006/main" xmlns:r="http://schemas.openxmlformats.org/officeDocument/2006/relationships" xmlns:p="http://schemas.openxmlformats.org/presentationml/2006/main">
+  <p:cSld>
+    <p:spTree>
+      <p:nvGrpSpPr>
+        <p:cNvPr id="1" name=""/>
+        <p:cNvGrpSpPr/>
+        <p:nvPr/>
+      </p:nvGrpSpPr>
+      <p:grpSpPr>
+        <a:xfrm>
+          <a:off x="0" y="0"/>
+          <a:ext cx="0" cy="0"/>
+          <a:chOff x="0" y="0"/>
+          <a:chExt cx="0" cy="0"/>
+        </a:xfrm>
+      </p:grpSpPr>
+      <p:sp>
+        <p:nvSpPr>
+          <p:cNvPr id="21" name="文本框 20"/>
+          <p:cNvSpPr txBox="1"/>
+          <p:nvPr>
+            <p:custDataLst>
+              <p:tags r:id="rId1"/>
+            </p:custDataLst>
+          </p:nvPr>
+        </p:nvSpPr>
+        <p:spPr>
+          <a:xfrm>
+            <a:off x="680085" y="279400"/>
+            <a:ext cx="11184255" cy="2265680"/>
+          </a:xfrm>
+          <a:prstGeom prst="rect">
+            <a:avLst/>
+          </a:prstGeom>
+        </p:spPr>
+        <p:txBody>
+          <a:bodyPr vert="horz" lIns="91440" tIns="45720" rIns="91440" bIns="45720" rtlCol="0" anchor="b">
+            <a:normAutofit/>
+          </a:bodyPr>
+          <a:lstStyle>
+            <a:lvl1pPr defTabSz="685800" eaLnBrk="1" latinLnBrk="0" hangingPunct="1">
+              <a:lnSpc>
+                <a:spcPct val="90000"/>
+              </a:lnSpc>
+              <a:buNone/>
+              <a:defRPr sz="3200" b="1" i="0" baseline="0">
+                <a:solidFill>
+                  <a:schemeClr val="accent1">
+                    <a:lumMod val="75000"/>
+                  </a:schemeClr>
+                </a:solidFill>
+                <a:latin typeface="Arial" panose="020B0604020202020204" pitchFamily="34" charset="0"/>
+                <a:ea typeface="黑体" panose="02010609060101010101" pitchFamily="49" charset="-122"/>
+                <a:cs typeface="+mj-cs"/>
+              </a:defRPr>
+            </a:lvl1pPr>
+          </a:lstStyle>
+          <a:p>
+            <a:pPr defTabSz="685800" fontAlgn="auto">
+              <a:lnSpc>
+                <a:spcPct val="200000"/>
+              </a:lnSpc>
+              <a:tabLst>
+                <a:tab pos="3939540" algn="l"/>
+                <a:tab pos="6446520" algn="l"/>
+              </a:tabLst>
+            </a:pPr>
+            <a:r>
+              <a:rPr lang="zh-CN" altLang="en-US" sz="2800" b="0" smtClean="0">
+                <a:latin typeface="+mn-lt"/>
+                <a:ea typeface="微软雅黑" panose="020B0503020204020204" pitchFamily="34" charset="-122"/>
+              </a:rPr>
+              <a:t>语法：</a:t>
+            </a:r>
+            <a:r>
+              <a:rPr lang="en-US" altLang="zh-CN" sz="2800" b="0" dirty="0">
+                <a:solidFill>
+                  <a:schemeClr val="tx2"/>
+                </a:solidFill>
+                <a:latin typeface="+mn-lt"/>
+                <a:ea typeface="微软雅黑" panose="020B0503020204020204" pitchFamily="34" charset="-122"/>
+                <a:cs typeface="+mn-cs"/>
+              </a:rPr>
+              <a:t> </a:t>
+            </a:r>
+            <a:r>
+              <a:rPr sz="2800" b="0" dirty="0">
+                <a:latin typeface="+mn-lt"/>
+                <a:ea typeface="微软雅黑" panose="020B0503020204020204" pitchFamily="34" charset="-122"/>
+                <a:cs typeface="+mn-cs"/>
+              </a:rPr>
+              <a:t>&lt;</a:t>
+            </a:r>
+            <a:r>
+              <a:rPr sz="2800" b="0" dirty="0">
+                <a:solidFill>
+                  <a:srgbClr val="C00000"/>
+                </a:solidFill>
+                <a:latin typeface="+mn-lt"/>
+                <a:ea typeface="微软雅黑" panose="020B0503020204020204" pitchFamily="34" charset="-122"/>
+                <a:cs typeface="+mn-cs"/>
+              </a:rPr>
+              <a:t>switch</a:t>
+            </a:r>
+            <a:r>
+              <a:rPr sz="2800" b="0" dirty="0">
+                <a:latin typeface="+mn-lt"/>
+                <a:ea typeface="微软雅黑" panose="020B0503020204020204" pitchFamily="34" charset="-122"/>
+                <a:cs typeface="+mn-cs"/>
+              </a:rPr>
+              <a:t> checked bindchange</a:t>
+            </a:r>
+            <a:r>
+              <a:rPr sz="2800" b="0" dirty="0">
+                <a:solidFill>
+                  <a:schemeClr val="tx1"/>
+                </a:solidFill>
+                <a:latin typeface="+mn-lt"/>
+                <a:ea typeface="微软雅黑" panose="020B0503020204020204" pitchFamily="34" charset="-122"/>
+                <a:cs typeface="+mn-cs"/>
+              </a:rPr>
+              <a:t>=""</a:t>
+            </a:r>
+            <a:r>
+              <a:rPr sz="2800" b="0" dirty="0">
+                <a:latin typeface="+mn-lt"/>
+                <a:ea typeface="微软雅黑" panose="020B0503020204020204" pitchFamily="34" charset="-122"/>
+                <a:cs typeface="+mn-cs"/>
+              </a:rPr>
+              <a:t> </a:t>
+            </a:r>
+            <a:r>
+              <a:rPr lang="en-US" sz="2800" b="0" dirty="0">
+                <a:latin typeface="+mn-lt"/>
+                <a:ea typeface="微软雅黑" panose="020B0503020204020204" pitchFamily="34" charset="-122"/>
+                <a:cs typeface="+mn-cs"/>
+              </a:rPr>
+              <a:t>type</a:t>
+            </a:r>
+            <a:r>
+              <a:rPr sz="2800" b="0" dirty="0">
+                <a:solidFill>
+                  <a:schemeClr val="tx1"/>
+                </a:solidFill>
+                <a:latin typeface="+mn-lt"/>
+                <a:ea typeface="微软雅黑" panose="020B0503020204020204" pitchFamily="34" charset="-122"/>
+                <a:cs typeface="+mn-cs"/>
+                <a:sym typeface="+mn-ea"/>
+              </a:rPr>
+              <a:t>=""</a:t>
+            </a:r>
+            <a:r>
+              <a:rPr sz="2800" b="0" dirty="0">
+                <a:latin typeface="+mn-lt"/>
+                <a:ea typeface="微软雅黑" panose="020B0503020204020204" pitchFamily="34" charset="-122"/>
+                <a:cs typeface="+mn-cs"/>
+                <a:sym typeface="+mn-ea"/>
+              </a:rPr>
+              <a:t> </a:t>
+            </a:r>
+            <a:r>
+              <a:rPr lang="en-US" sz="2800" b="0" dirty="0">
+                <a:latin typeface="+mn-lt"/>
+                <a:ea typeface="微软雅黑" panose="020B0503020204020204" pitchFamily="34" charset="-122"/>
+                <a:cs typeface="+mn-cs"/>
+                <a:sym typeface="+mn-ea"/>
+              </a:rPr>
+              <a:t>color</a:t>
+            </a:r>
+            <a:r>
+              <a:rPr lang="en-US" sz="2800" b="0" dirty="0">
+                <a:solidFill>
+                  <a:schemeClr val="tx1"/>
+                </a:solidFill>
+                <a:latin typeface="+mn-lt"/>
+                <a:ea typeface="微软雅黑" panose="020B0503020204020204" pitchFamily="34" charset="-122"/>
+                <a:cs typeface="+mn-cs"/>
+                <a:sym typeface="+mn-ea"/>
+              </a:rPr>
+              <a:t>=</a:t>
+            </a:r>
+            <a:r>
+              <a:rPr sz="2800" b="0" dirty="0">
+                <a:solidFill>
+                  <a:schemeClr val="tx1"/>
+                </a:solidFill>
+                <a:latin typeface="+mn-lt"/>
+                <a:ea typeface="微软雅黑" panose="020B0503020204020204" pitchFamily="34" charset="-122"/>
+                <a:cs typeface="+mn-cs"/>
+                <a:sym typeface="+mn-ea"/>
+              </a:rPr>
+              <a:t>""</a:t>
+            </a:r>
+            <a:r>
+              <a:rPr sz="2800" b="0" dirty="0">
+                <a:latin typeface="+mn-lt"/>
+                <a:ea typeface="微软雅黑" panose="020B0503020204020204" pitchFamily="34" charset="-122"/>
+                <a:cs typeface="+mn-cs"/>
+                <a:sym typeface="+mn-ea"/>
+              </a:rPr>
+              <a:t> </a:t>
+            </a:r>
+            <a:r>
+              <a:rPr sz="2800" b="0" dirty="0">
+                <a:latin typeface="+mn-lt"/>
+                <a:ea typeface="微软雅黑" panose="020B0503020204020204" pitchFamily="34" charset="-122"/>
+                <a:cs typeface="+mn-cs"/>
+              </a:rPr>
+              <a:t>/&gt;</a:t>
+            </a:r>
+            <a:r>
+              <a:rPr sz="2800" b="0" dirty="0">
+                <a:solidFill>
+                  <a:schemeClr val="tx2"/>
+                </a:solidFill>
+                <a:latin typeface="+mn-lt"/>
+                <a:ea typeface="微软雅黑" panose="020B0503020204020204" pitchFamily="34" charset="-122"/>
+                <a:cs typeface="+mn-cs"/>
+              </a:rPr>
+              <a:t>            </a:t>
+            </a:r>
+            <a:endParaRPr sz="2800" b="0" dirty="0">
+              <a:solidFill>
+                <a:schemeClr val="tx2"/>
+              </a:solidFill>
+              <a:latin typeface="+mn-lt"/>
+              <a:ea typeface="微软雅黑" panose="020B0503020204020204" pitchFamily="34" charset="-122"/>
+              <a:cs typeface="+mn-cs"/>
+            </a:endParaRPr>
+          </a:p>
+        </p:txBody>
+      </p:sp>
+      <p:sp>
+        <p:nvSpPr>
+          <p:cNvPr id="20" name="文本框 19"/>
+          <p:cNvSpPr txBox="1"/>
+          <p:nvPr>
+            <p:custDataLst>
+              <p:tags r:id="rId2"/>
+            </p:custDataLst>
+          </p:nvPr>
+        </p:nvSpPr>
+        <p:spPr>
+          <a:xfrm>
+            <a:off x="680085" y="279400"/>
+            <a:ext cx="8265795" cy="1171575"/>
+          </a:xfrm>
+          <a:prstGeom prst="rect">
+            <a:avLst/>
+          </a:prstGeom>
+        </p:spPr>
+        <p:txBody>
+          <a:bodyPr vert="horz" lIns="91440" tIns="45720" rIns="91440" bIns="45720" rtlCol="0" anchor="b">
+            <a:normAutofit/>
+          </a:bodyPr>
+          <a:lstStyle>
+            <a:lvl1pPr defTabSz="685800" eaLnBrk="1" latinLnBrk="0" hangingPunct="1">
+              <a:lnSpc>
+                <a:spcPct val="90000"/>
+              </a:lnSpc>
+              <a:buNone/>
+              <a:defRPr sz="3200" b="1" i="0" baseline="0">
+                <a:solidFill>
+                  <a:schemeClr val="accent1">
+                    <a:lumMod val="75000"/>
+                  </a:schemeClr>
+                </a:solidFill>
+                <a:latin typeface="Arial" panose="020B0604020202020204" pitchFamily="34" charset="0"/>
+                <a:ea typeface="黑体" panose="02010609060101010101" pitchFamily="49" charset="-122"/>
+                <a:cs typeface="+mj-cs"/>
+              </a:defRPr>
+            </a:lvl1pPr>
+          </a:lstStyle>
+          <a:p>
+            <a:r>
+              <a:rPr lang="zh-CN" altLang="en-US" dirty="0">
+                <a:latin typeface="微软雅黑" panose="020B0503020204020204" pitchFamily="34" charset="-122"/>
+                <a:ea typeface="微软雅黑" panose="020B0503020204020204" pitchFamily="34" charset="-122"/>
+              </a:rPr>
+              <a:t>表单组件</a:t>
+            </a:r>
+            <a:endParaRPr lang="zh-CN" altLang="en-US" dirty="0">
+              <a:latin typeface="微软雅黑" panose="020B0503020204020204" pitchFamily="34" charset="-122"/>
+              <a:ea typeface="微软雅黑" panose="020B0503020204020204" pitchFamily="34" charset="-122"/>
+            </a:endParaRPr>
+          </a:p>
+          <a:p>
+            <a:pPr defTabSz="685800">
+              <a:tabLst>
+                <a:tab pos="7073265" algn="l"/>
+              </a:tabLst>
+            </a:pPr>
+            <a:r>
+              <a:rPr lang="en-US" altLang="zh-CN" dirty="0">
+                <a:latin typeface="微软雅黑" panose="020B0503020204020204" pitchFamily="34" charset="-122"/>
+                <a:ea typeface="微软雅黑" panose="020B0503020204020204" pitchFamily="34" charset="-122"/>
+              </a:rPr>
+              <a:t>          ——</a:t>
+            </a:r>
+            <a:r>
+              <a:rPr lang="en-US" altLang="zh-CN" dirty="0">
+                <a:latin typeface="+mn-lt"/>
+                <a:ea typeface="微软雅黑" panose="020B0503020204020204" pitchFamily="34" charset="-122"/>
+              </a:rPr>
+              <a:t>switch</a:t>
+            </a:r>
+            <a:endParaRPr lang="en-US" altLang="zh-CN" dirty="0">
+              <a:latin typeface="+mn-lt"/>
+              <a:ea typeface="微软雅黑" panose="020B0503020204020204" pitchFamily="34" charset="-122"/>
+            </a:endParaRPr>
+          </a:p>
+        </p:txBody>
+      </p:sp>
+      <p:sp>
+        <p:nvSpPr>
+          <p:cNvPr id="5" name="文本占位符 4"/>
+          <p:cNvSpPr/>
+          <p:nvPr>
+            <p:ph type="body" idx="1"/>
+          </p:nvPr>
+        </p:nvSpPr>
+        <p:spPr>
+          <a:xfrm>
+            <a:off x="680085" y="2397125"/>
+            <a:ext cx="10422890" cy="4059555"/>
+          </a:xfrm>
+        </p:spPr>
+        <p:txBody>
+          <a:bodyPr/>
+          <a:p>
+            <a:pPr fontAlgn="auto">
+              <a:lnSpc>
+                <a:spcPct val="200000"/>
+              </a:lnSpc>
+            </a:pPr>
+            <a:r>
+              <a:rPr lang="zh-CN" altLang="en-US" sz="2800">
+                <a:latin typeface="+mn-lt"/>
+                <a:ea typeface="微软雅黑" panose="020B0503020204020204" pitchFamily="34" charset="-122"/>
+              </a:rPr>
+              <a:t>属性：</a:t>
+            </a:r>
+            <a:endParaRPr lang="zh-CN" altLang="en-US" sz="2800">
+              <a:latin typeface="+mn-lt"/>
+              <a:ea typeface="微软雅黑" panose="020B0503020204020204" pitchFamily="34" charset="-122"/>
+            </a:endParaRPr>
+          </a:p>
+          <a:p>
+            <a:pPr fontAlgn="auto">
+              <a:lnSpc>
+                <a:spcPct val="200000"/>
+              </a:lnSpc>
+            </a:pPr>
+            <a:r>
+              <a:rPr lang="zh-CN" altLang="en-US" sz="2800">
+                <a:latin typeface="+mn-lt"/>
+                <a:ea typeface="微软雅黑" panose="020B0503020204020204" pitchFamily="34" charset="-122"/>
+              </a:rPr>
+              <a:t>            </a:t>
+            </a:r>
+            <a:r>
+              <a:rPr lang="en-US" altLang="zh-CN" sz="2800">
+                <a:latin typeface="+mn-lt"/>
+                <a:ea typeface="微软雅黑" panose="020B0503020204020204" pitchFamily="34" charset="-122"/>
+              </a:rPr>
+              <a:t>type</a:t>
+            </a:r>
+            <a:endParaRPr lang="en-US" altLang="zh-CN" sz="2800">
+              <a:latin typeface="+mn-lt"/>
+              <a:ea typeface="微软雅黑" panose="020B0503020204020204" pitchFamily="34" charset="-122"/>
+            </a:endParaRPr>
+          </a:p>
+        </p:txBody>
+      </p:sp>
+      <p:sp>
+        <p:nvSpPr>
+          <p:cNvPr id="2050" name=" 2050"/>
+          <p:cNvSpPr/>
+          <p:nvPr/>
+        </p:nvSpPr>
+        <p:spPr bwMode="auto">
+          <a:xfrm flipH="1">
+            <a:off x="2773680" y="3333750"/>
+            <a:ext cx="121920" cy="1295400"/>
+          </a:xfrm>
+          <a:custGeom>
+            <a:avLst/>
+            <a:gdLst>
+              <a:gd name="T0" fmla="*/ 2147483646 w 41"/>
+              <a:gd name="T1" fmla="*/ 2147483646 h 281"/>
+              <a:gd name="T2" fmla="*/ 2147483646 w 41"/>
+              <a:gd name="T3" fmla="*/ 2147483646 h 281"/>
+              <a:gd name="T4" fmla="*/ 0 w 41"/>
+              <a:gd name="T5" fmla="*/ 0 h 281"/>
+              <a:gd name="T6" fmla="*/ 2147483646 w 41"/>
+              <a:gd name="T7" fmla="*/ 2147483646 h 281"/>
+              <a:gd name="T8" fmla="*/ 2147483646 w 41"/>
+              <a:gd name="T9" fmla="*/ 2147483646 h 281"/>
+              <a:gd name="T10" fmla="*/ 2147483646 w 41"/>
+              <a:gd name="T11" fmla="*/ 2147483646 h 281"/>
+              <a:gd name="T12" fmla="*/ 2147483646 w 41"/>
+              <a:gd name="T13" fmla="*/ 2147483646 h 281"/>
+              <a:gd name="T14" fmla="*/ 2147483646 w 41"/>
+              <a:gd name="T15" fmla="*/ 2147483646 h 281"/>
+              <a:gd name="T16" fmla="*/ 2147483646 w 41"/>
+              <a:gd name="T17" fmla="*/ 2147483646 h 281"/>
+              <a:gd name="T18" fmla="*/ 2147483646 w 41"/>
+              <a:gd name="T19" fmla="*/ 2147483646 h 281"/>
+              <a:gd name="T20" fmla="*/ 2147483646 w 41"/>
+              <a:gd name="T21" fmla="*/ 2147483646 h 281"/>
+              <a:gd name="T22" fmla="*/ 2147483646 w 41"/>
+              <a:gd name="T23" fmla="*/ 2147483646 h 281"/>
+              <a:gd name="T24" fmla="*/ 2147483646 w 41"/>
+              <a:gd name="T25" fmla="*/ 2147483646 h 281"/>
+              <a:gd name="T26" fmla="*/ 0 w 41"/>
+              <a:gd name="T27" fmla="*/ 2147483646 h 281"/>
+              <a:gd name="T28" fmla="*/ 2147483646 w 41"/>
+              <a:gd name="T29" fmla="*/ 2147483646 h 281"/>
+              <a:gd name="T30" fmla="*/ 2147483646 w 41"/>
+              <a:gd name="T31" fmla="*/ 2147483646 h 281"/>
+              <a:gd name="T32" fmla="*/ 2147483646 w 41"/>
+              <a:gd name="T33" fmla="*/ 2147483646 h 281"/>
+              <a:gd name="T34" fmla="*/ 2147483646 w 41"/>
+              <a:gd name="T35" fmla="*/ 2147483646 h 281"/>
+              <a:gd name="T36" fmla="*/ 2147483646 w 41"/>
+              <a:gd name="T37" fmla="*/ 2147483646 h 281"/>
+              <a:gd name="T38" fmla="*/ 2147483646 w 41"/>
+              <a:gd name="T39" fmla="*/ 2147483646 h 281"/>
+              <a:gd name="T40" fmla="*/ 2147483646 w 41"/>
+              <a:gd name="T41" fmla="*/ 2147483646 h 281"/>
+              <a:gd name="T42" fmla="*/ 2147483646 w 41"/>
+              <a:gd name="T43" fmla="*/ 2147483646 h 281"/>
+              <a:gd name="T44" fmla="*/ 0 60000 65536"/>
+              <a:gd name="T45" fmla="*/ 0 60000 65536"/>
+              <a:gd name="T46" fmla="*/ 0 60000 65536"/>
+              <a:gd name="T47" fmla="*/ 0 60000 65536"/>
+              <a:gd name="T48" fmla="*/ 0 60000 65536"/>
+              <a:gd name="T49" fmla="*/ 0 60000 65536"/>
+              <a:gd name="T50" fmla="*/ 0 60000 65536"/>
+              <a:gd name="T51" fmla="*/ 0 60000 65536"/>
+              <a:gd name="T52" fmla="*/ 0 60000 65536"/>
+              <a:gd name="T53" fmla="*/ 0 60000 65536"/>
+              <a:gd name="T54" fmla="*/ 0 60000 65536"/>
+              <a:gd name="T55" fmla="*/ 0 60000 65536"/>
+              <a:gd name="T56" fmla="*/ 0 60000 65536"/>
+              <a:gd name="T57" fmla="*/ 0 60000 65536"/>
+              <a:gd name="T58" fmla="*/ 0 60000 65536"/>
+              <a:gd name="T59" fmla="*/ 0 60000 65536"/>
+              <a:gd name="T60" fmla="*/ 0 60000 65536"/>
+              <a:gd name="T61" fmla="*/ 0 60000 65536"/>
+              <a:gd name="T62" fmla="*/ 0 60000 65536"/>
+              <a:gd name="T63" fmla="*/ 0 60000 65536"/>
+              <a:gd name="T64" fmla="*/ 0 60000 65536"/>
+              <a:gd name="T65" fmla="*/ 0 60000 65536"/>
+            </a:gdLst>
+            <a:ahLst/>
+            <a:cxnLst>
+              <a:cxn ang="T44">
+                <a:pos x="T0" y="T1"/>
+              </a:cxn>
+              <a:cxn ang="T45">
+                <a:pos x="T2" y="T3"/>
+              </a:cxn>
+              <a:cxn ang="T46">
+                <a:pos x="T4" y="T5"/>
+              </a:cxn>
+              <a:cxn ang="T47">
+                <a:pos x="T6" y="T7"/>
+              </a:cxn>
+              <a:cxn ang="T48">
+                <a:pos x="T8" y="T9"/>
+              </a:cxn>
+              <a:cxn ang="T49">
+                <a:pos x="T10" y="T11"/>
+              </a:cxn>
+              <a:cxn ang="T50">
+                <a:pos x="T12" y="T13"/>
+              </a:cxn>
+              <a:cxn ang="T51">
+                <a:pos x="T14" y="T15"/>
+              </a:cxn>
+              <a:cxn ang="T52">
+                <a:pos x="T16" y="T17"/>
+              </a:cxn>
+              <a:cxn ang="T53">
+                <a:pos x="T18" y="T19"/>
+              </a:cxn>
+              <a:cxn ang="T54">
+                <a:pos x="T20" y="T21"/>
+              </a:cxn>
+              <a:cxn ang="T55">
+                <a:pos x="T22" y="T23"/>
+              </a:cxn>
+              <a:cxn ang="T56">
+                <a:pos x="T24" y="T25"/>
+              </a:cxn>
+              <a:cxn ang="T57">
+                <a:pos x="T26" y="T27"/>
+              </a:cxn>
+              <a:cxn ang="T58">
+                <a:pos x="T28" y="T29"/>
+              </a:cxn>
+              <a:cxn ang="T59">
+                <a:pos x="T30" y="T31"/>
+              </a:cxn>
+              <a:cxn ang="T60">
+                <a:pos x="T32" y="T33"/>
+              </a:cxn>
+              <a:cxn ang="T61">
+                <a:pos x="T34" y="T35"/>
+              </a:cxn>
+              <a:cxn ang="T62">
+                <a:pos x="T36" y="T37"/>
+              </a:cxn>
+              <a:cxn ang="T63">
+                <a:pos x="T38" y="T39"/>
+              </a:cxn>
+              <a:cxn ang="T64">
+                <a:pos x="T40" y="T41"/>
+              </a:cxn>
+              <a:cxn ang="T65">
+                <a:pos x="T42" y="T43"/>
+              </a:cxn>
+            </a:cxnLst>
+            <a:rect l="0" t="0" r="r" b="b"/>
+            <a:pathLst>
+              <a:path w="41" h="281">
+                <a:moveTo>
+                  <a:pt x="15" y="41"/>
+                </a:moveTo>
+                <a:cubicBezTo>
+                  <a:pt x="15" y="29"/>
+                  <a:pt x="13" y="19"/>
+                  <a:pt x="11" y="13"/>
+                </a:cubicBezTo>
+                <a:cubicBezTo>
+                  <a:pt x="9" y="7"/>
+                  <a:pt x="5" y="2"/>
+                  <a:pt x="0" y="0"/>
+                </a:cubicBezTo>
+                <a:cubicBezTo>
+                  <a:pt x="10" y="0"/>
+                  <a:pt x="17" y="3"/>
+                  <a:pt x="21" y="9"/>
+                </a:cubicBezTo>
+                <a:cubicBezTo>
+                  <a:pt x="25" y="14"/>
+                  <a:pt x="27" y="27"/>
+                  <a:pt x="27" y="45"/>
+                </a:cubicBezTo>
+                <a:cubicBezTo>
+                  <a:pt x="27" y="103"/>
+                  <a:pt x="27" y="103"/>
+                  <a:pt x="27" y="103"/>
+                </a:cubicBezTo>
+                <a:cubicBezTo>
+                  <a:pt x="27" y="114"/>
+                  <a:pt x="28" y="122"/>
+                  <a:pt x="30" y="128"/>
+                </a:cubicBezTo>
+                <a:cubicBezTo>
+                  <a:pt x="32" y="134"/>
+                  <a:pt x="35" y="138"/>
+                  <a:pt x="41" y="141"/>
+                </a:cubicBezTo>
+                <a:cubicBezTo>
+                  <a:pt x="35" y="143"/>
+                  <a:pt x="31" y="147"/>
+                  <a:pt x="30" y="153"/>
+                </a:cubicBezTo>
+                <a:cubicBezTo>
+                  <a:pt x="28" y="158"/>
+                  <a:pt x="27" y="167"/>
+                  <a:pt x="27" y="179"/>
+                </a:cubicBezTo>
+                <a:cubicBezTo>
+                  <a:pt x="27" y="232"/>
+                  <a:pt x="27" y="232"/>
+                  <a:pt x="27" y="232"/>
+                </a:cubicBezTo>
+                <a:cubicBezTo>
+                  <a:pt x="27" y="245"/>
+                  <a:pt x="26" y="255"/>
+                  <a:pt x="25" y="262"/>
+                </a:cubicBezTo>
+                <a:cubicBezTo>
+                  <a:pt x="23" y="269"/>
+                  <a:pt x="20" y="274"/>
+                  <a:pt x="16" y="277"/>
+                </a:cubicBezTo>
+                <a:cubicBezTo>
+                  <a:pt x="12" y="279"/>
+                  <a:pt x="7" y="281"/>
+                  <a:pt x="0" y="281"/>
+                </a:cubicBezTo>
+                <a:cubicBezTo>
+                  <a:pt x="5" y="279"/>
+                  <a:pt x="9" y="274"/>
+                  <a:pt x="11" y="268"/>
+                </a:cubicBezTo>
+                <a:cubicBezTo>
+                  <a:pt x="13" y="261"/>
+                  <a:pt x="15" y="252"/>
+                  <a:pt x="15" y="240"/>
+                </a:cubicBezTo>
+                <a:cubicBezTo>
+                  <a:pt x="15" y="186"/>
+                  <a:pt x="15" y="186"/>
+                  <a:pt x="15" y="186"/>
+                </a:cubicBezTo>
+                <a:cubicBezTo>
+                  <a:pt x="15" y="172"/>
+                  <a:pt x="15" y="162"/>
+                  <a:pt x="17" y="155"/>
+                </a:cubicBezTo>
+                <a:cubicBezTo>
+                  <a:pt x="19" y="148"/>
+                  <a:pt x="23" y="144"/>
+                  <a:pt x="29" y="141"/>
+                </a:cubicBezTo>
+                <a:cubicBezTo>
+                  <a:pt x="23" y="138"/>
+                  <a:pt x="19" y="133"/>
+                  <a:pt x="17" y="127"/>
+                </a:cubicBezTo>
+                <a:cubicBezTo>
+                  <a:pt x="15" y="121"/>
+                  <a:pt x="15" y="111"/>
+                  <a:pt x="15" y="98"/>
+                </a:cubicBezTo>
+                <a:lnTo>
+                  <a:pt x="15" y="41"/>
+                </a:lnTo>
+                <a:close/>
+              </a:path>
+            </a:pathLst>
+          </a:custGeom>
+          <a:solidFill>
+            <a:schemeClr val="accent1"/>
+          </a:solidFill>
+          <a:ln>
+            <a:noFill/>
+          </a:ln>
+          <a:extLst>
+            <a:ext uri="{91240B29-F687-4F45-9708-019B960494DF}">
+              <a14:hiddenLine xmlns:a14="http://schemas.microsoft.com/office/drawing/2010/main" w="9525">
+                <a:solidFill>
+                  <a:srgbClr val="000000"/>
+                </a:solidFill>
+                <a:round/>
+              </a14:hiddenLine>
+            </a:ext>
+          </a:extLst>
+        </p:spPr>
+        <p:txBody>
+          <a:bodyPr anchor="ctr"/>
+          <a:lstStyle>
+            <a:defPPr>
+              <a:defRPr lang="zh-CN"/>
+            </a:defPPr>
+            <a:lvl1pPr algn="l" rtl="0" eaLnBrk="0" fontAlgn="base" hangingPunct="0">
+              <a:spcBef>
+                <a:spcPct val="0"/>
+              </a:spcBef>
+              <a:spcAft>
+                <a:spcPct val="0"/>
+              </a:spcAft>
+              <a:defRPr kern="1200">
+                <a:solidFill>
+                  <a:schemeClr val="tx1"/>
+                </a:solidFill>
+                <a:latin typeface="Calibri" panose="020F0502020204030204" pitchFamily="34" charset="0"/>
+                <a:ea typeface="宋体" panose="02010600030101010101" pitchFamily="2" charset="-122"/>
+                <a:cs typeface="+mn-cs"/>
+              </a:defRPr>
+            </a:lvl1pPr>
+            <a:lvl2pPr marL="457200" algn="l" rtl="0" eaLnBrk="0" fontAlgn="base" hangingPunct="0">
+              <a:spcBef>
+                <a:spcPct val="0"/>
+              </a:spcBef>
+              <a:spcAft>
+                <a:spcPct val="0"/>
+              </a:spcAft>
+              <a:defRPr kern="1200">
+                <a:solidFill>
+                  <a:schemeClr val="tx1"/>
+                </a:solidFill>
+                <a:latin typeface="Calibri" panose="020F0502020204030204" pitchFamily="34" charset="0"/>
+                <a:ea typeface="宋体" panose="02010600030101010101" pitchFamily="2" charset="-122"/>
+                <a:cs typeface="+mn-cs"/>
+              </a:defRPr>
+            </a:lvl2pPr>
+            <a:lvl3pPr marL="914400" algn="l" rtl="0" eaLnBrk="0" fontAlgn="base" hangingPunct="0">
+              <a:spcBef>
+                <a:spcPct val="0"/>
+              </a:spcBef>
+              <a:spcAft>
+                <a:spcPct val="0"/>
+              </a:spcAft>
+              <a:defRPr kern="1200">
+                <a:solidFill>
+                  <a:schemeClr val="tx1"/>
+                </a:solidFill>
+                <a:latin typeface="Calibri" panose="020F0502020204030204" pitchFamily="34" charset="0"/>
+                <a:ea typeface="宋体" panose="02010600030101010101" pitchFamily="2" charset="-122"/>
+                <a:cs typeface="+mn-cs"/>
+              </a:defRPr>
+            </a:lvl3pPr>
+            <a:lvl4pPr marL="1371600" algn="l" rtl="0" eaLnBrk="0" fontAlgn="base" hangingPunct="0">
+              <a:spcBef>
+                <a:spcPct val="0"/>
+              </a:spcBef>
+              <a:spcAft>
+                <a:spcPct val="0"/>
+              </a:spcAft>
+              <a:defRPr kern="1200">
+                <a:solidFill>
+                  <a:schemeClr val="tx1"/>
+                </a:solidFill>
+                <a:latin typeface="Calibri" panose="020F0502020204030204" pitchFamily="34" charset="0"/>
+                <a:ea typeface="宋体" panose="02010600030101010101" pitchFamily="2" charset="-122"/>
+                <a:cs typeface="+mn-cs"/>
+              </a:defRPr>
+            </a:lvl4pPr>
+            <a:lvl5pPr marL="1828800" algn="l" rtl="0" eaLnBrk="0" fontAlgn="base" hangingPunct="0">
+              <a:spcBef>
+                <a:spcPct val="0"/>
+              </a:spcBef>
+              <a:spcAft>
+                <a:spcPct val="0"/>
+              </a:spcAft>
+              <a:defRPr kern="1200">
+                <a:solidFill>
+                  <a:schemeClr val="tx1"/>
+                </a:solidFill>
+                <a:latin typeface="Calibri" panose="020F0502020204030204" pitchFamily="34" charset="0"/>
+                <a:ea typeface="宋体" panose="02010600030101010101" pitchFamily="2" charset="-122"/>
+                <a:cs typeface="+mn-cs"/>
+              </a:defRPr>
+            </a:lvl5pPr>
+            <a:lvl6pPr marL="2286000" algn="l" defTabSz="914400" rtl="0" eaLnBrk="1" latinLnBrk="0" hangingPunct="1">
+              <a:defRPr kern="1200">
+                <a:solidFill>
+                  <a:schemeClr val="tx1"/>
+                </a:solidFill>
+                <a:latin typeface="Calibri" panose="020F0502020204030204" pitchFamily="34" charset="0"/>
+                <a:ea typeface="宋体" panose="02010600030101010101" pitchFamily="2" charset="-122"/>
+                <a:cs typeface="+mn-cs"/>
+              </a:defRPr>
+            </a:lvl6pPr>
+            <a:lvl7pPr marL="2743200" algn="l" defTabSz="914400" rtl="0" eaLnBrk="1" latinLnBrk="0" hangingPunct="1">
+              <a:defRPr kern="1200">
+                <a:solidFill>
+                  <a:schemeClr val="tx1"/>
+                </a:solidFill>
+                <a:latin typeface="Calibri" panose="020F0502020204030204" pitchFamily="34" charset="0"/>
+                <a:ea typeface="宋体" panose="02010600030101010101" pitchFamily="2" charset="-122"/>
+                <a:cs typeface="+mn-cs"/>
+              </a:defRPr>
+            </a:lvl7pPr>
+            <a:lvl8pPr marL="3200400" algn="l" defTabSz="914400" rtl="0" eaLnBrk="1" latinLnBrk="0" hangingPunct="1">
+              <a:defRPr kern="1200">
+                <a:solidFill>
+                  <a:schemeClr val="tx1"/>
+                </a:solidFill>
+                <a:latin typeface="Calibri" panose="020F0502020204030204" pitchFamily="34" charset="0"/>
+                <a:ea typeface="宋体" panose="02010600030101010101" pitchFamily="2" charset="-122"/>
+                <a:cs typeface="+mn-cs"/>
+              </a:defRPr>
+            </a:lvl8pPr>
+            <a:lvl9pPr marL="3657600" algn="l" defTabSz="914400" rtl="0" eaLnBrk="1" latinLnBrk="0" hangingPunct="1">
+              <a:defRPr kern="1200">
+                <a:solidFill>
+                  <a:schemeClr val="tx1"/>
+                </a:solidFill>
+                <a:latin typeface="Calibri" panose="020F0502020204030204" pitchFamily="34" charset="0"/>
+                <a:ea typeface="宋体" panose="02010600030101010101" pitchFamily="2" charset="-122"/>
+                <a:cs typeface="+mn-cs"/>
+              </a:defRPr>
+            </a:lvl9pPr>
+          </a:lstStyle>
+          <a:p>
+            <a:endParaRPr lang="zh-CN" altLang="en-US"/>
+          </a:p>
+        </p:txBody>
+      </p:sp>
+      <p:sp>
+        <p:nvSpPr>
           <p:cNvPr id="4" name="矩形 3"/>
           <p:cNvSpPr/>
           <p:nvPr/>
@@ -12045,7 +13153,7 @@
 </p:sld>
 </file>
 
-<file path=ppt/slides/slide7.xml><?xml version="1.0" encoding="utf-8"?>
+<file path=ppt/slides/slide8.xml><?xml version="1.0" encoding="utf-8"?>
 <p:sld xmlns:a="http://schemas.openxmlformats.org/drawingml/2006/main" xmlns:r="http://schemas.openxmlformats.org/officeDocument/2006/relationships" xmlns:p="http://schemas.openxmlformats.org/presentationml/2006/main">
   <p:cSld>
     <p:spTree>
@@ -12659,7 +13767,7 @@
 </p:sld>
 </file>
 
-<file path=ppt/slides/slide8.xml><?xml version="1.0" encoding="utf-8"?>
+<file path=ppt/slides/slide9.xml><?xml version="1.0" encoding="utf-8"?>
 <p:sld xmlns:a="http://schemas.openxmlformats.org/drawingml/2006/main" xmlns:r="http://schemas.openxmlformats.org/officeDocument/2006/relationships" xmlns:p="http://schemas.openxmlformats.org/presentationml/2006/main">
   <p:cSld>
     <p:spTree>
@@ -12940,43 +14048,27 @@
 
 <file path=ppt/tags/tag23.xml><?xml version="1.0" encoding="utf-8"?>
 <p:tagLst xmlns:p="http://schemas.openxmlformats.org/presentationml/2006/main">
-  <p:tag name="KSO_WM_TAG_VERSION" val="1.0"/>
-  <p:tag name="KSO_WM_BEAUTIFY_FLAG" val="#wm#"/>
+  <p:tag name="MH" val="20150417131227"/>
+  <p:tag name="MH_LIBRARY" val="CONTENTS"/>
+  <p:tag name="MH_AUTOCOLOR" val="TRUE"/>
+  <p:tag name="MH_TYPE" val="CONTENTS"/>
   <p:tag name="KSO_WM_TEMPLATE_CATEGORY" val="custom"/>
   <p:tag name="KSO_WM_TEMPLATE_INDEX" val="160"/>
-  <p:tag name="KSO_WM_UNIT_TYPE" val="a"/>
-  <p:tag name="KSO_WM_UNIT_INDEX" val="1"/>
-  <p:tag name="KSO_WM_UNIT_ID" val="custom160_15*a*1"/>
-  <p:tag name="KSO_WM_UNIT_CLEAR" val="1"/>
-  <p:tag name="KSO_WM_UNIT_LAYERLEVEL" val="1"/>
-  <p:tag name="KSO_WM_UNIT_VALUE" val="22"/>
-  <p:tag name="KSO_WM_UNIT_ISCONTENTSTITLE" val="0"/>
-  <p:tag name="KSO_WM_UNIT_HIGHLIGHT" val="0"/>
-  <p:tag name="KSO_WM_UNIT_COMPATIBLE" val="0"/>
-  <p:tag name="KSO_WM_UNIT_PRESET_TEXT_INDEX" val="3"/>
-  <p:tag name="KSO_WM_UNIT_PRESET_TEXT_LEN" val="17"/>
+  <p:tag name="KSO_WM_SLIDE_ID" val="custom160_9"/>
+  <p:tag name="KSO_WM_SLIDE_INDEX" val="9"/>
+  <p:tag name="KSO_WM_SLIDE_ITEM_CNT" val="4"/>
+  <p:tag name="KSO_WM_SLIDE_LAYOUT" val="a_l"/>
+  <p:tag name="KSO_WM_SLIDE_LAYOUT_CNT" val="1_1"/>
+  <p:tag name="KSO_WM_SLIDE_TYPE" val="contents"/>
+  <p:tag name="KSO_WM_BEAUTIFY_FLAG" val="#wm#"/>
+  <p:tag name="KSO_WM_TAG_VERSION" val="1.0"/>
+  <p:tag name="KSO_WM_SLIDE_POSITION" val="244*190"/>
+  <p:tag name="KSO_WM_SLIDE_SIZE" val="260*252"/>
+  <p:tag name="KSO_WM_DIAGRAM_GROUP_CODE" val="l1-1"/>
 </p:tagLst>
 </file>
 
 <file path=ppt/tags/tag24.xml><?xml version="1.0" encoding="utf-8"?>
-<p:tagLst xmlns:p="http://schemas.openxmlformats.org/presentationml/2006/main">
-  <p:tag name="KSO_WM_TEMPLATE_CATEGORY" val="custom"/>
-  <p:tag name="KSO_WM_TEMPLATE_INDEX" val="160"/>
-  <p:tag name="KSO_WM_SLIDE_ID" val="custom160_15"/>
-  <p:tag name="KSO_WM_SLIDE_INDEX" val="15"/>
-  <p:tag name="KSO_WM_SLIDE_ITEM_CNT" val="3"/>
-  <p:tag name="KSO_WM_SLIDE_LAYOUT" val="a_m"/>
-  <p:tag name="KSO_WM_SLIDE_LAYOUT_CNT" val="1_1"/>
-  <p:tag name="KSO_WM_SLIDE_TYPE" val="text"/>
-  <p:tag name="KSO_WM_BEAUTIFY_FLAG" val="#wm#"/>
-  <p:tag name="KSO_WM_TAG_VERSION" val="1.0"/>
-  <p:tag name="KSO_WM_SLIDE_POSITION" val="106*179"/>
-  <p:tag name="KSO_WM_SLIDE_SIZE" val="507*308"/>
-  <p:tag name="KSO_WM_DIAGRAM_GROUP_CODE" val="m1-1"/>
-</p:tagLst>
-</file>
-
-<file path=ppt/tags/tag25.xml><?xml version="1.0" encoding="utf-8"?>
 <p:tagLst xmlns:p="http://schemas.openxmlformats.org/presentationml/2006/main">
   <p:tag name="KSO_WM_TAG_VERSION" val="1.0"/>
   <p:tag name="KSO_WM_BEAUTIFY_FLAG" val="#wm#"/>
@@ -12995,7 +14087,7 @@
 </p:tagLst>
 </file>
 
-<file path=ppt/tags/tag26.xml><?xml version="1.0" encoding="utf-8"?>
+<file path=ppt/tags/tag25.xml><?xml version="1.0" encoding="utf-8"?>
 <p:tagLst xmlns:p="http://schemas.openxmlformats.org/presentationml/2006/main">
   <p:tag name="KSO_WM_TAG_VERSION" val="1.0"/>
   <p:tag name="KSO_WM_BEAUTIFY_FLAG" val="#wm#"/>
@@ -13015,7 +14107,7 @@
 </p:tagLst>
 </file>
 
-<file path=ppt/tags/tag27.xml><?xml version="1.0" encoding="utf-8"?>
+<file path=ppt/tags/tag26.xml><?xml version="1.0" encoding="utf-8"?>
 <p:tagLst xmlns:p="http://schemas.openxmlformats.org/presentationml/2006/main">
   <p:tag name="KSO_WM_TEMPLATE_CATEGORY" val="custom"/>
   <p:tag name="KSO_WM_TEMPLATE_INDEX" val="160"/>
@@ -13033,7 +14125,7 @@
 </p:tagLst>
 </file>
 
-<file path=ppt/tags/tag28.xml><?xml version="1.0" encoding="utf-8"?>
+<file path=ppt/tags/tag27.xml><?xml version="1.0" encoding="utf-8"?>
 <p:tagLst xmlns:p="http://schemas.openxmlformats.org/presentationml/2006/main">
   <p:tag name="KSO_WM_TAG_VERSION" val="1.0"/>
   <p:tag name="KSO_WM_BEAUTIFY_FLAG" val="#wm#"/>
@@ -13052,7 +14144,7 @@
 </p:tagLst>
 </file>
 
-<file path=ppt/tags/tag29.xml><?xml version="1.0" encoding="utf-8"?>
+<file path=ppt/tags/tag28.xml><?xml version="1.0" encoding="utf-8"?>
 <p:tagLst xmlns:p="http://schemas.openxmlformats.org/presentationml/2006/main">
   <p:tag name="KSO_WM_TAG_VERSION" val="1.0"/>
   <p:tag name="KSO_WM_BEAUTIFY_FLAG" val="#wm#"/>
@@ -13072,18 +14164,7 @@
 </p:tagLst>
 </file>
 
-<file path=ppt/tags/tag3.xml><?xml version="1.0" encoding="utf-8"?>
-<p:tagLst xmlns:p="http://schemas.openxmlformats.org/presentationml/2006/main">
-  <p:tag name="KSO_WM_TAG_VERSION" val="1.0"/>
-  <p:tag name="KSO_WM_BEAUTIFY_FLAG" val="#wm#"/>
-  <p:tag name="KSO_WM_UNIT_TYPE" val="i"/>
-  <p:tag name="KSO_WM_UNIT_ID" val="278*i*2"/>
-  <p:tag name="KSO_WM_TEMPLATE_CATEGORY" val="custom"/>
-  <p:tag name="KSO_WM_TEMPLATE_INDEX" val="160"/>
-</p:tagLst>
-</file>
-
-<file path=ppt/tags/tag30.xml><?xml version="1.0" encoding="utf-8"?>
+<file path=ppt/tags/tag29.xml><?xml version="1.0" encoding="utf-8"?>
 <p:tagLst xmlns:p="http://schemas.openxmlformats.org/presentationml/2006/main">
   <p:tag name="KSO_WM_TEMPLATE_CATEGORY" val="custom"/>
   <p:tag name="KSO_WM_TEMPLATE_INDEX" val="160"/>
@@ -13101,7 +14182,18 @@
 </p:tagLst>
 </file>
 
-<file path=ppt/tags/tag31.xml><?xml version="1.0" encoding="utf-8"?>
+<file path=ppt/tags/tag3.xml><?xml version="1.0" encoding="utf-8"?>
+<p:tagLst xmlns:p="http://schemas.openxmlformats.org/presentationml/2006/main">
+  <p:tag name="KSO_WM_TAG_VERSION" val="1.0"/>
+  <p:tag name="KSO_WM_BEAUTIFY_FLAG" val="#wm#"/>
+  <p:tag name="KSO_WM_UNIT_TYPE" val="i"/>
+  <p:tag name="KSO_WM_UNIT_ID" val="278*i*2"/>
+  <p:tag name="KSO_WM_TEMPLATE_CATEGORY" val="custom"/>
+  <p:tag name="KSO_WM_TEMPLATE_INDEX" val="160"/>
+</p:tagLst>
+</file>
+
+<file path=ppt/tags/tag30.xml><?xml version="1.0" encoding="utf-8"?>
 <p:tagLst xmlns:p="http://schemas.openxmlformats.org/presentationml/2006/main">
   <p:tag name="KSO_WM_TAG_VERSION" val="1.0"/>
   <p:tag name="KSO_WM_BEAUTIFY_FLAG" val="#wm#"/>
@@ -13120,7 +14212,7 @@
 </p:tagLst>
 </file>
 
-<file path=ppt/tags/tag32.xml><?xml version="1.0" encoding="utf-8"?>
+<file path=ppt/tags/tag31.xml><?xml version="1.0" encoding="utf-8"?>
 <p:tagLst xmlns:p="http://schemas.openxmlformats.org/presentationml/2006/main">
   <p:tag name="KSO_WM_TAG_VERSION" val="1.0"/>
   <p:tag name="KSO_WM_BEAUTIFY_FLAG" val="#wm#"/>
@@ -13140,7 +14232,7 @@
 </p:tagLst>
 </file>
 
-<file path=ppt/tags/tag33.xml><?xml version="1.0" encoding="utf-8"?>
+<file path=ppt/tags/tag32.xml><?xml version="1.0" encoding="utf-8"?>
 <p:tagLst xmlns:p="http://schemas.openxmlformats.org/presentationml/2006/main">
   <p:tag name="KSO_WM_TEMPLATE_CATEGORY" val="custom"/>
   <p:tag name="KSO_WM_TEMPLATE_INDEX" val="160"/>
@@ -13158,7 +14250,7 @@
 </p:tagLst>
 </file>
 
-<file path=ppt/tags/tag34.xml><?xml version="1.0" encoding="utf-8"?>
+<file path=ppt/tags/tag33.xml><?xml version="1.0" encoding="utf-8"?>
 <p:tagLst xmlns:p="http://schemas.openxmlformats.org/presentationml/2006/main">
   <p:tag name="KSO_WM_TAG_VERSION" val="1.0"/>
   <p:tag name="KSO_WM_BEAUTIFY_FLAG" val="#wm#"/>
@@ -13177,7 +14269,7 @@
 </p:tagLst>
 </file>
 
-<file path=ppt/tags/tag35.xml><?xml version="1.0" encoding="utf-8"?>
+<file path=ppt/tags/tag34.xml><?xml version="1.0" encoding="utf-8"?>
 <p:tagLst xmlns:p="http://schemas.openxmlformats.org/presentationml/2006/main">
   <p:tag name="KSO_WM_TAG_VERSION" val="1.0"/>
   <p:tag name="KSO_WM_BEAUTIFY_FLAG" val="#wm#"/>
@@ -13197,7 +14289,7 @@
 </p:tagLst>
 </file>
 
-<file path=ppt/tags/tag36.xml><?xml version="1.0" encoding="utf-8"?>
+<file path=ppt/tags/tag35.xml><?xml version="1.0" encoding="utf-8"?>
 <p:tagLst xmlns:p="http://schemas.openxmlformats.org/presentationml/2006/main">
   <p:tag name="KSO_WM_TEMPLATE_CATEGORY" val="custom"/>
   <p:tag name="KSO_WM_TEMPLATE_INDEX" val="160"/>
@@ -13215,7 +14307,7 @@
 </p:tagLst>
 </file>
 
-<file path=ppt/tags/tag37.xml><?xml version="1.0" encoding="utf-8"?>
+<file path=ppt/tags/tag36.xml><?xml version="1.0" encoding="utf-8"?>
 <p:tagLst xmlns:p="http://schemas.openxmlformats.org/presentationml/2006/main">
   <p:tag name="KSO_WM_TAG_VERSION" val="1.0"/>
   <p:tag name="KSO_WM_BEAUTIFY_FLAG" val="#wm#"/>
@@ -13234,7 +14326,7 @@
 </p:tagLst>
 </file>
 
-<file path=ppt/tags/tag38.xml><?xml version="1.0" encoding="utf-8"?>
+<file path=ppt/tags/tag37.xml><?xml version="1.0" encoding="utf-8"?>
 <p:tagLst xmlns:p="http://schemas.openxmlformats.org/presentationml/2006/main">
   <p:tag name="KSO_WM_TAG_VERSION" val="1.0"/>
   <p:tag name="KSO_WM_BEAUTIFY_FLAG" val="#wm#"/>
@@ -13254,7 +14346,7 @@
 </p:tagLst>
 </file>
 
-<file path=ppt/tags/tag39.xml><?xml version="1.0" encoding="utf-8"?>
+<file path=ppt/tags/tag38.xml><?xml version="1.0" encoding="utf-8"?>
 <p:tagLst xmlns:p="http://schemas.openxmlformats.org/presentationml/2006/main">
   <p:tag name="KSO_WM_TEMPLATE_CATEGORY" val="custom"/>
   <p:tag name="KSO_WM_TEMPLATE_INDEX" val="160"/>
@@ -13269,6 +14361,25 @@
   <p:tag name="KSO_WM_SLIDE_POSITION" val="106*179"/>
   <p:tag name="KSO_WM_SLIDE_SIZE" val="507*308"/>
   <p:tag name="KSO_WM_DIAGRAM_GROUP_CODE" val="m1-1"/>
+</p:tagLst>
+</file>
+
+<file path=ppt/tags/tag39.xml><?xml version="1.0" encoding="utf-8"?>
+<p:tagLst xmlns:p="http://schemas.openxmlformats.org/presentationml/2006/main">
+  <p:tag name="KSO_WM_TAG_VERSION" val="1.0"/>
+  <p:tag name="KSO_WM_BEAUTIFY_FLAG" val="#wm#"/>
+  <p:tag name="KSO_WM_TEMPLATE_CATEGORY" val="custom"/>
+  <p:tag name="KSO_WM_TEMPLATE_INDEX" val="160"/>
+  <p:tag name="KSO_WM_UNIT_TYPE" val="a"/>
+  <p:tag name="KSO_WM_UNIT_INDEX" val="1"/>
+  <p:tag name="KSO_WM_UNIT_ID" val="custom160_9*a*1"/>
+  <p:tag name="KSO_WM_UNIT_CLEAR" val="1"/>
+  <p:tag name="KSO_WM_UNIT_LAYERLEVEL" val="1"/>
+  <p:tag name="KSO_WM_UNIT_VALUE" val="8"/>
+  <p:tag name="KSO_WM_UNIT_ISCONTENTSTITLE" val="0"/>
+  <p:tag name="KSO_WM_UNIT_HIGHLIGHT" val="0"/>
+  <p:tag name="KSO_WM_UNIT_COMPATIBLE" val="0"/>
+  <p:tag name="KSO_WM_UNIT_PRESET_TEXT" val="CONTENTS"/>
 </p:tagLst>
 </file>
 
@@ -13291,6 +14402,44 @@
   <p:tag name="KSO_WM_TEMPLATE_INDEX" val="160"/>
   <p:tag name="KSO_WM_UNIT_TYPE" val="a"/>
   <p:tag name="KSO_WM_UNIT_INDEX" val="1"/>
+  <p:tag name="KSO_WM_UNIT_ID" val="custom160_15*a*1"/>
+  <p:tag name="KSO_WM_UNIT_CLEAR" val="1"/>
+  <p:tag name="KSO_WM_UNIT_LAYERLEVEL" val="1"/>
+  <p:tag name="KSO_WM_UNIT_VALUE" val="22"/>
+  <p:tag name="KSO_WM_UNIT_ISCONTENTSTITLE" val="0"/>
+  <p:tag name="KSO_WM_UNIT_HIGHLIGHT" val="0"/>
+  <p:tag name="KSO_WM_UNIT_COMPATIBLE" val="0"/>
+  <p:tag name="KSO_WM_UNIT_PRESET_TEXT_INDEX" val="3"/>
+  <p:tag name="KSO_WM_UNIT_PRESET_TEXT_LEN" val="17"/>
+</p:tagLst>
+</file>
+
+<file path=ppt/tags/tag41.xml><?xml version="1.0" encoding="utf-8"?>
+<p:tagLst xmlns:p="http://schemas.openxmlformats.org/presentationml/2006/main">
+  <p:tag name="KSO_WM_TEMPLATE_CATEGORY" val="custom"/>
+  <p:tag name="KSO_WM_TEMPLATE_INDEX" val="160"/>
+  <p:tag name="KSO_WM_SLIDE_ID" val="custom160_15"/>
+  <p:tag name="KSO_WM_SLIDE_INDEX" val="15"/>
+  <p:tag name="KSO_WM_SLIDE_ITEM_CNT" val="3"/>
+  <p:tag name="KSO_WM_SLIDE_LAYOUT" val="a_m"/>
+  <p:tag name="KSO_WM_SLIDE_LAYOUT_CNT" val="1_1"/>
+  <p:tag name="KSO_WM_SLIDE_TYPE" val="text"/>
+  <p:tag name="KSO_WM_BEAUTIFY_FLAG" val="#wm#"/>
+  <p:tag name="KSO_WM_TAG_VERSION" val="1.0"/>
+  <p:tag name="KSO_WM_SLIDE_POSITION" val="106*179"/>
+  <p:tag name="KSO_WM_SLIDE_SIZE" val="507*308"/>
+  <p:tag name="KSO_WM_DIAGRAM_GROUP_CODE" val="m1-1"/>
+</p:tagLst>
+</file>
+
+<file path=ppt/tags/tag42.xml><?xml version="1.0" encoding="utf-8"?>
+<p:tagLst xmlns:p="http://schemas.openxmlformats.org/presentationml/2006/main">
+  <p:tag name="KSO_WM_TAG_VERSION" val="1.0"/>
+  <p:tag name="KSO_WM_BEAUTIFY_FLAG" val="#wm#"/>
+  <p:tag name="KSO_WM_TEMPLATE_CATEGORY" val="custom"/>
+  <p:tag name="KSO_WM_TEMPLATE_INDEX" val="160"/>
+  <p:tag name="KSO_WM_UNIT_TYPE" val="a"/>
+  <p:tag name="KSO_WM_UNIT_INDEX" val="1"/>
   <p:tag name="KSO_WM_UNIT_ID" val="custom160_32*a*1"/>
   <p:tag name="KSO_WM_UNIT_CLEAR" val="1"/>
   <p:tag name="KSO_WM_UNIT_LAYERLEVEL" val="1"/>
@@ -13302,7 +14451,7 @@
 </p:tagLst>
 </file>
 
-<file path=ppt/tags/tag41.xml><?xml version="1.0" encoding="utf-8"?>
+<file path=ppt/tags/tag43.xml><?xml version="1.0" encoding="utf-8"?>
 <p:tagLst xmlns:p="http://schemas.openxmlformats.org/presentationml/2006/main">
   <p:tag name="KSO_WM_TEMPLATE_CATEGORY" val="custom"/>
   <p:tag name="KSO_WM_TEMPLATE_INDEX" val="160"/>
